--- a/ML5G-PS-012-Xdding-Presentation.pptx
+++ b/ML5G-PS-012-Xdding-Presentation.pptx
@@ -17414,8 +17414,8 @@
           </a:p>
         </p:txBody>
       </p:sp>
-      <mc:AlternateContent xmlns:mc="http://schemas.openxmlformats.org/markup-compatibility/2006">
-        <mc:Choice xmlns:a14="http://schemas.microsoft.com/office/drawing/2010/main" Requires="a14">
+      <mc:AlternateContent xmlns:mc="http://schemas.openxmlformats.org/markup-compatibility/2006" xmlns:a14="http://schemas.microsoft.com/office/drawing/2010/main">
+        <mc:Choice Requires="a14">
           <p:sp>
             <p:nvSpPr>
               <p:cNvPr id="14" name="TextBox 13">
@@ -17752,7 +17752,7 @@
             </p:txBody>
           </p:sp>
         </mc:Choice>
-        <mc:Fallback>
+        <mc:Fallback xmlns="">
           <p:sp>
             <p:nvSpPr>
               <p:cNvPr id="14" name="TextBox 13">
@@ -20190,7 +20190,7 @@
           <a:p>
             <a:r>
               <a:rPr lang="en-US" dirty="0"/>
-              <a:t>~10% improvement over manually extracted features</a:t>
+              <a:t>~10% improvement over manually extracted features (e.g. % outliers using Local Outlier Factor, descriptive stats)</a:t>
             </a:r>
           </a:p>
           <a:p>

--- a/ML5G-PS-012-Xdding-Presentation.pptx
+++ b/ML5G-PS-012-Xdding-Presentation.pptx
@@ -5,7 +5,7 @@
     <p:sldMasterId id="2147483670" r:id="rId1"/>
   </p:sldMasterIdLst>
   <p:notesMasterIdLst>
-    <p:notesMasterId r:id="rId17"/>
+    <p:notesMasterId r:id="rId18"/>
   </p:notesMasterIdLst>
   <p:sldIdLst>
     <p:sldId id="256" r:id="rId2"/>
@@ -14,43 +14,44 @@
     <p:sldId id="299" r:id="rId5"/>
     <p:sldId id="298" r:id="rId6"/>
     <p:sldId id="300" r:id="rId7"/>
-    <p:sldId id="301" r:id="rId8"/>
-    <p:sldId id="302" r:id="rId9"/>
-    <p:sldId id="303" r:id="rId10"/>
-    <p:sldId id="304" r:id="rId11"/>
-    <p:sldId id="305" r:id="rId12"/>
-    <p:sldId id="306" r:id="rId13"/>
-    <p:sldId id="307" r:id="rId14"/>
-    <p:sldId id="308" r:id="rId15"/>
-    <p:sldId id="278" r:id="rId16"/>
+    <p:sldId id="310" r:id="rId8"/>
+    <p:sldId id="301" r:id="rId9"/>
+    <p:sldId id="309" r:id="rId10"/>
+    <p:sldId id="311" r:id="rId11"/>
+    <p:sldId id="304" r:id="rId12"/>
+    <p:sldId id="305" r:id="rId13"/>
+    <p:sldId id="306" r:id="rId14"/>
+    <p:sldId id="307" r:id="rId15"/>
+    <p:sldId id="308" r:id="rId16"/>
+    <p:sldId id="278" r:id="rId17"/>
   </p:sldIdLst>
   <p:sldSz cx="9144000" cy="5143500" type="screen16x9"/>
   <p:notesSz cx="6858000" cy="9144000"/>
   <p:embeddedFontLst>
     <p:embeddedFont>
       <p:font typeface="Advent Pro SemiBold" panose="020B0604020202020204" charset="0"/>
-      <p:regular r:id="rId18"/>
-      <p:bold r:id="rId19"/>
+      <p:regular r:id="rId19"/>
+      <p:bold r:id="rId20"/>
     </p:embeddedFont>
     <p:embeddedFont>
       <p:font typeface="Cambria Math" panose="02040503050406030204" pitchFamily="18" charset="0"/>
-      <p:regular r:id="rId20"/>
+      <p:regular r:id="rId21"/>
     </p:embeddedFont>
     <p:embeddedFont>
       <p:font typeface="Fira Sans Extra Condensed Medium" panose="020B0604020202020204" charset="0"/>
-      <p:regular r:id="rId21"/>
-      <p:bold r:id="rId22"/>
-      <p:italic r:id="rId23"/>
-      <p:boldItalic r:id="rId24"/>
+      <p:regular r:id="rId22"/>
+      <p:bold r:id="rId23"/>
+      <p:italic r:id="rId24"/>
+      <p:boldItalic r:id="rId25"/>
     </p:embeddedFont>
     <p:embeddedFont>
       <p:font typeface="Maven Pro" panose="020B0604020202020204" charset="0"/>
-      <p:regular r:id="rId25"/>
-      <p:bold r:id="rId26"/>
+      <p:regular r:id="rId26"/>
+      <p:bold r:id="rId27"/>
     </p:embeddedFont>
     <p:embeddedFont>
       <p:font typeface="Share Tech" panose="020B0604020202020204" charset="0"/>
-      <p:regular r:id="rId27"/>
+      <p:regular r:id="rId28"/>
     </p:embeddedFont>
   </p:embeddedFontLst>
   <p:defaultTextStyle>
@@ -288,3673 +289,6 @@
     </p:ext>
   </p:extLst>
 </p:presentation>
-</file>
-
-<file path=ppt/charts/chart1.xml><?xml version="1.0" encoding="utf-8"?>
-<c:chartSpace xmlns:c="http://schemas.openxmlformats.org/drawingml/2006/chart" xmlns:a="http://schemas.openxmlformats.org/drawingml/2006/main" xmlns:r="http://schemas.openxmlformats.org/officeDocument/2006/relationships" xmlns:c16r2="http://schemas.microsoft.com/office/drawing/2015/06/chart">
-  <c:date1904 val="0"/>
-  <c:lang val="en-US"/>
-  <c:roundedCorners val="0"/>
-  <mc:AlternateContent xmlns:mc="http://schemas.openxmlformats.org/markup-compatibility/2006">
-    <mc:Choice xmlns:c14="http://schemas.microsoft.com/office/drawing/2007/8/2/chart" Requires="c14">
-      <c14:style val="102"/>
-    </mc:Choice>
-    <mc:Fallback>
-      <c:style val="2"/>
-    </mc:Fallback>
-  </mc:AlternateContent>
-  <c:chart>
-    <c:title>
-      <c:tx>
-        <c:rich>
-          <a:bodyPr rot="0" spcFirstLastPara="1" vertOverflow="ellipsis" vert="horz" wrap="square" anchor="ctr" anchorCtr="1"/>
-          <a:lstStyle/>
-          <a:p>
-            <a:pPr>
-              <a:defRPr sz="1400" b="0" i="0" u="none" strike="noStrike" kern="1200" spc="0" baseline="0">
-                <a:solidFill>
-                  <a:schemeClr val="tx1">
-                    <a:lumMod val="65000"/>
-                    <a:lumOff val="35000"/>
-                  </a:schemeClr>
-                </a:solidFill>
-                <a:latin typeface="+mn-lt"/>
-                <a:ea typeface="+mn-ea"/>
-                <a:cs typeface="+mn-cs"/>
-              </a:defRPr>
-            </a:pPr>
-            <a:r>
-              <a:rPr lang="en-US"/>
-              <a:t>Mean</a:t>
-            </a:r>
-          </a:p>
-        </c:rich>
-      </c:tx>
-      <c:overlay val="0"/>
-      <c:spPr>
-        <a:noFill/>
-        <a:ln>
-          <a:noFill/>
-        </a:ln>
-        <a:effectLst/>
-      </c:spPr>
-      <c:txPr>
-        <a:bodyPr rot="0" spcFirstLastPara="1" vertOverflow="ellipsis" vert="horz" wrap="square" anchor="ctr" anchorCtr="1"/>
-        <a:lstStyle/>
-        <a:p>
-          <a:pPr>
-            <a:defRPr sz="1400" b="0" i="0" u="none" strike="noStrike" kern="1200" spc="0" baseline="0">
-              <a:solidFill>
-                <a:schemeClr val="tx1">
-                  <a:lumMod val="65000"/>
-                  <a:lumOff val="35000"/>
-                </a:schemeClr>
-              </a:solidFill>
-              <a:latin typeface="+mn-lt"/>
-              <a:ea typeface="+mn-ea"/>
-              <a:cs typeface="+mn-cs"/>
-            </a:defRPr>
-          </a:pPr>
-          <a:endParaRPr lang="en-US"/>
-        </a:p>
-      </c:txPr>
-    </c:title>
-    <c:autoTitleDeleted val="0"/>
-    <c:plotArea>
-      <c:layout/>
-      <c:barChart>
-        <c:barDir val="col"/>
-        <c:grouping val="clustered"/>
-        <c:varyColors val="0"/>
-        <c:ser>
-          <c:idx val="0"/>
-          <c:order val="0"/>
-          <c:tx>
-            <c:strRef>
-              <c:f>Sheet2!$A$2</c:f>
-              <c:strCache>
-                <c:ptCount val="1"/>
-                <c:pt idx="0">
-                  <c:v>mean</c:v>
-                </c:pt>
-              </c:strCache>
-            </c:strRef>
-          </c:tx>
-          <c:spPr>
-            <a:solidFill>
-              <a:schemeClr val="accent1"/>
-            </a:solidFill>
-            <a:ln>
-              <a:noFill/>
-            </a:ln>
-            <a:effectLst/>
-          </c:spPr>
-          <c:invertIfNegative val="0"/>
-          <c:cat>
-            <c:strRef>
-              <c:f>Sheet2!$B$1:$Q$1</c:f>
-              <c:strCache>
-                <c:ptCount val="16"/>
-                <c:pt idx="0">
-                  <c:v>ind1_UBE</c:v>
-                </c:pt>
-                <c:pt idx="1">
-                  <c:v>ind1_UGE</c:v>
-                </c:pt>
-                <c:pt idx="2">
-                  <c:v>ind2_UBE</c:v>
-                </c:pt>
-                <c:pt idx="3">
-                  <c:v>ind2_UGE</c:v>
-                </c:pt>
-                <c:pt idx="4">
-                  <c:v>ind3_UBE</c:v>
-                </c:pt>
-                <c:pt idx="5">
-                  <c:v>ind3_UGE</c:v>
-                </c:pt>
-                <c:pt idx="6">
-                  <c:v>ind4_UBE</c:v>
-                </c:pt>
-                <c:pt idx="7">
-                  <c:v>ind4_UGE</c:v>
-                </c:pt>
-                <c:pt idx="8">
-                  <c:v>ind5_UBE</c:v>
-                </c:pt>
-                <c:pt idx="9">
-                  <c:v>ind5_UGE</c:v>
-                </c:pt>
-                <c:pt idx="10">
-                  <c:v>ind6_UBE</c:v>
-                </c:pt>
-                <c:pt idx="11">
-                  <c:v>ind6_UGE</c:v>
-                </c:pt>
-                <c:pt idx="12">
-                  <c:v>ind7_UBE</c:v>
-                </c:pt>
-                <c:pt idx="13">
-                  <c:v>ind7_UGE</c:v>
-                </c:pt>
-                <c:pt idx="14">
-                  <c:v>ind8_UBE</c:v>
-                </c:pt>
-                <c:pt idx="15">
-                  <c:v>ind8_UGE</c:v>
-                </c:pt>
-              </c:strCache>
-            </c:strRef>
-          </c:cat>
-          <c:val>
-            <c:numRef>
-              <c:f>Sheet2!$B$2:$Q$2</c:f>
-              <c:numCache>
-                <c:formatCode>0.00E+00</c:formatCode>
-                <c:ptCount val="16"/>
-                <c:pt idx="0">
-                  <c:v>88.116960000000006</c:v>
-                </c:pt>
-                <c:pt idx="1">
-                  <c:v>92.002979999999994</c:v>
-                </c:pt>
-                <c:pt idx="2">
-                  <c:v>167.40440000000001</c:v>
-                </c:pt>
-                <c:pt idx="3">
-                  <c:v>198.7696</c:v>
-                </c:pt>
-                <c:pt idx="4">
-                  <c:v>129.25020000000001</c:v>
-                </c:pt>
-                <c:pt idx="5">
-                  <c:v>149.51910000000001</c:v>
-                </c:pt>
-                <c:pt idx="6">
-                  <c:v>180.29</c:v>
-                </c:pt>
-                <c:pt idx="7">
-                  <c:v>170.08090000000001</c:v>
-                </c:pt>
-                <c:pt idx="8">
-                  <c:v>50.967550000000003</c:v>
-                </c:pt>
-                <c:pt idx="9">
-                  <c:v>45.446899999999999</c:v>
-                </c:pt>
-                <c:pt idx="10">
-                  <c:v>21.93486</c:v>
-                </c:pt>
-                <c:pt idx="11">
-                  <c:v>21.665379999999999</c:v>
-                </c:pt>
-                <c:pt idx="12">
-                  <c:v>2.1130599999999999E-2</c:v>
-                </c:pt>
-                <c:pt idx="13">
-                  <c:v>2.234421E-2</c:v>
-                </c:pt>
-                <c:pt idx="14">
-                  <c:v>1.6473979999999999E-2</c:v>
-                </c:pt>
-                <c:pt idx="15">
-                  <c:v>1.723937E-2</c:v>
-                </c:pt>
-              </c:numCache>
-            </c:numRef>
-          </c:val>
-          <c:extLst>
-            <c:ext xmlns:c16="http://schemas.microsoft.com/office/drawing/2014/chart" uri="{C3380CC4-5D6E-409C-BE32-E72D297353CC}">
-              <c16:uniqueId val="{00000000-D769-4C11-8C2E-0010396EB44C}"/>
-            </c:ext>
-          </c:extLst>
-        </c:ser>
-        <c:dLbls>
-          <c:showLegendKey val="0"/>
-          <c:showVal val="0"/>
-          <c:showCatName val="0"/>
-          <c:showSerName val="0"/>
-          <c:showPercent val="0"/>
-          <c:showBubbleSize val="0"/>
-        </c:dLbls>
-        <c:gapWidth val="219"/>
-        <c:overlap val="-27"/>
-        <c:axId val="2055662575"/>
-        <c:axId val="2055649679"/>
-      </c:barChart>
-      <c:catAx>
-        <c:axId val="2055662575"/>
-        <c:scaling>
-          <c:orientation val="minMax"/>
-        </c:scaling>
-        <c:delete val="0"/>
-        <c:axPos val="b"/>
-        <c:numFmt formatCode="General" sourceLinked="1"/>
-        <c:majorTickMark val="none"/>
-        <c:minorTickMark val="none"/>
-        <c:tickLblPos val="nextTo"/>
-        <c:spPr>
-          <a:noFill/>
-          <a:ln w="9525" cap="flat" cmpd="sng" algn="ctr">
-            <a:solidFill>
-              <a:schemeClr val="tx1">
-                <a:lumMod val="15000"/>
-                <a:lumOff val="85000"/>
-              </a:schemeClr>
-            </a:solidFill>
-            <a:round/>
-          </a:ln>
-          <a:effectLst/>
-        </c:spPr>
-        <c:txPr>
-          <a:bodyPr rot="-60000000" spcFirstLastPara="1" vertOverflow="ellipsis" vert="horz" wrap="square" anchor="ctr" anchorCtr="1"/>
-          <a:lstStyle/>
-          <a:p>
-            <a:pPr>
-              <a:defRPr sz="900" b="0" i="0" u="none" strike="noStrike" kern="1200" baseline="0">
-                <a:solidFill>
-                  <a:schemeClr val="tx1">
-                    <a:lumMod val="65000"/>
-                    <a:lumOff val="35000"/>
-                  </a:schemeClr>
-                </a:solidFill>
-                <a:latin typeface="+mn-lt"/>
-                <a:ea typeface="+mn-ea"/>
-                <a:cs typeface="+mn-cs"/>
-              </a:defRPr>
-            </a:pPr>
-            <a:endParaRPr lang="en-US"/>
-          </a:p>
-        </c:txPr>
-        <c:crossAx val="2055649679"/>
-        <c:crosses val="autoZero"/>
-        <c:auto val="1"/>
-        <c:lblAlgn val="ctr"/>
-        <c:lblOffset val="100"/>
-        <c:noMultiLvlLbl val="0"/>
-      </c:catAx>
-      <c:valAx>
-        <c:axId val="2055649679"/>
-        <c:scaling>
-          <c:orientation val="minMax"/>
-        </c:scaling>
-        <c:delete val="0"/>
-        <c:axPos val="l"/>
-        <c:majorGridlines>
-          <c:spPr>
-            <a:ln w="9525" cap="flat" cmpd="sng" algn="ctr">
-              <a:solidFill>
-                <a:schemeClr val="tx1">
-                  <a:lumMod val="15000"/>
-                  <a:lumOff val="85000"/>
-                </a:schemeClr>
-              </a:solidFill>
-              <a:round/>
-            </a:ln>
-            <a:effectLst/>
-          </c:spPr>
-        </c:majorGridlines>
-        <c:numFmt formatCode="0.00E+00" sourceLinked="1"/>
-        <c:majorTickMark val="none"/>
-        <c:minorTickMark val="none"/>
-        <c:tickLblPos val="nextTo"/>
-        <c:spPr>
-          <a:noFill/>
-          <a:ln>
-            <a:noFill/>
-          </a:ln>
-          <a:effectLst/>
-        </c:spPr>
-        <c:txPr>
-          <a:bodyPr rot="-60000000" spcFirstLastPara="1" vertOverflow="ellipsis" vert="horz" wrap="square" anchor="ctr" anchorCtr="1"/>
-          <a:lstStyle/>
-          <a:p>
-            <a:pPr>
-              <a:defRPr sz="900" b="0" i="0" u="none" strike="noStrike" kern="1200" baseline="0">
-                <a:solidFill>
-                  <a:schemeClr val="tx1">
-                    <a:lumMod val="65000"/>
-                    <a:lumOff val="35000"/>
-                  </a:schemeClr>
-                </a:solidFill>
-                <a:latin typeface="+mn-lt"/>
-                <a:ea typeface="+mn-ea"/>
-                <a:cs typeface="+mn-cs"/>
-              </a:defRPr>
-            </a:pPr>
-            <a:endParaRPr lang="en-US"/>
-          </a:p>
-        </c:txPr>
-        <c:crossAx val="2055662575"/>
-        <c:crosses val="autoZero"/>
-        <c:crossBetween val="between"/>
-      </c:valAx>
-      <c:spPr>
-        <a:noFill/>
-        <a:ln>
-          <a:noFill/>
-        </a:ln>
-        <a:effectLst/>
-      </c:spPr>
-    </c:plotArea>
-    <c:plotVisOnly val="1"/>
-    <c:dispBlanksAs val="gap"/>
-    <c:showDLblsOverMax val="0"/>
-  </c:chart>
-  <c:spPr>
-    <a:noFill/>
-    <a:ln>
-      <a:noFill/>
-    </a:ln>
-    <a:effectLst/>
-  </c:spPr>
-  <c:txPr>
-    <a:bodyPr/>
-    <a:lstStyle/>
-    <a:p>
-      <a:pPr>
-        <a:defRPr/>
-      </a:pPr>
-      <a:endParaRPr lang="en-US"/>
-    </a:p>
-  </c:txPr>
-  <c:externalData r:id="rId3">
-    <c:autoUpdate val="0"/>
-  </c:externalData>
-</c:chartSpace>
-</file>
-
-<file path=ppt/charts/chart2.xml><?xml version="1.0" encoding="utf-8"?>
-<c:chartSpace xmlns:c="http://schemas.openxmlformats.org/drawingml/2006/chart" xmlns:a="http://schemas.openxmlformats.org/drawingml/2006/main" xmlns:r="http://schemas.openxmlformats.org/officeDocument/2006/relationships" xmlns:c16r2="http://schemas.microsoft.com/office/drawing/2015/06/chart">
-  <c:date1904 val="0"/>
-  <c:lang val="en-US"/>
-  <c:roundedCorners val="0"/>
-  <mc:AlternateContent xmlns:mc="http://schemas.openxmlformats.org/markup-compatibility/2006">
-    <mc:Choice xmlns:c14="http://schemas.microsoft.com/office/drawing/2007/8/2/chart" Requires="c14">
-      <c14:style val="102"/>
-    </mc:Choice>
-    <mc:Fallback>
-      <c:style val="2"/>
-    </mc:Fallback>
-  </mc:AlternateContent>
-  <c:chart>
-    <c:title>
-      <c:tx>
-        <c:rich>
-          <a:bodyPr rot="0" spcFirstLastPara="1" vertOverflow="ellipsis" vert="horz" wrap="square" anchor="ctr" anchorCtr="1"/>
-          <a:lstStyle/>
-          <a:p>
-            <a:pPr>
-              <a:defRPr sz="1400" b="0" i="0" u="none" strike="noStrike" kern="1200" spc="0" baseline="0">
-                <a:solidFill>
-                  <a:schemeClr val="tx1">
-                    <a:lumMod val="65000"/>
-                    <a:lumOff val="35000"/>
-                  </a:schemeClr>
-                </a:solidFill>
-                <a:latin typeface="+mn-lt"/>
-                <a:ea typeface="+mn-ea"/>
-                <a:cs typeface="+mn-cs"/>
-              </a:defRPr>
-            </a:pPr>
-            <a:r>
-              <a:rPr lang="en-US"/>
-              <a:t>Standard</a:t>
-            </a:r>
-            <a:r>
-              <a:rPr lang="en-US" baseline="0"/>
-              <a:t> Deviation</a:t>
-            </a:r>
-            <a:endParaRPr lang="en-US"/>
-          </a:p>
-        </c:rich>
-      </c:tx>
-      <c:overlay val="0"/>
-      <c:spPr>
-        <a:noFill/>
-        <a:ln>
-          <a:noFill/>
-        </a:ln>
-        <a:effectLst/>
-      </c:spPr>
-      <c:txPr>
-        <a:bodyPr rot="0" spcFirstLastPara="1" vertOverflow="ellipsis" vert="horz" wrap="square" anchor="ctr" anchorCtr="1"/>
-        <a:lstStyle/>
-        <a:p>
-          <a:pPr>
-            <a:defRPr sz="1400" b="0" i="0" u="none" strike="noStrike" kern="1200" spc="0" baseline="0">
-              <a:solidFill>
-                <a:schemeClr val="tx1">
-                  <a:lumMod val="65000"/>
-                  <a:lumOff val="35000"/>
-                </a:schemeClr>
-              </a:solidFill>
-              <a:latin typeface="+mn-lt"/>
-              <a:ea typeface="+mn-ea"/>
-              <a:cs typeface="+mn-cs"/>
-            </a:defRPr>
-          </a:pPr>
-          <a:endParaRPr lang="en-US"/>
-        </a:p>
-      </c:txPr>
-    </c:title>
-    <c:autoTitleDeleted val="0"/>
-    <c:plotArea>
-      <c:layout/>
-      <c:barChart>
-        <c:barDir val="col"/>
-        <c:grouping val="clustered"/>
-        <c:varyColors val="0"/>
-        <c:ser>
-          <c:idx val="0"/>
-          <c:order val="0"/>
-          <c:tx>
-            <c:strRef>
-              <c:f>Sheet2!$A$3</c:f>
-              <c:strCache>
-                <c:ptCount val="1"/>
-                <c:pt idx="0">
-                  <c:v>std</c:v>
-                </c:pt>
-              </c:strCache>
-            </c:strRef>
-          </c:tx>
-          <c:spPr>
-            <a:solidFill>
-              <a:schemeClr val="accent2"/>
-            </a:solidFill>
-            <a:ln>
-              <a:noFill/>
-            </a:ln>
-            <a:effectLst/>
-          </c:spPr>
-          <c:invertIfNegative val="0"/>
-          <c:cat>
-            <c:strRef>
-              <c:f>Sheet2!$B$1:$Q$1</c:f>
-              <c:strCache>
-                <c:ptCount val="16"/>
-                <c:pt idx="0">
-                  <c:v>ind1_UBE</c:v>
-                </c:pt>
-                <c:pt idx="1">
-                  <c:v>ind1_UGE</c:v>
-                </c:pt>
-                <c:pt idx="2">
-                  <c:v>ind2_UBE</c:v>
-                </c:pt>
-                <c:pt idx="3">
-                  <c:v>ind2_UGE</c:v>
-                </c:pt>
-                <c:pt idx="4">
-                  <c:v>ind3_UBE</c:v>
-                </c:pt>
-                <c:pt idx="5">
-                  <c:v>ind3_UGE</c:v>
-                </c:pt>
-                <c:pt idx="6">
-                  <c:v>ind4_UBE</c:v>
-                </c:pt>
-                <c:pt idx="7">
-                  <c:v>ind4_UGE</c:v>
-                </c:pt>
-                <c:pt idx="8">
-                  <c:v>ind5_UBE</c:v>
-                </c:pt>
-                <c:pt idx="9">
-                  <c:v>ind5_UGE</c:v>
-                </c:pt>
-                <c:pt idx="10">
-                  <c:v>ind6_UBE</c:v>
-                </c:pt>
-                <c:pt idx="11">
-                  <c:v>ind6_UGE</c:v>
-                </c:pt>
-                <c:pt idx="12">
-                  <c:v>ind7_UBE</c:v>
-                </c:pt>
-                <c:pt idx="13">
-                  <c:v>ind7_UGE</c:v>
-                </c:pt>
-                <c:pt idx="14">
-                  <c:v>ind8_UBE</c:v>
-                </c:pt>
-                <c:pt idx="15">
-                  <c:v>ind8_UGE</c:v>
-                </c:pt>
-              </c:strCache>
-            </c:strRef>
-          </c:cat>
-          <c:val>
-            <c:numRef>
-              <c:f>Sheet2!$B$3:$Q$3</c:f>
-              <c:numCache>
-                <c:formatCode>0.00E+00</c:formatCode>
-                <c:ptCount val="16"/>
-                <c:pt idx="0">
-                  <c:v>1538.213</c:v>
-                </c:pt>
-                <c:pt idx="1">
-                  <c:v>1895.8340000000001</c:v>
-                </c:pt>
-                <c:pt idx="2">
-                  <c:v>1628.6590000000001</c:v>
-                </c:pt>
-                <c:pt idx="3">
-                  <c:v>2201.4</c:v>
-                </c:pt>
-                <c:pt idx="4">
-                  <c:v>1721.797</c:v>
-                </c:pt>
-                <c:pt idx="5">
-                  <c:v>1996.6969999999999</c:v>
-                </c:pt>
-                <c:pt idx="6">
-                  <c:v>3071.1379999999999</c:v>
-                </c:pt>
-                <c:pt idx="7">
-                  <c:v>2974.748</c:v>
-                </c:pt>
-                <c:pt idx="8">
-                  <c:v>108.8445</c:v>
-                </c:pt>
-                <c:pt idx="9">
-                  <c:v>96.090260000000001</c:v>
-                </c:pt>
-                <c:pt idx="10">
-                  <c:v>311.19229999999999</c:v>
-                </c:pt>
-                <c:pt idx="11">
-                  <c:v>293.50420000000003</c:v>
-                </c:pt>
-                <c:pt idx="12">
-                  <c:v>5.3267839999999997E-2</c:v>
-                </c:pt>
-                <c:pt idx="13">
-                  <c:v>5.566579E-2</c:v>
-                </c:pt>
-                <c:pt idx="14">
-                  <c:v>6.5466300000000005E-2</c:v>
-                </c:pt>
-                <c:pt idx="15">
-                  <c:v>6.7378010000000002E-2</c:v>
-                </c:pt>
-              </c:numCache>
-            </c:numRef>
-          </c:val>
-          <c:extLst>
-            <c:ext xmlns:c16="http://schemas.microsoft.com/office/drawing/2014/chart" uri="{C3380CC4-5D6E-409C-BE32-E72D297353CC}">
-              <c16:uniqueId val="{00000000-D8E5-467C-B155-1263907986B6}"/>
-            </c:ext>
-          </c:extLst>
-        </c:ser>
-        <c:dLbls>
-          <c:showLegendKey val="0"/>
-          <c:showVal val="0"/>
-          <c:showCatName val="0"/>
-          <c:showSerName val="0"/>
-          <c:showPercent val="0"/>
-          <c:showBubbleSize val="0"/>
-        </c:dLbls>
-        <c:gapWidth val="219"/>
-        <c:overlap val="-27"/>
-        <c:axId val="2058888383"/>
-        <c:axId val="2058904607"/>
-      </c:barChart>
-      <c:catAx>
-        <c:axId val="2058888383"/>
-        <c:scaling>
-          <c:orientation val="minMax"/>
-        </c:scaling>
-        <c:delete val="0"/>
-        <c:axPos val="b"/>
-        <c:numFmt formatCode="General" sourceLinked="1"/>
-        <c:majorTickMark val="none"/>
-        <c:minorTickMark val="none"/>
-        <c:tickLblPos val="nextTo"/>
-        <c:spPr>
-          <a:noFill/>
-          <a:ln w="9525" cap="flat" cmpd="sng" algn="ctr">
-            <a:solidFill>
-              <a:schemeClr val="tx1">
-                <a:lumMod val="15000"/>
-                <a:lumOff val="85000"/>
-              </a:schemeClr>
-            </a:solidFill>
-            <a:round/>
-          </a:ln>
-          <a:effectLst/>
-        </c:spPr>
-        <c:txPr>
-          <a:bodyPr rot="-60000000" spcFirstLastPara="1" vertOverflow="ellipsis" vert="horz" wrap="square" anchor="ctr" anchorCtr="1"/>
-          <a:lstStyle/>
-          <a:p>
-            <a:pPr>
-              <a:defRPr sz="900" b="0" i="0" u="none" strike="noStrike" kern="1200" baseline="0">
-                <a:solidFill>
-                  <a:schemeClr val="tx1">
-                    <a:lumMod val="65000"/>
-                    <a:lumOff val="35000"/>
-                  </a:schemeClr>
-                </a:solidFill>
-                <a:latin typeface="+mn-lt"/>
-                <a:ea typeface="+mn-ea"/>
-                <a:cs typeface="+mn-cs"/>
-              </a:defRPr>
-            </a:pPr>
-            <a:endParaRPr lang="en-US"/>
-          </a:p>
-        </c:txPr>
-        <c:crossAx val="2058904607"/>
-        <c:crosses val="autoZero"/>
-        <c:auto val="1"/>
-        <c:lblAlgn val="ctr"/>
-        <c:lblOffset val="100"/>
-        <c:noMultiLvlLbl val="0"/>
-      </c:catAx>
-      <c:valAx>
-        <c:axId val="2058904607"/>
-        <c:scaling>
-          <c:orientation val="minMax"/>
-        </c:scaling>
-        <c:delete val="0"/>
-        <c:axPos val="l"/>
-        <c:majorGridlines>
-          <c:spPr>
-            <a:ln w="9525" cap="flat" cmpd="sng" algn="ctr">
-              <a:solidFill>
-                <a:schemeClr val="tx1">
-                  <a:lumMod val="15000"/>
-                  <a:lumOff val="85000"/>
-                </a:schemeClr>
-              </a:solidFill>
-              <a:round/>
-            </a:ln>
-            <a:effectLst/>
-          </c:spPr>
-        </c:majorGridlines>
-        <c:numFmt formatCode="0.00E+00" sourceLinked="1"/>
-        <c:majorTickMark val="none"/>
-        <c:minorTickMark val="none"/>
-        <c:tickLblPos val="nextTo"/>
-        <c:spPr>
-          <a:noFill/>
-          <a:ln>
-            <a:noFill/>
-          </a:ln>
-          <a:effectLst/>
-        </c:spPr>
-        <c:txPr>
-          <a:bodyPr rot="-60000000" spcFirstLastPara="1" vertOverflow="ellipsis" vert="horz" wrap="square" anchor="ctr" anchorCtr="1"/>
-          <a:lstStyle/>
-          <a:p>
-            <a:pPr>
-              <a:defRPr sz="900" b="0" i="0" u="none" strike="noStrike" kern="1200" baseline="0">
-                <a:solidFill>
-                  <a:schemeClr val="tx1">
-                    <a:lumMod val="65000"/>
-                    <a:lumOff val="35000"/>
-                  </a:schemeClr>
-                </a:solidFill>
-                <a:latin typeface="+mn-lt"/>
-                <a:ea typeface="+mn-ea"/>
-                <a:cs typeface="+mn-cs"/>
-              </a:defRPr>
-            </a:pPr>
-            <a:endParaRPr lang="en-US"/>
-          </a:p>
-        </c:txPr>
-        <c:crossAx val="2058888383"/>
-        <c:crosses val="autoZero"/>
-        <c:crossBetween val="between"/>
-      </c:valAx>
-      <c:spPr>
-        <a:noFill/>
-        <a:ln>
-          <a:noFill/>
-        </a:ln>
-        <a:effectLst/>
-      </c:spPr>
-    </c:plotArea>
-    <c:plotVisOnly val="1"/>
-    <c:dispBlanksAs val="gap"/>
-    <c:showDLblsOverMax val="0"/>
-  </c:chart>
-  <c:spPr>
-    <a:noFill/>
-    <a:ln>
-      <a:noFill/>
-    </a:ln>
-    <a:effectLst/>
-  </c:spPr>
-  <c:txPr>
-    <a:bodyPr/>
-    <a:lstStyle/>
-    <a:p>
-      <a:pPr>
-        <a:defRPr/>
-      </a:pPr>
-      <a:endParaRPr lang="en-US"/>
-    </a:p>
-  </c:txPr>
-  <c:externalData r:id="rId3">
-    <c:autoUpdate val="0"/>
-  </c:externalData>
-</c:chartSpace>
-</file>
-
-<file path=ppt/charts/chart3.xml><?xml version="1.0" encoding="utf-8"?>
-<c:chartSpace xmlns:c="http://schemas.openxmlformats.org/drawingml/2006/chart" xmlns:a="http://schemas.openxmlformats.org/drawingml/2006/main" xmlns:r="http://schemas.openxmlformats.org/officeDocument/2006/relationships" xmlns:c16r2="http://schemas.microsoft.com/office/drawing/2015/06/chart">
-  <c:date1904 val="0"/>
-  <c:lang val="en-US"/>
-  <c:roundedCorners val="0"/>
-  <mc:AlternateContent xmlns:mc="http://schemas.openxmlformats.org/markup-compatibility/2006">
-    <mc:Choice xmlns:c14="http://schemas.microsoft.com/office/drawing/2007/8/2/chart" Requires="c14">
-      <c14:style val="102"/>
-    </mc:Choice>
-    <mc:Fallback>
-      <c:style val="2"/>
-    </mc:Fallback>
-  </mc:AlternateContent>
-  <c:chart>
-    <c:title>
-      <c:tx>
-        <c:rich>
-          <a:bodyPr rot="0" spcFirstLastPara="1" vertOverflow="ellipsis" vert="horz" wrap="square" anchor="ctr" anchorCtr="1"/>
-          <a:lstStyle/>
-          <a:p>
-            <a:pPr>
-              <a:defRPr sz="1400" b="0" i="0" u="none" strike="noStrike" kern="1200" spc="0" baseline="0">
-                <a:solidFill>
-                  <a:schemeClr val="tx1">
-                    <a:lumMod val="65000"/>
-                    <a:lumOff val="35000"/>
-                  </a:schemeClr>
-                </a:solidFill>
-                <a:latin typeface="+mn-lt"/>
-                <a:ea typeface="+mn-ea"/>
-                <a:cs typeface="+mn-cs"/>
-              </a:defRPr>
-            </a:pPr>
-            <a:r>
-              <a:rPr lang="en-US"/>
-              <a:t>25% Quartile</a:t>
-            </a:r>
-          </a:p>
-        </c:rich>
-      </c:tx>
-      <c:overlay val="0"/>
-      <c:spPr>
-        <a:noFill/>
-        <a:ln>
-          <a:noFill/>
-        </a:ln>
-        <a:effectLst/>
-      </c:spPr>
-      <c:txPr>
-        <a:bodyPr rot="0" spcFirstLastPara="1" vertOverflow="ellipsis" vert="horz" wrap="square" anchor="ctr" anchorCtr="1"/>
-        <a:lstStyle/>
-        <a:p>
-          <a:pPr>
-            <a:defRPr sz="1400" b="0" i="0" u="none" strike="noStrike" kern="1200" spc="0" baseline="0">
-              <a:solidFill>
-                <a:schemeClr val="tx1">
-                  <a:lumMod val="65000"/>
-                  <a:lumOff val="35000"/>
-                </a:schemeClr>
-              </a:solidFill>
-              <a:latin typeface="+mn-lt"/>
-              <a:ea typeface="+mn-ea"/>
-              <a:cs typeface="+mn-cs"/>
-            </a:defRPr>
-          </a:pPr>
-          <a:endParaRPr lang="en-US"/>
-        </a:p>
-      </c:txPr>
-    </c:title>
-    <c:autoTitleDeleted val="0"/>
-    <c:plotArea>
-      <c:layout/>
-      <c:barChart>
-        <c:barDir val="col"/>
-        <c:grouping val="clustered"/>
-        <c:varyColors val="0"/>
-        <c:ser>
-          <c:idx val="0"/>
-          <c:order val="0"/>
-          <c:tx>
-            <c:strRef>
-              <c:f>Sheet2!$A$4</c:f>
-              <c:strCache>
-                <c:ptCount val="1"/>
-                <c:pt idx="0">
-                  <c:v>25%</c:v>
-                </c:pt>
-              </c:strCache>
-            </c:strRef>
-          </c:tx>
-          <c:spPr>
-            <a:solidFill>
-              <a:schemeClr val="accent6"/>
-            </a:solidFill>
-            <a:ln>
-              <a:noFill/>
-            </a:ln>
-            <a:effectLst/>
-          </c:spPr>
-          <c:invertIfNegative val="0"/>
-          <c:cat>
-            <c:strRef>
-              <c:f>Sheet2!$B$1:$Q$1</c:f>
-              <c:strCache>
-                <c:ptCount val="16"/>
-                <c:pt idx="0">
-                  <c:v>ind1_UBE</c:v>
-                </c:pt>
-                <c:pt idx="1">
-                  <c:v>ind1_UGE</c:v>
-                </c:pt>
-                <c:pt idx="2">
-                  <c:v>ind2_UBE</c:v>
-                </c:pt>
-                <c:pt idx="3">
-                  <c:v>ind2_UGE</c:v>
-                </c:pt>
-                <c:pt idx="4">
-                  <c:v>ind3_UBE</c:v>
-                </c:pt>
-                <c:pt idx="5">
-                  <c:v>ind3_UGE</c:v>
-                </c:pt>
-                <c:pt idx="6">
-                  <c:v>ind4_UBE</c:v>
-                </c:pt>
-                <c:pt idx="7">
-                  <c:v>ind4_UGE</c:v>
-                </c:pt>
-                <c:pt idx="8">
-                  <c:v>ind5_UBE</c:v>
-                </c:pt>
-                <c:pt idx="9">
-                  <c:v>ind5_UGE</c:v>
-                </c:pt>
-                <c:pt idx="10">
-                  <c:v>ind6_UBE</c:v>
-                </c:pt>
-                <c:pt idx="11">
-                  <c:v>ind6_UGE</c:v>
-                </c:pt>
-                <c:pt idx="12">
-                  <c:v>ind7_UBE</c:v>
-                </c:pt>
-                <c:pt idx="13">
-                  <c:v>ind7_UGE</c:v>
-                </c:pt>
-                <c:pt idx="14">
-                  <c:v>ind8_UBE</c:v>
-                </c:pt>
-                <c:pt idx="15">
-                  <c:v>ind8_UGE</c:v>
-                </c:pt>
-              </c:strCache>
-            </c:strRef>
-          </c:cat>
-          <c:val>
-            <c:numRef>
-              <c:f>Sheet2!$B$4:$Q$4</c:f>
-              <c:numCache>
-                <c:formatCode>0.00E+00</c:formatCode>
-                <c:ptCount val="16"/>
-                <c:pt idx="0">
-                  <c:v>4.5</c:v>
-                </c:pt>
-                <c:pt idx="1">
-                  <c:v>4.38</c:v>
-                </c:pt>
-                <c:pt idx="2">
-                  <c:v>3</c:v>
-                </c:pt>
-                <c:pt idx="3">
-                  <c:v>3</c:v>
-                </c:pt>
-                <c:pt idx="4">
-                  <c:v>0.5</c:v>
-                </c:pt>
-                <c:pt idx="5">
-                  <c:v>0.67</c:v>
-                </c:pt>
-                <c:pt idx="6">
-                  <c:v>4.67</c:v>
-                </c:pt>
-                <c:pt idx="7">
-                  <c:v>4.5</c:v>
-                </c:pt>
-                <c:pt idx="8">
-                  <c:v>5</c:v>
-                </c:pt>
-                <c:pt idx="9">
-                  <c:v>5</c:v>
-                </c:pt>
-                <c:pt idx="10">
-                  <c:v>8</c:v>
-                </c:pt>
-                <c:pt idx="11">
-                  <c:v>8</c:v>
-                </c:pt>
-                <c:pt idx="12">
-                  <c:v>0</c:v>
-                </c:pt>
-                <c:pt idx="13">
-                  <c:v>0</c:v>
-                </c:pt>
-                <c:pt idx="14">
-                  <c:v>0</c:v>
-                </c:pt>
-                <c:pt idx="15">
-                  <c:v>0</c:v>
-                </c:pt>
-              </c:numCache>
-            </c:numRef>
-          </c:val>
-          <c:extLst>
-            <c:ext xmlns:c16="http://schemas.microsoft.com/office/drawing/2014/chart" uri="{C3380CC4-5D6E-409C-BE32-E72D297353CC}">
-              <c16:uniqueId val="{00000000-B6EB-43E5-80B8-837ACA6DB03A}"/>
-            </c:ext>
-          </c:extLst>
-        </c:ser>
-        <c:dLbls>
-          <c:showLegendKey val="0"/>
-          <c:showVal val="0"/>
-          <c:showCatName val="0"/>
-          <c:showSerName val="0"/>
-          <c:showPercent val="0"/>
-          <c:showBubbleSize val="0"/>
-        </c:dLbls>
-        <c:gapWidth val="219"/>
-        <c:overlap val="-27"/>
-        <c:axId val="2058906687"/>
-        <c:axId val="2058907103"/>
-      </c:barChart>
-      <c:catAx>
-        <c:axId val="2058906687"/>
-        <c:scaling>
-          <c:orientation val="minMax"/>
-        </c:scaling>
-        <c:delete val="0"/>
-        <c:axPos val="b"/>
-        <c:numFmt formatCode="General" sourceLinked="1"/>
-        <c:majorTickMark val="none"/>
-        <c:minorTickMark val="none"/>
-        <c:tickLblPos val="nextTo"/>
-        <c:spPr>
-          <a:noFill/>
-          <a:ln w="9525" cap="flat" cmpd="sng" algn="ctr">
-            <a:solidFill>
-              <a:schemeClr val="tx1">
-                <a:lumMod val="15000"/>
-                <a:lumOff val="85000"/>
-              </a:schemeClr>
-            </a:solidFill>
-            <a:round/>
-          </a:ln>
-          <a:effectLst/>
-        </c:spPr>
-        <c:txPr>
-          <a:bodyPr rot="-60000000" spcFirstLastPara="1" vertOverflow="ellipsis" vert="horz" wrap="square" anchor="ctr" anchorCtr="1"/>
-          <a:lstStyle/>
-          <a:p>
-            <a:pPr>
-              <a:defRPr sz="900" b="0" i="0" u="none" strike="noStrike" kern="1200" baseline="0">
-                <a:solidFill>
-                  <a:schemeClr val="tx1">
-                    <a:lumMod val="65000"/>
-                    <a:lumOff val="35000"/>
-                  </a:schemeClr>
-                </a:solidFill>
-                <a:latin typeface="+mn-lt"/>
-                <a:ea typeface="+mn-ea"/>
-                <a:cs typeface="+mn-cs"/>
-              </a:defRPr>
-            </a:pPr>
-            <a:endParaRPr lang="en-US"/>
-          </a:p>
-        </c:txPr>
-        <c:crossAx val="2058907103"/>
-        <c:crosses val="autoZero"/>
-        <c:auto val="1"/>
-        <c:lblAlgn val="ctr"/>
-        <c:lblOffset val="100"/>
-        <c:noMultiLvlLbl val="0"/>
-      </c:catAx>
-      <c:valAx>
-        <c:axId val="2058907103"/>
-        <c:scaling>
-          <c:orientation val="minMax"/>
-        </c:scaling>
-        <c:delete val="0"/>
-        <c:axPos val="l"/>
-        <c:majorGridlines>
-          <c:spPr>
-            <a:ln w="9525" cap="flat" cmpd="sng" algn="ctr">
-              <a:solidFill>
-                <a:schemeClr val="tx1">
-                  <a:lumMod val="15000"/>
-                  <a:lumOff val="85000"/>
-                </a:schemeClr>
-              </a:solidFill>
-              <a:round/>
-            </a:ln>
-            <a:effectLst/>
-          </c:spPr>
-        </c:majorGridlines>
-        <c:numFmt formatCode="0.00E+00" sourceLinked="1"/>
-        <c:majorTickMark val="none"/>
-        <c:minorTickMark val="none"/>
-        <c:tickLblPos val="nextTo"/>
-        <c:spPr>
-          <a:noFill/>
-          <a:ln>
-            <a:noFill/>
-          </a:ln>
-          <a:effectLst/>
-        </c:spPr>
-        <c:txPr>
-          <a:bodyPr rot="-60000000" spcFirstLastPara="1" vertOverflow="ellipsis" vert="horz" wrap="square" anchor="ctr" anchorCtr="1"/>
-          <a:lstStyle/>
-          <a:p>
-            <a:pPr>
-              <a:defRPr sz="900" b="0" i="0" u="none" strike="noStrike" kern="1200" baseline="0">
-                <a:solidFill>
-                  <a:schemeClr val="tx1">
-                    <a:lumMod val="65000"/>
-                    <a:lumOff val="35000"/>
-                  </a:schemeClr>
-                </a:solidFill>
-                <a:latin typeface="+mn-lt"/>
-                <a:ea typeface="+mn-ea"/>
-                <a:cs typeface="+mn-cs"/>
-              </a:defRPr>
-            </a:pPr>
-            <a:endParaRPr lang="en-US"/>
-          </a:p>
-        </c:txPr>
-        <c:crossAx val="2058906687"/>
-        <c:crosses val="autoZero"/>
-        <c:crossBetween val="between"/>
-      </c:valAx>
-      <c:spPr>
-        <a:noFill/>
-        <a:ln>
-          <a:noFill/>
-        </a:ln>
-        <a:effectLst/>
-      </c:spPr>
-    </c:plotArea>
-    <c:plotVisOnly val="1"/>
-    <c:dispBlanksAs val="gap"/>
-    <c:showDLblsOverMax val="0"/>
-  </c:chart>
-  <c:spPr>
-    <a:noFill/>
-    <a:ln>
-      <a:noFill/>
-    </a:ln>
-    <a:effectLst/>
-  </c:spPr>
-  <c:txPr>
-    <a:bodyPr/>
-    <a:lstStyle/>
-    <a:p>
-      <a:pPr>
-        <a:defRPr/>
-      </a:pPr>
-      <a:endParaRPr lang="en-US"/>
-    </a:p>
-  </c:txPr>
-  <c:externalData r:id="rId3">
-    <c:autoUpdate val="0"/>
-  </c:externalData>
-</c:chartSpace>
-</file>
-
-<file path=ppt/charts/chart4.xml><?xml version="1.0" encoding="utf-8"?>
-<c:chartSpace xmlns:c="http://schemas.openxmlformats.org/drawingml/2006/chart" xmlns:a="http://schemas.openxmlformats.org/drawingml/2006/main" xmlns:r="http://schemas.openxmlformats.org/officeDocument/2006/relationships" xmlns:c16r2="http://schemas.microsoft.com/office/drawing/2015/06/chart">
-  <c:date1904 val="0"/>
-  <c:lang val="en-US"/>
-  <c:roundedCorners val="0"/>
-  <mc:AlternateContent xmlns:mc="http://schemas.openxmlformats.org/markup-compatibility/2006">
-    <mc:Choice xmlns:c14="http://schemas.microsoft.com/office/drawing/2007/8/2/chart" Requires="c14">
-      <c14:style val="102"/>
-    </mc:Choice>
-    <mc:Fallback>
-      <c:style val="2"/>
-    </mc:Fallback>
-  </mc:AlternateContent>
-  <c:chart>
-    <c:title>
-      <c:tx>
-        <c:rich>
-          <a:bodyPr rot="0" spcFirstLastPara="1" vertOverflow="ellipsis" vert="horz" wrap="square" anchor="ctr" anchorCtr="1"/>
-          <a:lstStyle/>
-          <a:p>
-            <a:pPr>
-              <a:defRPr sz="1400" b="0" i="0" u="none" strike="noStrike" kern="1200" spc="0" baseline="0">
-                <a:solidFill>
-                  <a:schemeClr val="tx1">
-                    <a:lumMod val="65000"/>
-                    <a:lumOff val="35000"/>
-                  </a:schemeClr>
-                </a:solidFill>
-                <a:latin typeface="+mn-lt"/>
-                <a:ea typeface="+mn-ea"/>
-                <a:cs typeface="+mn-cs"/>
-              </a:defRPr>
-            </a:pPr>
-            <a:r>
-              <a:rPr lang="en-US"/>
-              <a:t>75% Quartile</a:t>
-            </a:r>
-          </a:p>
-        </c:rich>
-      </c:tx>
-      <c:overlay val="0"/>
-      <c:spPr>
-        <a:noFill/>
-        <a:ln>
-          <a:noFill/>
-        </a:ln>
-        <a:effectLst/>
-      </c:spPr>
-      <c:txPr>
-        <a:bodyPr rot="0" spcFirstLastPara="1" vertOverflow="ellipsis" vert="horz" wrap="square" anchor="ctr" anchorCtr="1"/>
-        <a:lstStyle/>
-        <a:p>
-          <a:pPr>
-            <a:defRPr sz="1400" b="0" i="0" u="none" strike="noStrike" kern="1200" spc="0" baseline="0">
-              <a:solidFill>
-                <a:schemeClr val="tx1">
-                  <a:lumMod val="65000"/>
-                  <a:lumOff val="35000"/>
-                </a:schemeClr>
-              </a:solidFill>
-              <a:latin typeface="+mn-lt"/>
-              <a:ea typeface="+mn-ea"/>
-              <a:cs typeface="+mn-cs"/>
-            </a:defRPr>
-          </a:pPr>
-          <a:endParaRPr lang="en-US"/>
-        </a:p>
-      </c:txPr>
-    </c:title>
-    <c:autoTitleDeleted val="0"/>
-    <c:plotArea>
-      <c:layout/>
-      <c:barChart>
-        <c:barDir val="col"/>
-        <c:grouping val="clustered"/>
-        <c:varyColors val="0"/>
-        <c:ser>
-          <c:idx val="0"/>
-          <c:order val="0"/>
-          <c:tx>
-            <c:strRef>
-              <c:f>Sheet2!$A$6</c:f>
-              <c:strCache>
-                <c:ptCount val="1"/>
-                <c:pt idx="0">
-                  <c:v>75%</c:v>
-                </c:pt>
-              </c:strCache>
-            </c:strRef>
-          </c:tx>
-          <c:spPr>
-            <a:solidFill>
-              <a:schemeClr val="accent1"/>
-            </a:solidFill>
-            <a:ln>
-              <a:noFill/>
-            </a:ln>
-            <a:effectLst/>
-          </c:spPr>
-          <c:invertIfNegative val="0"/>
-          <c:cat>
-            <c:strRef>
-              <c:f>Sheet2!$B$1:$Q$1</c:f>
-              <c:strCache>
-                <c:ptCount val="16"/>
-                <c:pt idx="0">
-                  <c:v>ind1_UBE</c:v>
-                </c:pt>
-                <c:pt idx="1">
-                  <c:v>ind1_UGE</c:v>
-                </c:pt>
-                <c:pt idx="2">
-                  <c:v>ind2_UBE</c:v>
-                </c:pt>
-                <c:pt idx="3">
-                  <c:v>ind2_UGE</c:v>
-                </c:pt>
-                <c:pt idx="4">
-                  <c:v>ind3_UBE</c:v>
-                </c:pt>
-                <c:pt idx="5">
-                  <c:v>ind3_UGE</c:v>
-                </c:pt>
-                <c:pt idx="6">
-                  <c:v>ind4_UBE</c:v>
-                </c:pt>
-                <c:pt idx="7">
-                  <c:v>ind4_UGE</c:v>
-                </c:pt>
-                <c:pt idx="8">
-                  <c:v>ind5_UBE</c:v>
-                </c:pt>
-                <c:pt idx="9">
-                  <c:v>ind5_UGE</c:v>
-                </c:pt>
-                <c:pt idx="10">
-                  <c:v>ind6_UBE</c:v>
-                </c:pt>
-                <c:pt idx="11">
-                  <c:v>ind6_UGE</c:v>
-                </c:pt>
-                <c:pt idx="12">
-                  <c:v>ind7_UBE</c:v>
-                </c:pt>
-                <c:pt idx="13">
-                  <c:v>ind7_UGE</c:v>
-                </c:pt>
-                <c:pt idx="14">
-                  <c:v>ind8_UBE</c:v>
-                </c:pt>
-                <c:pt idx="15">
-                  <c:v>ind8_UGE</c:v>
-                </c:pt>
-              </c:strCache>
-            </c:strRef>
-          </c:cat>
-          <c:val>
-            <c:numRef>
-              <c:f>Sheet2!$B$6:$Q$6</c:f>
-              <c:numCache>
-                <c:formatCode>0.00E+00</c:formatCode>
-                <c:ptCount val="16"/>
-                <c:pt idx="0">
-                  <c:v>22.5</c:v>
-                </c:pt>
-                <c:pt idx="1">
-                  <c:v>22.67</c:v>
-                </c:pt>
-                <c:pt idx="2">
-                  <c:v>40.5</c:v>
-                </c:pt>
-                <c:pt idx="3">
-                  <c:v>39</c:v>
-                </c:pt>
-                <c:pt idx="4">
-                  <c:v>8</c:v>
-                </c:pt>
-                <c:pt idx="5">
-                  <c:v>8</c:v>
-                </c:pt>
-                <c:pt idx="6">
-                  <c:v>24</c:v>
-                </c:pt>
-                <c:pt idx="7">
-                  <c:v>24</c:v>
-                </c:pt>
-                <c:pt idx="8">
-                  <c:v>52</c:v>
-                </c:pt>
-                <c:pt idx="9">
-                  <c:v>48</c:v>
-                </c:pt>
-                <c:pt idx="10">
-                  <c:v>25</c:v>
-                </c:pt>
-                <c:pt idx="11">
-                  <c:v>25</c:v>
-                </c:pt>
-                <c:pt idx="12">
-                  <c:v>1.2699999999999999E-2</c:v>
-                </c:pt>
-                <c:pt idx="13">
-                  <c:v>1.4E-2</c:v>
-                </c:pt>
-                <c:pt idx="14">
-                  <c:v>0</c:v>
-                </c:pt>
-                <c:pt idx="15">
-                  <c:v>0</c:v>
-                </c:pt>
-              </c:numCache>
-            </c:numRef>
-          </c:val>
-          <c:extLst>
-            <c:ext xmlns:c16="http://schemas.microsoft.com/office/drawing/2014/chart" uri="{C3380CC4-5D6E-409C-BE32-E72D297353CC}">
-              <c16:uniqueId val="{00000000-FC2F-451E-BCA9-587EE2A34133}"/>
-            </c:ext>
-          </c:extLst>
-        </c:ser>
-        <c:dLbls>
-          <c:showLegendKey val="0"/>
-          <c:showVal val="0"/>
-          <c:showCatName val="0"/>
-          <c:showSerName val="0"/>
-          <c:showPercent val="0"/>
-          <c:showBubbleSize val="0"/>
-        </c:dLbls>
-        <c:gapWidth val="219"/>
-        <c:overlap val="-27"/>
-        <c:axId val="2118307487"/>
-        <c:axId val="2118299999"/>
-      </c:barChart>
-      <c:catAx>
-        <c:axId val="2118307487"/>
-        <c:scaling>
-          <c:orientation val="minMax"/>
-        </c:scaling>
-        <c:delete val="0"/>
-        <c:axPos val="b"/>
-        <c:numFmt formatCode="General" sourceLinked="1"/>
-        <c:majorTickMark val="none"/>
-        <c:minorTickMark val="none"/>
-        <c:tickLblPos val="nextTo"/>
-        <c:spPr>
-          <a:noFill/>
-          <a:ln w="9525" cap="flat" cmpd="sng" algn="ctr">
-            <a:solidFill>
-              <a:schemeClr val="tx1">
-                <a:lumMod val="15000"/>
-                <a:lumOff val="85000"/>
-              </a:schemeClr>
-            </a:solidFill>
-            <a:round/>
-          </a:ln>
-          <a:effectLst/>
-        </c:spPr>
-        <c:txPr>
-          <a:bodyPr rot="-60000000" spcFirstLastPara="1" vertOverflow="ellipsis" vert="horz" wrap="square" anchor="ctr" anchorCtr="1"/>
-          <a:lstStyle/>
-          <a:p>
-            <a:pPr>
-              <a:defRPr sz="900" b="0" i="0" u="none" strike="noStrike" kern="1200" baseline="0">
-                <a:solidFill>
-                  <a:schemeClr val="tx1">
-                    <a:lumMod val="65000"/>
-                    <a:lumOff val="35000"/>
-                  </a:schemeClr>
-                </a:solidFill>
-                <a:latin typeface="+mn-lt"/>
-                <a:ea typeface="+mn-ea"/>
-                <a:cs typeface="+mn-cs"/>
-              </a:defRPr>
-            </a:pPr>
-            <a:endParaRPr lang="en-US"/>
-          </a:p>
-        </c:txPr>
-        <c:crossAx val="2118299999"/>
-        <c:crosses val="autoZero"/>
-        <c:auto val="1"/>
-        <c:lblAlgn val="ctr"/>
-        <c:lblOffset val="100"/>
-        <c:noMultiLvlLbl val="0"/>
-      </c:catAx>
-      <c:valAx>
-        <c:axId val="2118299999"/>
-        <c:scaling>
-          <c:orientation val="minMax"/>
-        </c:scaling>
-        <c:delete val="0"/>
-        <c:axPos val="l"/>
-        <c:majorGridlines>
-          <c:spPr>
-            <a:ln w="9525" cap="flat" cmpd="sng" algn="ctr">
-              <a:solidFill>
-                <a:schemeClr val="tx1">
-                  <a:lumMod val="15000"/>
-                  <a:lumOff val="85000"/>
-                </a:schemeClr>
-              </a:solidFill>
-              <a:round/>
-            </a:ln>
-            <a:effectLst/>
-          </c:spPr>
-        </c:majorGridlines>
-        <c:numFmt formatCode="0.00E+00" sourceLinked="1"/>
-        <c:majorTickMark val="none"/>
-        <c:minorTickMark val="none"/>
-        <c:tickLblPos val="nextTo"/>
-        <c:spPr>
-          <a:noFill/>
-          <a:ln>
-            <a:noFill/>
-          </a:ln>
-          <a:effectLst/>
-        </c:spPr>
-        <c:txPr>
-          <a:bodyPr rot="-60000000" spcFirstLastPara="1" vertOverflow="ellipsis" vert="horz" wrap="square" anchor="ctr" anchorCtr="1"/>
-          <a:lstStyle/>
-          <a:p>
-            <a:pPr>
-              <a:defRPr sz="900" b="0" i="0" u="none" strike="noStrike" kern="1200" baseline="0">
-                <a:solidFill>
-                  <a:schemeClr val="tx1">
-                    <a:lumMod val="65000"/>
-                    <a:lumOff val="35000"/>
-                  </a:schemeClr>
-                </a:solidFill>
-                <a:latin typeface="+mn-lt"/>
-                <a:ea typeface="+mn-ea"/>
-                <a:cs typeface="+mn-cs"/>
-              </a:defRPr>
-            </a:pPr>
-            <a:endParaRPr lang="en-US"/>
-          </a:p>
-        </c:txPr>
-        <c:crossAx val="2118307487"/>
-        <c:crosses val="autoZero"/>
-        <c:crossBetween val="between"/>
-      </c:valAx>
-      <c:spPr>
-        <a:noFill/>
-        <a:ln>
-          <a:noFill/>
-        </a:ln>
-        <a:effectLst/>
-      </c:spPr>
-    </c:plotArea>
-    <c:plotVisOnly val="1"/>
-    <c:dispBlanksAs val="gap"/>
-    <c:showDLblsOverMax val="0"/>
-  </c:chart>
-  <c:spPr>
-    <a:noFill/>
-    <a:ln>
-      <a:noFill/>
-    </a:ln>
-    <a:effectLst/>
-  </c:spPr>
-  <c:txPr>
-    <a:bodyPr/>
-    <a:lstStyle/>
-    <a:p>
-      <a:pPr>
-        <a:defRPr/>
-      </a:pPr>
-      <a:endParaRPr lang="en-US"/>
-    </a:p>
-  </c:txPr>
-  <c:externalData r:id="rId3">
-    <c:autoUpdate val="0"/>
-  </c:externalData>
-</c:chartSpace>
-</file>
-
-<file path=ppt/charts/colors1.xml><?xml version="1.0" encoding="utf-8"?>
-<cs:colorStyle xmlns:cs="http://schemas.microsoft.com/office/drawing/2012/chartStyle" xmlns:a="http://schemas.openxmlformats.org/drawingml/2006/main" meth="cycle" id="10">
-  <a:schemeClr val="accent1"/>
-  <a:schemeClr val="accent2"/>
-  <a:schemeClr val="accent3"/>
-  <a:schemeClr val="accent4"/>
-  <a:schemeClr val="accent5"/>
-  <a:schemeClr val="accent6"/>
-  <cs:variation/>
-  <cs:variation>
-    <a:lumMod val="60000"/>
-  </cs:variation>
-  <cs:variation>
-    <a:lumMod val="80000"/>
-    <a:lumOff val="20000"/>
-  </cs:variation>
-  <cs:variation>
-    <a:lumMod val="80000"/>
-  </cs:variation>
-  <cs:variation>
-    <a:lumMod val="60000"/>
-    <a:lumOff val="40000"/>
-  </cs:variation>
-  <cs:variation>
-    <a:lumMod val="50000"/>
-  </cs:variation>
-  <cs:variation>
-    <a:lumMod val="70000"/>
-    <a:lumOff val="30000"/>
-  </cs:variation>
-  <cs:variation>
-    <a:lumMod val="70000"/>
-  </cs:variation>
-  <cs:variation>
-    <a:lumMod val="50000"/>
-    <a:lumOff val="50000"/>
-  </cs:variation>
-</cs:colorStyle>
-</file>
-
-<file path=ppt/charts/colors2.xml><?xml version="1.0" encoding="utf-8"?>
-<cs:colorStyle xmlns:cs="http://schemas.microsoft.com/office/drawing/2012/chartStyle" xmlns:a="http://schemas.openxmlformats.org/drawingml/2006/main" meth="cycle" id="12">
-  <a:schemeClr val="accent2"/>
-  <a:schemeClr val="accent4"/>
-  <a:schemeClr val="accent6"/>
-  <cs:variation/>
-  <cs:variation>
-    <a:lumMod val="60000"/>
-  </cs:variation>
-  <cs:variation>
-    <a:lumMod val="80000"/>
-    <a:lumOff val="20000"/>
-  </cs:variation>
-  <cs:variation>
-    <a:lumMod val="80000"/>
-  </cs:variation>
-  <cs:variation>
-    <a:lumMod val="60000"/>
-    <a:lumOff val="40000"/>
-  </cs:variation>
-  <cs:variation>
-    <a:lumMod val="50000"/>
-  </cs:variation>
-  <cs:variation>
-    <a:lumMod val="70000"/>
-    <a:lumOff val="30000"/>
-  </cs:variation>
-  <cs:variation>
-    <a:lumMod val="70000"/>
-  </cs:variation>
-  <cs:variation>
-    <a:lumMod val="50000"/>
-    <a:lumOff val="50000"/>
-  </cs:variation>
-</cs:colorStyle>
-</file>
-
-<file path=ppt/charts/colors3.xml><?xml version="1.0" encoding="utf-8"?>
-<cs:colorStyle xmlns:cs="http://schemas.microsoft.com/office/drawing/2012/chartStyle" xmlns:a="http://schemas.openxmlformats.org/drawingml/2006/main" meth="cycle" id="13">
-  <a:schemeClr val="accent6"/>
-  <a:schemeClr val="accent5"/>
-  <a:schemeClr val="accent4"/>
-  <cs:variation/>
-  <cs:variation>
-    <a:lumMod val="60000"/>
-  </cs:variation>
-  <cs:variation>
-    <a:lumMod val="80000"/>
-    <a:lumOff val="20000"/>
-  </cs:variation>
-  <cs:variation>
-    <a:lumMod val="80000"/>
-  </cs:variation>
-  <cs:variation>
-    <a:lumMod val="60000"/>
-    <a:lumOff val="40000"/>
-  </cs:variation>
-  <cs:variation>
-    <a:lumMod val="50000"/>
-  </cs:variation>
-  <cs:variation>
-    <a:lumMod val="70000"/>
-    <a:lumOff val="30000"/>
-  </cs:variation>
-  <cs:variation>
-    <a:lumMod val="70000"/>
-  </cs:variation>
-  <cs:variation>
-    <a:lumMod val="50000"/>
-    <a:lumOff val="50000"/>
-  </cs:variation>
-</cs:colorStyle>
-</file>
-
-<file path=ppt/charts/colors4.xml><?xml version="1.0" encoding="utf-8"?>
-<cs:colorStyle xmlns:cs="http://schemas.microsoft.com/office/drawing/2012/chartStyle" xmlns:a="http://schemas.openxmlformats.org/drawingml/2006/main" meth="cycle" id="10">
-  <a:schemeClr val="accent1"/>
-  <a:schemeClr val="accent2"/>
-  <a:schemeClr val="accent3"/>
-  <a:schemeClr val="accent4"/>
-  <a:schemeClr val="accent5"/>
-  <a:schemeClr val="accent6"/>
-  <cs:variation/>
-  <cs:variation>
-    <a:lumMod val="60000"/>
-  </cs:variation>
-  <cs:variation>
-    <a:lumMod val="80000"/>
-    <a:lumOff val="20000"/>
-  </cs:variation>
-  <cs:variation>
-    <a:lumMod val="80000"/>
-  </cs:variation>
-  <cs:variation>
-    <a:lumMod val="60000"/>
-    <a:lumOff val="40000"/>
-  </cs:variation>
-  <cs:variation>
-    <a:lumMod val="50000"/>
-  </cs:variation>
-  <cs:variation>
-    <a:lumMod val="70000"/>
-    <a:lumOff val="30000"/>
-  </cs:variation>
-  <cs:variation>
-    <a:lumMod val="70000"/>
-  </cs:variation>
-  <cs:variation>
-    <a:lumMod val="50000"/>
-    <a:lumOff val="50000"/>
-  </cs:variation>
-</cs:colorStyle>
-</file>
-
-<file path=ppt/charts/style1.xml><?xml version="1.0" encoding="utf-8"?>
-<cs:chartStyle xmlns:cs="http://schemas.microsoft.com/office/drawing/2012/chartStyle" xmlns:a="http://schemas.openxmlformats.org/drawingml/2006/main" id="201">
-  <cs:axisTitle>
-    <cs:lnRef idx="0"/>
-    <cs:fillRef idx="0"/>
-    <cs:effectRef idx="0"/>
-    <cs:fontRef idx="minor">
-      <a:schemeClr val="tx1">
-        <a:lumMod val="65000"/>
-        <a:lumOff val="35000"/>
-      </a:schemeClr>
-    </cs:fontRef>
-    <cs:defRPr sz="1000" kern="1200"/>
-  </cs:axisTitle>
-  <cs:categoryAxis>
-    <cs:lnRef idx="0"/>
-    <cs:fillRef idx="0"/>
-    <cs:effectRef idx="0"/>
-    <cs:fontRef idx="minor">
-      <a:schemeClr val="tx1">
-        <a:lumMod val="65000"/>
-        <a:lumOff val="35000"/>
-      </a:schemeClr>
-    </cs:fontRef>
-    <cs:spPr>
-      <a:ln w="9525" cap="flat" cmpd="sng" algn="ctr">
-        <a:solidFill>
-          <a:schemeClr val="tx1">
-            <a:lumMod val="15000"/>
-            <a:lumOff val="85000"/>
-          </a:schemeClr>
-        </a:solidFill>
-        <a:round/>
-      </a:ln>
-    </cs:spPr>
-    <cs:defRPr sz="900" kern="1200"/>
-  </cs:categoryAxis>
-  <cs:chartArea mods="allowNoFillOverride allowNoLineOverride">
-    <cs:lnRef idx="0"/>
-    <cs:fillRef idx="0"/>
-    <cs:effectRef idx="0"/>
-    <cs:fontRef idx="minor">
-      <a:schemeClr val="tx1"/>
-    </cs:fontRef>
-    <cs:spPr>
-      <a:solidFill>
-        <a:schemeClr val="bg1"/>
-      </a:solidFill>
-      <a:ln w="9525" cap="flat" cmpd="sng" algn="ctr">
-        <a:solidFill>
-          <a:schemeClr val="tx1">
-            <a:lumMod val="15000"/>
-            <a:lumOff val="85000"/>
-          </a:schemeClr>
-        </a:solidFill>
-        <a:round/>
-      </a:ln>
-    </cs:spPr>
-    <cs:defRPr sz="1000" kern="1200"/>
-  </cs:chartArea>
-  <cs:dataLabel>
-    <cs:lnRef idx="0"/>
-    <cs:fillRef idx="0"/>
-    <cs:effectRef idx="0"/>
-    <cs:fontRef idx="minor">
-      <a:schemeClr val="tx1">
-        <a:lumMod val="75000"/>
-        <a:lumOff val="25000"/>
-      </a:schemeClr>
-    </cs:fontRef>
-    <cs:defRPr sz="900" kern="1200"/>
-  </cs:dataLabel>
-  <cs:dataLabelCallout>
-    <cs:lnRef idx="0"/>
-    <cs:fillRef idx="0"/>
-    <cs:effectRef idx="0"/>
-    <cs:fontRef idx="minor">
-      <a:schemeClr val="dk1">
-        <a:lumMod val="65000"/>
-        <a:lumOff val="35000"/>
-      </a:schemeClr>
-    </cs:fontRef>
-    <cs:spPr>
-      <a:solidFill>
-        <a:schemeClr val="lt1"/>
-      </a:solidFill>
-      <a:ln>
-        <a:solidFill>
-          <a:schemeClr val="dk1">
-            <a:lumMod val="25000"/>
-            <a:lumOff val="75000"/>
-          </a:schemeClr>
-        </a:solidFill>
-      </a:ln>
-    </cs:spPr>
-    <cs:defRPr sz="900" kern="1200"/>
-    <cs:bodyPr rot="0" spcFirstLastPara="1" vertOverflow="clip" horzOverflow="clip" vert="horz" wrap="square" lIns="36576" tIns="18288" rIns="36576" bIns="18288" anchor="ctr" anchorCtr="1">
-      <a:spAutoFit/>
-    </cs:bodyPr>
-  </cs:dataLabelCallout>
-  <cs:dataPoint>
-    <cs:lnRef idx="0"/>
-    <cs:fillRef idx="1">
-      <cs:styleClr val="auto"/>
-    </cs:fillRef>
-    <cs:effectRef idx="0"/>
-    <cs:fontRef idx="minor">
-      <a:schemeClr val="tx1"/>
-    </cs:fontRef>
-  </cs:dataPoint>
-  <cs:dataPoint3D>
-    <cs:lnRef idx="0"/>
-    <cs:fillRef idx="1">
-      <cs:styleClr val="auto"/>
-    </cs:fillRef>
-    <cs:effectRef idx="0"/>
-    <cs:fontRef idx="minor">
-      <a:schemeClr val="tx1"/>
-    </cs:fontRef>
-  </cs:dataPoint3D>
-  <cs:dataPointLine>
-    <cs:lnRef idx="0">
-      <cs:styleClr val="auto"/>
-    </cs:lnRef>
-    <cs:fillRef idx="1"/>
-    <cs:effectRef idx="0"/>
-    <cs:fontRef idx="minor">
-      <a:schemeClr val="tx1"/>
-    </cs:fontRef>
-    <cs:spPr>
-      <a:ln w="28575" cap="rnd">
-        <a:solidFill>
-          <a:schemeClr val="phClr"/>
-        </a:solidFill>
-        <a:round/>
-      </a:ln>
-    </cs:spPr>
-  </cs:dataPointLine>
-  <cs:dataPointMarker>
-    <cs:lnRef idx="0">
-      <cs:styleClr val="auto"/>
-    </cs:lnRef>
-    <cs:fillRef idx="1">
-      <cs:styleClr val="auto"/>
-    </cs:fillRef>
-    <cs:effectRef idx="0"/>
-    <cs:fontRef idx="minor">
-      <a:schemeClr val="tx1"/>
-    </cs:fontRef>
-    <cs:spPr>
-      <a:ln w="9525">
-        <a:solidFill>
-          <a:schemeClr val="phClr"/>
-        </a:solidFill>
-      </a:ln>
-    </cs:spPr>
-  </cs:dataPointMarker>
-  <cs:dataPointMarkerLayout symbol="circle" size="5"/>
-  <cs:dataPointWireframe>
-    <cs:lnRef idx="0">
-      <cs:styleClr val="auto"/>
-    </cs:lnRef>
-    <cs:fillRef idx="1"/>
-    <cs:effectRef idx="0"/>
-    <cs:fontRef idx="minor">
-      <a:schemeClr val="tx1"/>
-    </cs:fontRef>
-    <cs:spPr>
-      <a:ln w="9525" cap="rnd">
-        <a:solidFill>
-          <a:schemeClr val="phClr"/>
-        </a:solidFill>
-        <a:round/>
-      </a:ln>
-    </cs:spPr>
-  </cs:dataPointWireframe>
-  <cs:dataTable>
-    <cs:lnRef idx="0"/>
-    <cs:fillRef idx="0"/>
-    <cs:effectRef idx="0"/>
-    <cs:fontRef idx="minor">
-      <a:schemeClr val="tx1">
-        <a:lumMod val="65000"/>
-        <a:lumOff val="35000"/>
-      </a:schemeClr>
-    </cs:fontRef>
-    <cs:spPr>
-      <a:noFill/>
-      <a:ln w="9525" cap="flat" cmpd="sng" algn="ctr">
-        <a:solidFill>
-          <a:schemeClr val="tx1">
-            <a:lumMod val="15000"/>
-            <a:lumOff val="85000"/>
-          </a:schemeClr>
-        </a:solidFill>
-        <a:round/>
-      </a:ln>
-    </cs:spPr>
-    <cs:defRPr sz="900" kern="1200"/>
-  </cs:dataTable>
-  <cs:downBar>
-    <cs:lnRef idx="0"/>
-    <cs:fillRef idx="0"/>
-    <cs:effectRef idx="0"/>
-    <cs:fontRef idx="minor">
-      <a:schemeClr val="dk1"/>
-    </cs:fontRef>
-    <cs:spPr>
-      <a:solidFill>
-        <a:schemeClr val="dk1">
-          <a:lumMod val="65000"/>
-          <a:lumOff val="35000"/>
-        </a:schemeClr>
-      </a:solidFill>
-      <a:ln w="9525">
-        <a:solidFill>
-          <a:schemeClr val="tx1">
-            <a:lumMod val="65000"/>
-            <a:lumOff val="35000"/>
-          </a:schemeClr>
-        </a:solidFill>
-      </a:ln>
-    </cs:spPr>
-  </cs:downBar>
-  <cs:dropLine>
-    <cs:lnRef idx="0"/>
-    <cs:fillRef idx="0"/>
-    <cs:effectRef idx="0"/>
-    <cs:fontRef idx="minor">
-      <a:schemeClr val="tx1"/>
-    </cs:fontRef>
-    <cs:spPr>
-      <a:ln w="9525" cap="flat" cmpd="sng" algn="ctr">
-        <a:solidFill>
-          <a:schemeClr val="tx1">
-            <a:lumMod val="35000"/>
-            <a:lumOff val="65000"/>
-          </a:schemeClr>
-        </a:solidFill>
-        <a:round/>
-      </a:ln>
-    </cs:spPr>
-  </cs:dropLine>
-  <cs:errorBar>
-    <cs:lnRef idx="0"/>
-    <cs:fillRef idx="0"/>
-    <cs:effectRef idx="0"/>
-    <cs:fontRef idx="minor">
-      <a:schemeClr val="tx1"/>
-    </cs:fontRef>
-    <cs:spPr>
-      <a:ln w="9525" cap="flat" cmpd="sng" algn="ctr">
-        <a:solidFill>
-          <a:schemeClr val="tx1">
-            <a:lumMod val="65000"/>
-            <a:lumOff val="35000"/>
-          </a:schemeClr>
-        </a:solidFill>
-        <a:round/>
-      </a:ln>
-    </cs:spPr>
-  </cs:errorBar>
-  <cs:floor>
-    <cs:lnRef idx="0"/>
-    <cs:fillRef idx="0"/>
-    <cs:effectRef idx="0"/>
-    <cs:fontRef idx="minor">
-      <a:schemeClr val="tx1"/>
-    </cs:fontRef>
-    <cs:spPr>
-      <a:noFill/>
-      <a:ln>
-        <a:noFill/>
-      </a:ln>
-    </cs:spPr>
-  </cs:floor>
-  <cs:gridlineMajor>
-    <cs:lnRef idx="0"/>
-    <cs:fillRef idx="0"/>
-    <cs:effectRef idx="0"/>
-    <cs:fontRef idx="minor">
-      <a:schemeClr val="tx1"/>
-    </cs:fontRef>
-    <cs:spPr>
-      <a:ln w="9525" cap="flat" cmpd="sng" algn="ctr">
-        <a:solidFill>
-          <a:schemeClr val="tx1">
-            <a:lumMod val="15000"/>
-            <a:lumOff val="85000"/>
-          </a:schemeClr>
-        </a:solidFill>
-        <a:round/>
-      </a:ln>
-    </cs:spPr>
-  </cs:gridlineMajor>
-  <cs:gridlineMinor>
-    <cs:lnRef idx="0"/>
-    <cs:fillRef idx="0"/>
-    <cs:effectRef idx="0"/>
-    <cs:fontRef idx="minor">
-      <a:schemeClr val="tx1"/>
-    </cs:fontRef>
-    <cs:spPr>
-      <a:ln w="9525" cap="flat" cmpd="sng" algn="ctr">
-        <a:solidFill>
-          <a:schemeClr val="tx1">
-            <a:lumMod val="5000"/>
-            <a:lumOff val="95000"/>
-          </a:schemeClr>
-        </a:solidFill>
-        <a:round/>
-      </a:ln>
-    </cs:spPr>
-  </cs:gridlineMinor>
-  <cs:hiLoLine>
-    <cs:lnRef idx="0"/>
-    <cs:fillRef idx="0"/>
-    <cs:effectRef idx="0"/>
-    <cs:fontRef idx="minor">
-      <a:schemeClr val="tx1"/>
-    </cs:fontRef>
-    <cs:spPr>
-      <a:ln w="9525" cap="flat" cmpd="sng" algn="ctr">
-        <a:solidFill>
-          <a:schemeClr val="tx1">
-            <a:lumMod val="75000"/>
-            <a:lumOff val="25000"/>
-          </a:schemeClr>
-        </a:solidFill>
-        <a:round/>
-      </a:ln>
-    </cs:spPr>
-  </cs:hiLoLine>
-  <cs:leaderLine>
-    <cs:lnRef idx="0"/>
-    <cs:fillRef idx="0"/>
-    <cs:effectRef idx="0"/>
-    <cs:fontRef idx="minor">
-      <a:schemeClr val="tx1"/>
-    </cs:fontRef>
-    <cs:spPr>
-      <a:ln w="9525" cap="flat" cmpd="sng" algn="ctr">
-        <a:solidFill>
-          <a:schemeClr val="tx1">
-            <a:lumMod val="35000"/>
-            <a:lumOff val="65000"/>
-          </a:schemeClr>
-        </a:solidFill>
-        <a:round/>
-      </a:ln>
-    </cs:spPr>
-  </cs:leaderLine>
-  <cs:legend>
-    <cs:lnRef idx="0"/>
-    <cs:fillRef idx="0"/>
-    <cs:effectRef idx="0"/>
-    <cs:fontRef idx="minor">
-      <a:schemeClr val="tx1">
-        <a:lumMod val="65000"/>
-        <a:lumOff val="35000"/>
-      </a:schemeClr>
-    </cs:fontRef>
-    <cs:defRPr sz="900" kern="1200"/>
-  </cs:legend>
-  <cs:plotArea mods="allowNoFillOverride allowNoLineOverride">
-    <cs:lnRef idx="0"/>
-    <cs:fillRef idx="0"/>
-    <cs:effectRef idx="0"/>
-    <cs:fontRef idx="minor">
-      <a:schemeClr val="tx1"/>
-    </cs:fontRef>
-  </cs:plotArea>
-  <cs:plotArea3D mods="allowNoFillOverride allowNoLineOverride">
-    <cs:lnRef idx="0"/>
-    <cs:fillRef idx="0"/>
-    <cs:effectRef idx="0"/>
-    <cs:fontRef idx="minor">
-      <a:schemeClr val="tx1"/>
-    </cs:fontRef>
-  </cs:plotArea3D>
-  <cs:seriesAxis>
-    <cs:lnRef idx="0"/>
-    <cs:fillRef idx="0"/>
-    <cs:effectRef idx="0"/>
-    <cs:fontRef idx="minor">
-      <a:schemeClr val="tx1">
-        <a:lumMod val="65000"/>
-        <a:lumOff val="35000"/>
-      </a:schemeClr>
-    </cs:fontRef>
-    <cs:defRPr sz="900" kern="1200"/>
-  </cs:seriesAxis>
-  <cs:seriesLine>
-    <cs:lnRef idx="0"/>
-    <cs:fillRef idx="0"/>
-    <cs:effectRef idx="0"/>
-    <cs:fontRef idx="minor">
-      <a:schemeClr val="tx1"/>
-    </cs:fontRef>
-    <cs:spPr>
-      <a:ln w="9525" cap="flat" cmpd="sng" algn="ctr">
-        <a:solidFill>
-          <a:schemeClr val="tx1">
-            <a:lumMod val="35000"/>
-            <a:lumOff val="65000"/>
-          </a:schemeClr>
-        </a:solidFill>
-        <a:round/>
-      </a:ln>
-    </cs:spPr>
-  </cs:seriesLine>
-  <cs:title>
-    <cs:lnRef idx="0"/>
-    <cs:fillRef idx="0"/>
-    <cs:effectRef idx="0"/>
-    <cs:fontRef idx="minor">
-      <a:schemeClr val="tx1">
-        <a:lumMod val="65000"/>
-        <a:lumOff val="35000"/>
-      </a:schemeClr>
-    </cs:fontRef>
-    <cs:defRPr sz="1400" b="0" kern="1200" spc="0" baseline="0"/>
-  </cs:title>
-  <cs:trendline>
-    <cs:lnRef idx="0">
-      <cs:styleClr val="auto"/>
-    </cs:lnRef>
-    <cs:fillRef idx="0"/>
-    <cs:effectRef idx="0"/>
-    <cs:fontRef idx="minor">
-      <a:schemeClr val="tx1"/>
-    </cs:fontRef>
-    <cs:spPr>
-      <a:ln w="19050" cap="rnd">
-        <a:solidFill>
-          <a:schemeClr val="phClr"/>
-        </a:solidFill>
-        <a:prstDash val="sysDot"/>
-      </a:ln>
-    </cs:spPr>
-  </cs:trendline>
-  <cs:trendlineLabel>
-    <cs:lnRef idx="0"/>
-    <cs:fillRef idx="0"/>
-    <cs:effectRef idx="0"/>
-    <cs:fontRef idx="minor">
-      <a:schemeClr val="tx1">
-        <a:lumMod val="65000"/>
-        <a:lumOff val="35000"/>
-      </a:schemeClr>
-    </cs:fontRef>
-    <cs:defRPr sz="900" kern="1200"/>
-  </cs:trendlineLabel>
-  <cs:upBar>
-    <cs:lnRef idx="0"/>
-    <cs:fillRef idx="0"/>
-    <cs:effectRef idx="0"/>
-    <cs:fontRef idx="minor">
-      <a:schemeClr val="dk1"/>
-    </cs:fontRef>
-    <cs:spPr>
-      <a:solidFill>
-        <a:schemeClr val="lt1"/>
-      </a:solidFill>
-      <a:ln w="9525">
-        <a:solidFill>
-          <a:schemeClr val="tx1">
-            <a:lumMod val="15000"/>
-            <a:lumOff val="85000"/>
-          </a:schemeClr>
-        </a:solidFill>
-      </a:ln>
-    </cs:spPr>
-  </cs:upBar>
-  <cs:valueAxis>
-    <cs:lnRef idx="0"/>
-    <cs:fillRef idx="0"/>
-    <cs:effectRef idx="0"/>
-    <cs:fontRef idx="minor">
-      <a:schemeClr val="tx1">
-        <a:lumMod val="65000"/>
-        <a:lumOff val="35000"/>
-      </a:schemeClr>
-    </cs:fontRef>
-    <cs:defRPr sz="900" kern="1200"/>
-  </cs:valueAxis>
-  <cs:wall>
-    <cs:lnRef idx="0"/>
-    <cs:fillRef idx="0"/>
-    <cs:effectRef idx="0"/>
-    <cs:fontRef idx="minor">
-      <a:schemeClr val="tx1"/>
-    </cs:fontRef>
-    <cs:spPr>
-      <a:noFill/>
-      <a:ln>
-        <a:noFill/>
-      </a:ln>
-    </cs:spPr>
-  </cs:wall>
-</cs:chartStyle>
-</file>
-
-<file path=ppt/charts/style2.xml><?xml version="1.0" encoding="utf-8"?>
-<cs:chartStyle xmlns:cs="http://schemas.microsoft.com/office/drawing/2012/chartStyle" xmlns:a="http://schemas.openxmlformats.org/drawingml/2006/main" id="201">
-  <cs:axisTitle>
-    <cs:lnRef idx="0"/>
-    <cs:fillRef idx="0"/>
-    <cs:effectRef idx="0"/>
-    <cs:fontRef idx="minor">
-      <a:schemeClr val="tx1">
-        <a:lumMod val="65000"/>
-        <a:lumOff val="35000"/>
-      </a:schemeClr>
-    </cs:fontRef>
-    <cs:defRPr sz="1000" kern="1200"/>
-  </cs:axisTitle>
-  <cs:categoryAxis>
-    <cs:lnRef idx="0"/>
-    <cs:fillRef idx="0"/>
-    <cs:effectRef idx="0"/>
-    <cs:fontRef idx="minor">
-      <a:schemeClr val="tx1">
-        <a:lumMod val="65000"/>
-        <a:lumOff val="35000"/>
-      </a:schemeClr>
-    </cs:fontRef>
-    <cs:spPr>
-      <a:ln w="9525" cap="flat" cmpd="sng" algn="ctr">
-        <a:solidFill>
-          <a:schemeClr val="tx1">
-            <a:lumMod val="15000"/>
-            <a:lumOff val="85000"/>
-          </a:schemeClr>
-        </a:solidFill>
-        <a:round/>
-      </a:ln>
-    </cs:spPr>
-    <cs:defRPr sz="900" kern="1200"/>
-  </cs:categoryAxis>
-  <cs:chartArea mods="allowNoFillOverride allowNoLineOverride">
-    <cs:lnRef idx="0"/>
-    <cs:fillRef idx="0"/>
-    <cs:effectRef idx="0"/>
-    <cs:fontRef idx="minor">
-      <a:schemeClr val="tx1"/>
-    </cs:fontRef>
-    <cs:spPr>
-      <a:solidFill>
-        <a:schemeClr val="bg1"/>
-      </a:solidFill>
-      <a:ln w="9525" cap="flat" cmpd="sng" algn="ctr">
-        <a:solidFill>
-          <a:schemeClr val="tx1">
-            <a:lumMod val="15000"/>
-            <a:lumOff val="85000"/>
-          </a:schemeClr>
-        </a:solidFill>
-        <a:round/>
-      </a:ln>
-    </cs:spPr>
-    <cs:defRPr sz="1000" kern="1200"/>
-  </cs:chartArea>
-  <cs:dataLabel>
-    <cs:lnRef idx="0"/>
-    <cs:fillRef idx="0"/>
-    <cs:effectRef idx="0"/>
-    <cs:fontRef idx="minor">
-      <a:schemeClr val="tx1">
-        <a:lumMod val="75000"/>
-        <a:lumOff val="25000"/>
-      </a:schemeClr>
-    </cs:fontRef>
-    <cs:defRPr sz="900" kern="1200"/>
-  </cs:dataLabel>
-  <cs:dataLabelCallout>
-    <cs:lnRef idx="0"/>
-    <cs:fillRef idx="0"/>
-    <cs:effectRef idx="0"/>
-    <cs:fontRef idx="minor">
-      <a:schemeClr val="dk1">
-        <a:lumMod val="65000"/>
-        <a:lumOff val="35000"/>
-      </a:schemeClr>
-    </cs:fontRef>
-    <cs:spPr>
-      <a:solidFill>
-        <a:schemeClr val="lt1"/>
-      </a:solidFill>
-      <a:ln>
-        <a:solidFill>
-          <a:schemeClr val="dk1">
-            <a:lumMod val="25000"/>
-            <a:lumOff val="75000"/>
-          </a:schemeClr>
-        </a:solidFill>
-      </a:ln>
-    </cs:spPr>
-    <cs:defRPr sz="900" kern="1200"/>
-    <cs:bodyPr rot="0" spcFirstLastPara="1" vertOverflow="clip" horzOverflow="clip" vert="horz" wrap="square" lIns="36576" tIns="18288" rIns="36576" bIns="18288" anchor="ctr" anchorCtr="1">
-      <a:spAutoFit/>
-    </cs:bodyPr>
-  </cs:dataLabelCallout>
-  <cs:dataPoint>
-    <cs:lnRef idx="0"/>
-    <cs:fillRef idx="1">
-      <cs:styleClr val="auto"/>
-    </cs:fillRef>
-    <cs:effectRef idx="0"/>
-    <cs:fontRef idx="minor">
-      <a:schemeClr val="tx1"/>
-    </cs:fontRef>
-  </cs:dataPoint>
-  <cs:dataPoint3D>
-    <cs:lnRef idx="0"/>
-    <cs:fillRef idx="1">
-      <cs:styleClr val="auto"/>
-    </cs:fillRef>
-    <cs:effectRef idx="0"/>
-    <cs:fontRef idx="minor">
-      <a:schemeClr val="tx1"/>
-    </cs:fontRef>
-  </cs:dataPoint3D>
-  <cs:dataPointLine>
-    <cs:lnRef idx="0">
-      <cs:styleClr val="auto"/>
-    </cs:lnRef>
-    <cs:fillRef idx="1"/>
-    <cs:effectRef idx="0"/>
-    <cs:fontRef idx="minor">
-      <a:schemeClr val="tx1"/>
-    </cs:fontRef>
-    <cs:spPr>
-      <a:ln w="28575" cap="rnd">
-        <a:solidFill>
-          <a:schemeClr val="phClr"/>
-        </a:solidFill>
-        <a:round/>
-      </a:ln>
-    </cs:spPr>
-  </cs:dataPointLine>
-  <cs:dataPointMarker>
-    <cs:lnRef idx="0">
-      <cs:styleClr val="auto"/>
-    </cs:lnRef>
-    <cs:fillRef idx="1">
-      <cs:styleClr val="auto"/>
-    </cs:fillRef>
-    <cs:effectRef idx="0"/>
-    <cs:fontRef idx="minor">
-      <a:schemeClr val="tx1"/>
-    </cs:fontRef>
-    <cs:spPr>
-      <a:ln w="9525">
-        <a:solidFill>
-          <a:schemeClr val="phClr"/>
-        </a:solidFill>
-      </a:ln>
-    </cs:spPr>
-  </cs:dataPointMarker>
-  <cs:dataPointMarkerLayout symbol="circle" size="5"/>
-  <cs:dataPointWireframe>
-    <cs:lnRef idx="0">
-      <cs:styleClr val="auto"/>
-    </cs:lnRef>
-    <cs:fillRef idx="1"/>
-    <cs:effectRef idx="0"/>
-    <cs:fontRef idx="minor">
-      <a:schemeClr val="tx1"/>
-    </cs:fontRef>
-    <cs:spPr>
-      <a:ln w="9525" cap="rnd">
-        <a:solidFill>
-          <a:schemeClr val="phClr"/>
-        </a:solidFill>
-        <a:round/>
-      </a:ln>
-    </cs:spPr>
-  </cs:dataPointWireframe>
-  <cs:dataTable>
-    <cs:lnRef idx="0"/>
-    <cs:fillRef idx="0"/>
-    <cs:effectRef idx="0"/>
-    <cs:fontRef idx="minor">
-      <a:schemeClr val="tx1">
-        <a:lumMod val="65000"/>
-        <a:lumOff val="35000"/>
-      </a:schemeClr>
-    </cs:fontRef>
-    <cs:spPr>
-      <a:noFill/>
-      <a:ln w="9525" cap="flat" cmpd="sng" algn="ctr">
-        <a:solidFill>
-          <a:schemeClr val="tx1">
-            <a:lumMod val="15000"/>
-            <a:lumOff val="85000"/>
-          </a:schemeClr>
-        </a:solidFill>
-        <a:round/>
-      </a:ln>
-    </cs:spPr>
-    <cs:defRPr sz="900" kern="1200"/>
-  </cs:dataTable>
-  <cs:downBar>
-    <cs:lnRef idx="0"/>
-    <cs:fillRef idx="0"/>
-    <cs:effectRef idx="0"/>
-    <cs:fontRef idx="minor">
-      <a:schemeClr val="dk1"/>
-    </cs:fontRef>
-    <cs:spPr>
-      <a:solidFill>
-        <a:schemeClr val="dk1">
-          <a:lumMod val="65000"/>
-          <a:lumOff val="35000"/>
-        </a:schemeClr>
-      </a:solidFill>
-      <a:ln w="9525">
-        <a:solidFill>
-          <a:schemeClr val="tx1">
-            <a:lumMod val="65000"/>
-            <a:lumOff val="35000"/>
-          </a:schemeClr>
-        </a:solidFill>
-      </a:ln>
-    </cs:spPr>
-  </cs:downBar>
-  <cs:dropLine>
-    <cs:lnRef idx="0"/>
-    <cs:fillRef idx="0"/>
-    <cs:effectRef idx="0"/>
-    <cs:fontRef idx="minor">
-      <a:schemeClr val="tx1"/>
-    </cs:fontRef>
-    <cs:spPr>
-      <a:ln w="9525" cap="flat" cmpd="sng" algn="ctr">
-        <a:solidFill>
-          <a:schemeClr val="tx1">
-            <a:lumMod val="35000"/>
-            <a:lumOff val="65000"/>
-          </a:schemeClr>
-        </a:solidFill>
-        <a:round/>
-      </a:ln>
-    </cs:spPr>
-  </cs:dropLine>
-  <cs:errorBar>
-    <cs:lnRef idx="0"/>
-    <cs:fillRef idx="0"/>
-    <cs:effectRef idx="0"/>
-    <cs:fontRef idx="minor">
-      <a:schemeClr val="tx1"/>
-    </cs:fontRef>
-    <cs:spPr>
-      <a:ln w="9525" cap="flat" cmpd="sng" algn="ctr">
-        <a:solidFill>
-          <a:schemeClr val="tx1">
-            <a:lumMod val="65000"/>
-            <a:lumOff val="35000"/>
-          </a:schemeClr>
-        </a:solidFill>
-        <a:round/>
-      </a:ln>
-    </cs:spPr>
-  </cs:errorBar>
-  <cs:floor>
-    <cs:lnRef idx="0"/>
-    <cs:fillRef idx="0"/>
-    <cs:effectRef idx="0"/>
-    <cs:fontRef idx="minor">
-      <a:schemeClr val="tx1"/>
-    </cs:fontRef>
-    <cs:spPr>
-      <a:noFill/>
-      <a:ln>
-        <a:noFill/>
-      </a:ln>
-    </cs:spPr>
-  </cs:floor>
-  <cs:gridlineMajor>
-    <cs:lnRef idx="0"/>
-    <cs:fillRef idx="0"/>
-    <cs:effectRef idx="0"/>
-    <cs:fontRef idx="minor">
-      <a:schemeClr val="tx1"/>
-    </cs:fontRef>
-    <cs:spPr>
-      <a:ln w="9525" cap="flat" cmpd="sng" algn="ctr">
-        <a:solidFill>
-          <a:schemeClr val="tx1">
-            <a:lumMod val="15000"/>
-            <a:lumOff val="85000"/>
-          </a:schemeClr>
-        </a:solidFill>
-        <a:round/>
-      </a:ln>
-    </cs:spPr>
-  </cs:gridlineMajor>
-  <cs:gridlineMinor>
-    <cs:lnRef idx="0"/>
-    <cs:fillRef idx="0"/>
-    <cs:effectRef idx="0"/>
-    <cs:fontRef idx="minor">
-      <a:schemeClr val="tx1"/>
-    </cs:fontRef>
-    <cs:spPr>
-      <a:ln w="9525" cap="flat" cmpd="sng" algn="ctr">
-        <a:solidFill>
-          <a:schemeClr val="tx1">
-            <a:lumMod val="5000"/>
-            <a:lumOff val="95000"/>
-          </a:schemeClr>
-        </a:solidFill>
-        <a:round/>
-      </a:ln>
-    </cs:spPr>
-  </cs:gridlineMinor>
-  <cs:hiLoLine>
-    <cs:lnRef idx="0"/>
-    <cs:fillRef idx="0"/>
-    <cs:effectRef idx="0"/>
-    <cs:fontRef idx="minor">
-      <a:schemeClr val="tx1"/>
-    </cs:fontRef>
-    <cs:spPr>
-      <a:ln w="9525" cap="flat" cmpd="sng" algn="ctr">
-        <a:solidFill>
-          <a:schemeClr val="tx1">
-            <a:lumMod val="75000"/>
-            <a:lumOff val="25000"/>
-          </a:schemeClr>
-        </a:solidFill>
-        <a:round/>
-      </a:ln>
-    </cs:spPr>
-  </cs:hiLoLine>
-  <cs:leaderLine>
-    <cs:lnRef idx="0"/>
-    <cs:fillRef idx="0"/>
-    <cs:effectRef idx="0"/>
-    <cs:fontRef idx="minor">
-      <a:schemeClr val="tx1"/>
-    </cs:fontRef>
-    <cs:spPr>
-      <a:ln w="9525" cap="flat" cmpd="sng" algn="ctr">
-        <a:solidFill>
-          <a:schemeClr val="tx1">
-            <a:lumMod val="35000"/>
-            <a:lumOff val="65000"/>
-          </a:schemeClr>
-        </a:solidFill>
-        <a:round/>
-      </a:ln>
-    </cs:spPr>
-  </cs:leaderLine>
-  <cs:legend>
-    <cs:lnRef idx="0"/>
-    <cs:fillRef idx="0"/>
-    <cs:effectRef idx="0"/>
-    <cs:fontRef idx="minor">
-      <a:schemeClr val="tx1">
-        <a:lumMod val="65000"/>
-        <a:lumOff val="35000"/>
-      </a:schemeClr>
-    </cs:fontRef>
-    <cs:defRPr sz="900" kern="1200"/>
-  </cs:legend>
-  <cs:plotArea mods="allowNoFillOverride allowNoLineOverride">
-    <cs:lnRef idx="0"/>
-    <cs:fillRef idx="0"/>
-    <cs:effectRef idx="0"/>
-    <cs:fontRef idx="minor">
-      <a:schemeClr val="tx1"/>
-    </cs:fontRef>
-  </cs:plotArea>
-  <cs:plotArea3D mods="allowNoFillOverride allowNoLineOverride">
-    <cs:lnRef idx="0"/>
-    <cs:fillRef idx="0"/>
-    <cs:effectRef idx="0"/>
-    <cs:fontRef idx="minor">
-      <a:schemeClr val="tx1"/>
-    </cs:fontRef>
-  </cs:plotArea3D>
-  <cs:seriesAxis>
-    <cs:lnRef idx="0"/>
-    <cs:fillRef idx="0"/>
-    <cs:effectRef idx="0"/>
-    <cs:fontRef idx="minor">
-      <a:schemeClr val="tx1">
-        <a:lumMod val="65000"/>
-        <a:lumOff val="35000"/>
-      </a:schemeClr>
-    </cs:fontRef>
-    <cs:defRPr sz="900" kern="1200"/>
-  </cs:seriesAxis>
-  <cs:seriesLine>
-    <cs:lnRef idx="0"/>
-    <cs:fillRef idx="0"/>
-    <cs:effectRef idx="0"/>
-    <cs:fontRef idx="minor">
-      <a:schemeClr val="tx1"/>
-    </cs:fontRef>
-    <cs:spPr>
-      <a:ln w="9525" cap="flat" cmpd="sng" algn="ctr">
-        <a:solidFill>
-          <a:schemeClr val="tx1">
-            <a:lumMod val="35000"/>
-            <a:lumOff val="65000"/>
-          </a:schemeClr>
-        </a:solidFill>
-        <a:round/>
-      </a:ln>
-    </cs:spPr>
-  </cs:seriesLine>
-  <cs:title>
-    <cs:lnRef idx="0"/>
-    <cs:fillRef idx="0"/>
-    <cs:effectRef idx="0"/>
-    <cs:fontRef idx="minor">
-      <a:schemeClr val="tx1">
-        <a:lumMod val="65000"/>
-        <a:lumOff val="35000"/>
-      </a:schemeClr>
-    </cs:fontRef>
-    <cs:defRPr sz="1400" b="0" kern="1200" spc="0" baseline="0"/>
-  </cs:title>
-  <cs:trendline>
-    <cs:lnRef idx="0">
-      <cs:styleClr val="auto"/>
-    </cs:lnRef>
-    <cs:fillRef idx="0"/>
-    <cs:effectRef idx="0"/>
-    <cs:fontRef idx="minor">
-      <a:schemeClr val="tx1"/>
-    </cs:fontRef>
-    <cs:spPr>
-      <a:ln w="19050" cap="rnd">
-        <a:solidFill>
-          <a:schemeClr val="phClr"/>
-        </a:solidFill>
-        <a:prstDash val="sysDot"/>
-      </a:ln>
-    </cs:spPr>
-  </cs:trendline>
-  <cs:trendlineLabel>
-    <cs:lnRef idx="0"/>
-    <cs:fillRef idx="0"/>
-    <cs:effectRef idx="0"/>
-    <cs:fontRef idx="minor">
-      <a:schemeClr val="tx1">
-        <a:lumMod val="65000"/>
-        <a:lumOff val="35000"/>
-      </a:schemeClr>
-    </cs:fontRef>
-    <cs:defRPr sz="900" kern="1200"/>
-  </cs:trendlineLabel>
-  <cs:upBar>
-    <cs:lnRef idx="0"/>
-    <cs:fillRef idx="0"/>
-    <cs:effectRef idx="0"/>
-    <cs:fontRef idx="minor">
-      <a:schemeClr val="dk1"/>
-    </cs:fontRef>
-    <cs:spPr>
-      <a:solidFill>
-        <a:schemeClr val="lt1"/>
-      </a:solidFill>
-      <a:ln w="9525">
-        <a:solidFill>
-          <a:schemeClr val="tx1">
-            <a:lumMod val="15000"/>
-            <a:lumOff val="85000"/>
-          </a:schemeClr>
-        </a:solidFill>
-      </a:ln>
-    </cs:spPr>
-  </cs:upBar>
-  <cs:valueAxis>
-    <cs:lnRef idx="0"/>
-    <cs:fillRef idx="0"/>
-    <cs:effectRef idx="0"/>
-    <cs:fontRef idx="minor">
-      <a:schemeClr val="tx1">
-        <a:lumMod val="65000"/>
-        <a:lumOff val="35000"/>
-      </a:schemeClr>
-    </cs:fontRef>
-    <cs:defRPr sz="900" kern="1200"/>
-  </cs:valueAxis>
-  <cs:wall>
-    <cs:lnRef idx="0"/>
-    <cs:fillRef idx="0"/>
-    <cs:effectRef idx="0"/>
-    <cs:fontRef idx="minor">
-      <a:schemeClr val="tx1"/>
-    </cs:fontRef>
-    <cs:spPr>
-      <a:noFill/>
-      <a:ln>
-        <a:noFill/>
-      </a:ln>
-    </cs:spPr>
-  </cs:wall>
-</cs:chartStyle>
-</file>
-
-<file path=ppt/charts/style3.xml><?xml version="1.0" encoding="utf-8"?>
-<cs:chartStyle xmlns:cs="http://schemas.microsoft.com/office/drawing/2012/chartStyle" xmlns:a="http://schemas.openxmlformats.org/drawingml/2006/main" id="201">
-  <cs:axisTitle>
-    <cs:lnRef idx="0"/>
-    <cs:fillRef idx="0"/>
-    <cs:effectRef idx="0"/>
-    <cs:fontRef idx="minor">
-      <a:schemeClr val="tx1">
-        <a:lumMod val="65000"/>
-        <a:lumOff val="35000"/>
-      </a:schemeClr>
-    </cs:fontRef>
-    <cs:defRPr sz="1000" kern="1200"/>
-  </cs:axisTitle>
-  <cs:categoryAxis>
-    <cs:lnRef idx="0"/>
-    <cs:fillRef idx="0"/>
-    <cs:effectRef idx="0"/>
-    <cs:fontRef idx="minor">
-      <a:schemeClr val="tx1">
-        <a:lumMod val="65000"/>
-        <a:lumOff val="35000"/>
-      </a:schemeClr>
-    </cs:fontRef>
-    <cs:spPr>
-      <a:ln w="9525" cap="flat" cmpd="sng" algn="ctr">
-        <a:solidFill>
-          <a:schemeClr val="tx1">
-            <a:lumMod val="15000"/>
-            <a:lumOff val="85000"/>
-          </a:schemeClr>
-        </a:solidFill>
-        <a:round/>
-      </a:ln>
-    </cs:spPr>
-    <cs:defRPr sz="900" kern="1200"/>
-  </cs:categoryAxis>
-  <cs:chartArea mods="allowNoFillOverride allowNoLineOverride">
-    <cs:lnRef idx="0"/>
-    <cs:fillRef idx="0"/>
-    <cs:effectRef idx="0"/>
-    <cs:fontRef idx="minor">
-      <a:schemeClr val="tx1"/>
-    </cs:fontRef>
-    <cs:spPr>
-      <a:solidFill>
-        <a:schemeClr val="bg1"/>
-      </a:solidFill>
-      <a:ln w="9525" cap="flat" cmpd="sng" algn="ctr">
-        <a:solidFill>
-          <a:schemeClr val="tx1">
-            <a:lumMod val="15000"/>
-            <a:lumOff val="85000"/>
-          </a:schemeClr>
-        </a:solidFill>
-        <a:round/>
-      </a:ln>
-    </cs:spPr>
-    <cs:defRPr sz="1000" kern="1200"/>
-  </cs:chartArea>
-  <cs:dataLabel>
-    <cs:lnRef idx="0"/>
-    <cs:fillRef idx="0"/>
-    <cs:effectRef idx="0"/>
-    <cs:fontRef idx="minor">
-      <a:schemeClr val="tx1">
-        <a:lumMod val="75000"/>
-        <a:lumOff val="25000"/>
-      </a:schemeClr>
-    </cs:fontRef>
-    <cs:defRPr sz="900" kern="1200"/>
-  </cs:dataLabel>
-  <cs:dataLabelCallout>
-    <cs:lnRef idx="0"/>
-    <cs:fillRef idx="0"/>
-    <cs:effectRef idx="0"/>
-    <cs:fontRef idx="minor">
-      <a:schemeClr val="dk1">
-        <a:lumMod val="65000"/>
-        <a:lumOff val="35000"/>
-      </a:schemeClr>
-    </cs:fontRef>
-    <cs:spPr>
-      <a:solidFill>
-        <a:schemeClr val="lt1"/>
-      </a:solidFill>
-      <a:ln>
-        <a:solidFill>
-          <a:schemeClr val="dk1">
-            <a:lumMod val="25000"/>
-            <a:lumOff val="75000"/>
-          </a:schemeClr>
-        </a:solidFill>
-      </a:ln>
-    </cs:spPr>
-    <cs:defRPr sz="900" kern="1200"/>
-    <cs:bodyPr rot="0" spcFirstLastPara="1" vertOverflow="clip" horzOverflow="clip" vert="horz" wrap="square" lIns="36576" tIns="18288" rIns="36576" bIns="18288" anchor="ctr" anchorCtr="1">
-      <a:spAutoFit/>
-    </cs:bodyPr>
-  </cs:dataLabelCallout>
-  <cs:dataPoint>
-    <cs:lnRef idx="0"/>
-    <cs:fillRef idx="1">
-      <cs:styleClr val="auto"/>
-    </cs:fillRef>
-    <cs:effectRef idx="0"/>
-    <cs:fontRef idx="minor">
-      <a:schemeClr val="tx1"/>
-    </cs:fontRef>
-  </cs:dataPoint>
-  <cs:dataPoint3D>
-    <cs:lnRef idx="0"/>
-    <cs:fillRef idx="1">
-      <cs:styleClr val="auto"/>
-    </cs:fillRef>
-    <cs:effectRef idx="0"/>
-    <cs:fontRef idx="minor">
-      <a:schemeClr val="tx1"/>
-    </cs:fontRef>
-  </cs:dataPoint3D>
-  <cs:dataPointLine>
-    <cs:lnRef idx="0">
-      <cs:styleClr val="auto"/>
-    </cs:lnRef>
-    <cs:fillRef idx="1"/>
-    <cs:effectRef idx="0"/>
-    <cs:fontRef idx="minor">
-      <a:schemeClr val="tx1"/>
-    </cs:fontRef>
-    <cs:spPr>
-      <a:ln w="28575" cap="rnd">
-        <a:solidFill>
-          <a:schemeClr val="phClr"/>
-        </a:solidFill>
-        <a:round/>
-      </a:ln>
-    </cs:spPr>
-  </cs:dataPointLine>
-  <cs:dataPointMarker>
-    <cs:lnRef idx="0">
-      <cs:styleClr val="auto"/>
-    </cs:lnRef>
-    <cs:fillRef idx="1">
-      <cs:styleClr val="auto"/>
-    </cs:fillRef>
-    <cs:effectRef idx="0"/>
-    <cs:fontRef idx="minor">
-      <a:schemeClr val="tx1"/>
-    </cs:fontRef>
-    <cs:spPr>
-      <a:ln w="9525">
-        <a:solidFill>
-          <a:schemeClr val="phClr"/>
-        </a:solidFill>
-      </a:ln>
-    </cs:spPr>
-  </cs:dataPointMarker>
-  <cs:dataPointMarkerLayout symbol="circle" size="5"/>
-  <cs:dataPointWireframe>
-    <cs:lnRef idx="0">
-      <cs:styleClr val="auto"/>
-    </cs:lnRef>
-    <cs:fillRef idx="1"/>
-    <cs:effectRef idx="0"/>
-    <cs:fontRef idx="minor">
-      <a:schemeClr val="tx1"/>
-    </cs:fontRef>
-    <cs:spPr>
-      <a:ln w="9525" cap="rnd">
-        <a:solidFill>
-          <a:schemeClr val="phClr"/>
-        </a:solidFill>
-        <a:round/>
-      </a:ln>
-    </cs:spPr>
-  </cs:dataPointWireframe>
-  <cs:dataTable>
-    <cs:lnRef idx="0"/>
-    <cs:fillRef idx="0"/>
-    <cs:effectRef idx="0"/>
-    <cs:fontRef idx="minor">
-      <a:schemeClr val="tx1">
-        <a:lumMod val="65000"/>
-        <a:lumOff val="35000"/>
-      </a:schemeClr>
-    </cs:fontRef>
-    <cs:spPr>
-      <a:noFill/>
-      <a:ln w="9525" cap="flat" cmpd="sng" algn="ctr">
-        <a:solidFill>
-          <a:schemeClr val="tx1">
-            <a:lumMod val="15000"/>
-            <a:lumOff val="85000"/>
-          </a:schemeClr>
-        </a:solidFill>
-        <a:round/>
-      </a:ln>
-    </cs:spPr>
-    <cs:defRPr sz="900" kern="1200"/>
-  </cs:dataTable>
-  <cs:downBar>
-    <cs:lnRef idx="0"/>
-    <cs:fillRef idx="0"/>
-    <cs:effectRef idx="0"/>
-    <cs:fontRef idx="minor">
-      <a:schemeClr val="dk1"/>
-    </cs:fontRef>
-    <cs:spPr>
-      <a:solidFill>
-        <a:schemeClr val="dk1">
-          <a:lumMod val="65000"/>
-          <a:lumOff val="35000"/>
-        </a:schemeClr>
-      </a:solidFill>
-      <a:ln w="9525">
-        <a:solidFill>
-          <a:schemeClr val="tx1">
-            <a:lumMod val="65000"/>
-            <a:lumOff val="35000"/>
-          </a:schemeClr>
-        </a:solidFill>
-      </a:ln>
-    </cs:spPr>
-  </cs:downBar>
-  <cs:dropLine>
-    <cs:lnRef idx="0"/>
-    <cs:fillRef idx="0"/>
-    <cs:effectRef idx="0"/>
-    <cs:fontRef idx="minor">
-      <a:schemeClr val="tx1"/>
-    </cs:fontRef>
-    <cs:spPr>
-      <a:ln w="9525" cap="flat" cmpd="sng" algn="ctr">
-        <a:solidFill>
-          <a:schemeClr val="tx1">
-            <a:lumMod val="35000"/>
-            <a:lumOff val="65000"/>
-          </a:schemeClr>
-        </a:solidFill>
-        <a:round/>
-      </a:ln>
-    </cs:spPr>
-  </cs:dropLine>
-  <cs:errorBar>
-    <cs:lnRef idx="0"/>
-    <cs:fillRef idx="0"/>
-    <cs:effectRef idx="0"/>
-    <cs:fontRef idx="minor">
-      <a:schemeClr val="tx1"/>
-    </cs:fontRef>
-    <cs:spPr>
-      <a:ln w="9525" cap="flat" cmpd="sng" algn="ctr">
-        <a:solidFill>
-          <a:schemeClr val="tx1">
-            <a:lumMod val="65000"/>
-            <a:lumOff val="35000"/>
-          </a:schemeClr>
-        </a:solidFill>
-        <a:round/>
-      </a:ln>
-    </cs:spPr>
-  </cs:errorBar>
-  <cs:floor>
-    <cs:lnRef idx="0"/>
-    <cs:fillRef idx="0"/>
-    <cs:effectRef idx="0"/>
-    <cs:fontRef idx="minor">
-      <a:schemeClr val="tx1"/>
-    </cs:fontRef>
-    <cs:spPr>
-      <a:noFill/>
-      <a:ln>
-        <a:noFill/>
-      </a:ln>
-    </cs:spPr>
-  </cs:floor>
-  <cs:gridlineMajor>
-    <cs:lnRef idx="0"/>
-    <cs:fillRef idx="0"/>
-    <cs:effectRef idx="0"/>
-    <cs:fontRef idx="minor">
-      <a:schemeClr val="tx1"/>
-    </cs:fontRef>
-    <cs:spPr>
-      <a:ln w="9525" cap="flat" cmpd="sng" algn="ctr">
-        <a:solidFill>
-          <a:schemeClr val="tx1">
-            <a:lumMod val="15000"/>
-            <a:lumOff val="85000"/>
-          </a:schemeClr>
-        </a:solidFill>
-        <a:round/>
-      </a:ln>
-    </cs:spPr>
-  </cs:gridlineMajor>
-  <cs:gridlineMinor>
-    <cs:lnRef idx="0"/>
-    <cs:fillRef idx="0"/>
-    <cs:effectRef idx="0"/>
-    <cs:fontRef idx="minor">
-      <a:schemeClr val="tx1"/>
-    </cs:fontRef>
-    <cs:spPr>
-      <a:ln w="9525" cap="flat" cmpd="sng" algn="ctr">
-        <a:solidFill>
-          <a:schemeClr val="tx1">
-            <a:lumMod val="5000"/>
-            <a:lumOff val="95000"/>
-          </a:schemeClr>
-        </a:solidFill>
-        <a:round/>
-      </a:ln>
-    </cs:spPr>
-  </cs:gridlineMinor>
-  <cs:hiLoLine>
-    <cs:lnRef idx="0"/>
-    <cs:fillRef idx="0"/>
-    <cs:effectRef idx="0"/>
-    <cs:fontRef idx="minor">
-      <a:schemeClr val="tx1"/>
-    </cs:fontRef>
-    <cs:spPr>
-      <a:ln w="9525" cap="flat" cmpd="sng" algn="ctr">
-        <a:solidFill>
-          <a:schemeClr val="tx1">
-            <a:lumMod val="75000"/>
-            <a:lumOff val="25000"/>
-          </a:schemeClr>
-        </a:solidFill>
-        <a:round/>
-      </a:ln>
-    </cs:spPr>
-  </cs:hiLoLine>
-  <cs:leaderLine>
-    <cs:lnRef idx="0"/>
-    <cs:fillRef idx="0"/>
-    <cs:effectRef idx="0"/>
-    <cs:fontRef idx="minor">
-      <a:schemeClr val="tx1"/>
-    </cs:fontRef>
-    <cs:spPr>
-      <a:ln w="9525" cap="flat" cmpd="sng" algn="ctr">
-        <a:solidFill>
-          <a:schemeClr val="tx1">
-            <a:lumMod val="35000"/>
-            <a:lumOff val="65000"/>
-          </a:schemeClr>
-        </a:solidFill>
-        <a:round/>
-      </a:ln>
-    </cs:spPr>
-  </cs:leaderLine>
-  <cs:legend>
-    <cs:lnRef idx="0"/>
-    <cs:fillRef idx="0"/>
-    <cs:effectRef idx="0"/>
-    <cs:fontRef idx="minor">
-      <a:schemeClr val="tx1">
-        <a:lumMod val="65000"/>
-        <a:lumOff val="35000"/>
-      </a:schemeClr>
-    </cs:fontRef>
-    <cs:defRPr sz="900" kern="1200"/>
-  </cs:legend>
-  <cs:plotArea mods="allowNoFillOverride allowNoLineOverride">
-    <cs:lnRef idx="0"/>
-    <cs:fillRef idx="0"/>
-    <cs:effectRef idx="0"/>
-    <cs:fontRef idx="minor">
-      <a:schemeClr val="tx1"/>
-    </cs:fontRef>
-  </cs:plotArea>
-  <cs:plotArea3D mods="allowNoFillOverride allowNoLineOverride">
-    <cs:lnRef idx="0"/>
-    <cs:fillRef idx="0"/>
-    <cs:effectRef idx="0"/>
-    <cs:fontRef idx="minor">
-      <a:schemeClr val="tx1"/>
-    </cs:fontRef>
-  </cs:plotArea3D>
-  <cs:seriesAxis>
-    <cs:lnRef idx="0"/>
-    <cs:fillRef idx="0"/>
-    <cs:effectRef idx="0"/>
-    <cs:fontRef idx="minor">
-      <a:schemeClr val="tx1">
-        <a:lumMod val="65000"/>
-        <a:lumOff val="35000"/>
-      </a:schemeClr>
-    </cs:fontRef>
-    <cs:defRPr sz="900" kern="1200"/>
-  </cs:seriesAxis>
-  <cs:seriesLine>
-    <cs:lnRef idx="0"/>
-    <cs:fillRef idx="0"/>
-    <cs:effectRef idx="0"/>
-    <cs:fontRef idx="minor">
-      <a:schemeClr val="tx1"/>
-    </cs:fontRef>
-    <cs:spPr>
-      <a:ln w="9525" cap="flat" cmpd="sng" algn="ctr">
-        <a:solidFill>
-          <a:schemeClr val="tx1">
-            <a:lumMod val="35000"/>
-            <a:lumOff val="65000"/>
-          </a:schemeClr>
-        </a:solidFill>
-        <a:round/>
-      </a:ln>
-    </cs:spPr>
-  </cs:seriesLine>
-  <cs:title>
-    <cs:lnRef idx="0"/>
-    <cs:fillRef idx="0"/>
-    <cs:effectRef idx="0"/>
-    <cs:fontRef idx="minor">
-      <a:schemeClr val="tx1">
-        <a:lumMod val="65000"/>
-        <a:lumOff val="35000"/>
-      </a:schemeClr>
-    </cs:fontRef>
-    <cs:defRPr sz="1400" b="0" kern="1200" spc="0" baseline="0"/>
-  </cs:title>
-  <cs:trendline>
-    <cs:lnRef idx="0">
-      <cs:styleClr val="auto"/>
-    </cs:lnRef>
-    <cs:fillRef idx="0"/>
-    <cs:effectRef idx="0"/>
-    <cs:fontRef idx="minor">
-      <a:schemeClr val="tx1"/>
-    </cs:fontRef>
-    <cs:spPr>
-      <a:ln w="19050" cap="rnd">
-        <a:solidFill>
-          <a:schemeClr val="phClr"/>
-        </a:solidFill>
-        <a:prstDash val="sysDot"/>
-      </a:ln>
-    </cs:spPr>
-  </cs:trendline>
-  <cs:trendlineLabel>
-    <cs:lnRef idx="0"/>
-    <cs:fillRef idx="0"/>
-    <cs:effectRef idx="0"/>
-    <cs:fontRef idx="minor">
-      <a:schemeClr val="tx1">
-        <a:lumMod val="65000"/>
-        <a:lumOff val="35000"/>
-      </a:schemeClr>
-    </cs:fontRef>
-    <cs:defRPr sz="900" kern="1200"/>
-  </cs:trendlineLabel>
-  <cs:upBar>
-    <cs:lnRef idx="0"/>
-    <cs:fillRef idx="0"/>
-    <cs:effectRef idx="0"/>
-    <cs:fontRef idx="minor">
-      <a:schemeClr val="dk1"/>
-    </cs:fontRef>
-    <cs:spPr>
-      <a:solidFill>
-        <a:schemeClr val="lt1"/>
-      </a:solidFill>
-      <a:ln w="9525">
-        <a:solidFill>
-          <a:schemeClr val="tx1">
-            <a:lumMod val="15000"/>
-            <a:lumOff val="85000"/>
-          </a:schemeClr>
-        </a:solidFill>
-      </a:ln>
-    </cs:spPr>
-  </cs:upBar>
-  <cs:valueAxis>
-    <cs:lnRef idx="0"/>
-    <cs:fillRef idx="0"/>
-    <cs:effectRef idx="0"/>
-    <cs:fontRef idx="minor">
-      <a:schemeClr val="tx1">
-        <a:lumMod val="65000"/>
-        <a:lumOff val="35000"/>
-      </a:schemeClr>
-    </cs:fontRef>
-    <cs:defRPr sz="900" kern="1200"/>
-  </cs:valueAxis>
-  <cs:wall>
-    <cs:lnRef idx="0"/>
-    <cs:fillRef idx="0"/>
-    <cs:effectRef idx="0"/>
-    <cs:fontRef idx="minor">
-      <a:schemeClr val="tx1"/>
-    </cs:fontRef>
-    <cs:spPr>
-      <a:noFill/>
-      <a:ln>
-        <a:noFill/>
-      </a:ln>
-    </cs:spPr>
-  </cs:wall>
-</cs:chartStyle>
-</file>
-
-<file path=ppt/charts/style4.xml><?xml version="1.0" encoding="utf-8"?>
-<cs:chartStyle xmlns:cs="http://schemas.microsoft.com/office/drawing/2012/chartStyle" xmlns:a="http://schemas.openxmlformats.org/drawingml/2006/main" id="201">
-  <cs:axisTitle>
-    <cs:lnRef idx="0"/>
-    <cs:fillRef idx="0"/>
-    <cs:effectRef idx="0"/>
-    <cs:fontRef idx="minor">
-      <a:schemeClr val="tx1">
-        <a:lumMod val="65000"/>
-        <a:lumOff val="35000"/>
-      </a:schemeClr>
-    </cs:fontRef>
-    <cs:defRPr sz="1000" kern="1200"/>
-  </cs:axisTitle>
-  <cs:categoryAxis>
-    <cs:lnRef idx="0"/>
-    <cs:fillRef idx="0"/>
-    <cs:effectRef idx="0"/>
-    <cs:fontRef idx="minor">
-      <a:schemeClr val="tx1">
-        <a:lumMod val="65000"/>
-        <a:lumOff val="35000"/>
-      </a:schemeClr>
-    </cs:fontRef>
-    <cs:spPr>
-      <a:ln w="9525" cap="flat" cmpd="sng" algn="ctr">
-        <a:solidFill>
-          <a:schemeClr val="tx1">
-            <a:lumMod val="15000"/>
-            <a:lumOff val="85000"/>
-          </a:schemeClr>
-        </a:solidFill>
-        <a:round/>
-      </a:ln>
-    </cs:spPr>
-    <cs:defRPr sz="900" kern="1200"/>
-  </cs:categoryAxis>
-  <cs:chartArea mods="allowNoFillOverride allowNoLineOverride">
-    <cs:lnRef idx="0"/>
-    <cs:fillRef idx="0"/>
-    <cs:effectRef idx="0"/>
-    <cs:fontRef idx="minor">
-      <a:schemeClr val="tx1"/>
-    </cs:fontRef>
-    <cs:spPr>
-      <a:solidFill>
-        <a:schemeClr val="bg1"/>
-      </a:solidFill>
-      <a:ln w="9525" cap="flat" cmpd="sng" algn="ctr">
-        <a:solidFill>
-          <a:schemeClr val="tx1">
-            <a:lumMod val="15000"/>
-            <a:lumOff val="85000"/>
-          </a:schemeClr>
-        </a:solidFill>
-        <a:round/>
-      </a:ln>
-    </cs:spPr>
-    <cs:defRPr sz="1000" kern="1200"/>
-  </cs:chartArea>
-  <cs:dataLabel>
-    <cs:lnRef idx="0"/>
-    <cs:fillRef idx="0"/>
-    <cs:effectRef idx="0"/>
-    <cs:fontRef idx="minor">
-      <a:schemeClr val="tx1">
-        <a:lumMod val="75000"/>
-        <a:lumOff val="25000"/>
-      </a:schemeClr>
-    </cs:fontRef>
-    <cs:defRPr sz="900" kern="1200"/>
-  </cs:dataLabel>
-  <cs:dataLabelCallout>
-    <cs:lnRef idx="0"/>
-    <cs:fillRef idx="0"/>
-    <cs:effectRef idx="0"/>
-    <cs:fontRef idx="minor">
-      <a:schemeClr val="dk1">
-        <a:lumMod val="65000"/>
-        <a:lumOff val="35000"/>
-      </a:schemeClr>
-    </cs:fontRef>
-    <cs:spPr>
-      <a:solidFill>
-        <a:schemeClr val="lt1"/>
-      </a:solidFill>
-      <a:ln>
-        <a:solidFill>
-          <a:schemeClr val="dk1">
-            <a:lumMod val="25000"/>
-            <a:lumOff val="75000"/>
-          </a:schemeClr>
-        </a:solidFill>
-      </a:ln>
-    </cs:spPr>
-    <cs:defRPr sz="900" kern="1200"/>
-    <cs:bodyPr rot="0" spcFirstLastPara="1" vertOverflow="clip" horzOverflow="clip" vert="horz" wrap="square" lIns="36576" tIns="18288" rIns="36576" bIns="18288" anchor="ctr" anchorCtr="1">
-      <a:spAutoFit/>
-    </cs:bodyPr>
-  </cs:dataLabelCallout>
-  <cs:dataPoint>
-    <cs:lnRef idx="0"/>
-    <cs:fillRef idx="1">
-      <cs:styleClr val="auto"/>
-    </cs:fillRef>
-    <cs:effectRef idx="0"/>
-    <cs:fontRef idx="minor">
-      <a:schemeClr val="tx1"/>
-    </cs:fontRef>
-  </cs:dataPoint>
-  <cs:dataPoint3D>
-    <cs:lnRef idx="0"/>
-    <cs:fillRef idx="1">
-      <cs:styleClr val="auto"/>
-    </cs:fillRef>
-    <cs:effectRef idx="0"/>
-    <cs:fontRef idx="minor">
-      <a:schemeClr val="tx1"/>
-    </cs:fontRef>
-  </cs:dataPoint3D>
-  <cs:dataPointLine>
-    <cs:lnRef idx="0">
-      <cs:styleClr val="auto"/>
-    </cs:lnRef>
-    <cs:fillRef idx="1"/>
-    <cs:effectRef idx="0"/>
-    <cs:fontRef idx="minor">
-      <a:schemeClr val="tx1"/>
-    </cs:fontRef>
-    <cs:spPr>
-      <a:ln w="28575" cap="rnd">
-        <a:solidFill>
-          <a:schemeClr val="phClr"/>
-        </a:solidFill>
-        <a:round/>
-      </a:ln>
-    </cs:spPr>
-  </cs:dataPointLine>
-  <cs:dataPointMarker>
-    <cs:lnRef idx="0">
-      <cs:styleClr val="auto"/>
-    </cs:lnRef>
-    <cs:fillRef idx="1">
-      <cs:styleClr val="auto"/>
-    </cs:fillRef>
-    <cs:effectRef idx="0"/>
-    <cs:fontRef idx="minor">
-      <a:schemeClr val="tx1"/>
-    </cs:fontRef>
-    <cs:spPr>
-      <a:ln w="9525">
-        <a:solidFill>
-          <a:schemeClr val="phClr"/>
-        </a:solidFill>
-      </a:ln>
-    </cs:spPr>
-  </cs:dataPointMarker>
-  <cs:dataPointMarkerLayout symbol="circle" size="5"/>
-  <cs:dataPointWireframe>
-    <cs:lnRef idx="0">
-      <cs:styleClr val="auto"/>
-    </cs:lnRef>
-    <cs:fillRef idx="1"/>
-    <cs:effectRef idx="0"/>
-    <cs:fontRef idx="minor">
-      <a:schemeClr val="tx1"/>
-    </cs:fontRef>
-    <cs:spPr>
-      <a:ln w="9525" cap="rnd">
-        <a:solidFill>
-          <a:schemeClr val="phClr"/>
-        </a:solidFill>
-        <a:round/>
-      </a:ln>
-    </cs:spPr>
-  </cs:dataPointWireframe>
-  <cs:dataTable>
-    <cs:lnRef idx="0"/>
-    <cs:fillRef idx="0"/>
-    <cs:effectRef idx="0"/>
-    <cs:fontRef idx="minor">
-      <a:schemeClr val="tx1">
-        <a:lumMod val="65000"/>
-        <a:lumOff val="35000"/>
-      </a:schemeClr>
-    </cs:fontRef>
-    <cs:spPr>
-      <a:noFill/>
-      <a:ln w="9525" cap="flat" cmpd="sng" algn="ctr">
-        <a:solidFill>
-          <a:schemeClr val="tx1">
-            <a:lumMod val="15000"/>
-            <a:lumOff val="85000"/>
-          </a:schemeClr>
-        </a:solidFill>
-        <a:round/>
-      </a:ln>
-    </cs:spPr>
-    <cs:defRPr sz="900" kern="1200"/>
-  </cs:dataTable>
-  <cs:downBar>
-    <cs:lnRef idx="0"/>
-    <cs:fillRef idx="0"/>
-    <cs:effectRef idx="0"/>
-    <cs:fontRef idx="minor">
-      <a:schemeClr val="dk1"/>
-    </cs:fontRef>
-    <cs:spPr>
-      <a:solidFill>
-        <a:schemeClr val="dk1">
-          <a:lumMod val="65000"/>
-          <a:lumOff val="35000"/>
-        </a:schemeClr>
-      </a:solidFill>
-      <a:ln w="9525">
-        <a:solidFill>
-          <a:schemeClr val="tx1">
-            <a:lumMod val="65000"/>
-            <a:lumOff val="35000"/>
-          </a:schemeClr>
-        </a:solidFill>
-      </a:ln>
-    </cs:spPr>
-  </cs:downBar>
-  <cs:dropLine>
-    <cs:lnRef idx="0"/>
-    <cs:fillRef idx="0"/>
-    <cs:effectRef idx="0"/>
-    <cs:fontRef idx="minor">
-      <a:schemeClr val="tx1"/>
-    </cs:fontRef>
-    <cs:spPr>
-      <a:ln w="9525" cap="flat" cmpd="sng" algn="ctr">
-        <a:solidFill>
-          <a:schemeClr val="tx1">
-            <a:lumMod val="35000"/>
-            <a:lumOff val="65000"/>
-          </a:schemeClr>
-        </a:solidFill>
-        <a:round/>
-      </a:ln>
-    </cs:spPr>
-  </cs:dropLine>
-  <cs:errorBar>
-    <cs:lnRef idx="0"/>
-    <cs:fillRef idx="0"/>
-    <cs:effectRef idx="0"/>
-    <cs:fontRef idx="minor">
-      <a:schemeClr val="tx1"/>
-    </cs:fontRef>
-    <cs:spPr>
-      <a:ln w="9525" cap="flat" cmpd="sng" algn="ctr">
-        <a:solidFill>
-          <a:schemeClr val="tx1">
-            <a:lumMod val="65000"/>
-            <a:lumOff val="35000"/>
-          </a:schemeClr>
-        </a:solidFill>
-        <a:round/>
-      </a:ln>
-    </cs:spPr>
-  </cs:errorBar>
-  <cs:floor>
-    <cs:lnRef idx="0"/>
-    <cs:fillRef idx="0"/>
-    <cs:effectRef idx="0"/>
-    <cs:fontRef idx="minor">
-      <a:schemeClr val="tx1"/>
-    </cs:fontRef>
-    <cs:spPr>
-      <a:noFill/>
-      <a:ln>
-        <a:noFill/>
-      </a:ln>
-    </cs:spPr>
-  </cs:floor>
-  <cs:gridlineMajor>
-    <cs:lnRef idx="0"/>
-    <cs:fillRef idx="0"/>
-    <cs:effectRef idx="0"/>
-    <cs:fontRef idx="minor">
-      <a:schemeClr val="tx1"/>
-    </cs:fontRef>
-    <cs:spPr>
-      <a:ln w="9525" cap="flat" cmpd="sng" algn="ctr">
-        <a:solidFill>
-          <a:schemeClr val="tx1">
-            <a:lumMod val="15000"/>
-            <a:lumOff val="85000"/>
-          </a:schemeClr>
-        </a:solidFill>
-        <a:round/>
-      </a:ln>
-    </cs:spPr>
-  </cs:gridlineMajor>
-  <cs:gridlineMinor>
-    <cs:lnRef idx="0"/>
-    <cs:fillRef idx="0"/>
-    <cs:effectRef idx="0"/>
-    <cs:fontRef idx="minor">
-      <a:schemeClr val="tx1"/>
-    </cs:fontRef>
-    <cs:spPr>
-      <a:ln w="9525" cap="flat" cmpd="sng" algn="ctr">
-        <a:solidFill>
-          <a:schemeClr val="tx1">
-            <a:lumMod val="5000"/>
-            <a:lumOff val="95000"/>
-          </a:schemeClr>
-        </a:solidFill>
-        <a:round/>
-      </a:ln>
-    </cs:spPr>
-  </cs:gridlineMinor>
-  <cs:hiLoLine>
-    <cs:lnRef idx="0"/>
-    <cs:fillRef idx="0"/>
-    <cs:effectRef idx="0"/>
-    <cs:fontRef idx="minor">
-      <a:schemeClr val="tx1"/>
-    </cs:fontRef>
-    <cs:spPr>
-      <a:ln w="9525" cap="flat" cmpd="sng" algn="ctr">
-        <a:solidFill>
-          <a:schemeClr val="tx1">
-            <a:lumMod val="75000"/>
-            <a:lumOff val="25000"/>
-          </a:schemeClr>
-        </a:solidFill>
-        <a:round/>
-      </a:ln>
-    </cs:spPr>
-  </cs:hiLoLine>
-  <cs:leaderLine>
-    <cs:lnRef idx="0"/>
-    <cs:fillRef idx="0"/>
-    <cs:effectRef idx="0"/>
-    <cs:fontRef idx="minor">
-      <a:schemeClr val="tx1"/>
-    </cs:fontRef>
-    <cs:spPr>
-      <a:ln w="9525" cap="flat" cmpd="sng" algn="ctr">
-        <a:solidFill>
-          <a:schemeClr val="tx1">
-            <a:lumMod val="35000"/>
-            <a:lumOff val="65000"/>
-          </a:schemeClr>
-        </a:solidFill>
-        <a:round/>
-      </a:ln>
-    </cs:spPr>
-  </cs:leaderLine>
-  <cs:legend>
-    <cs:lnRef idx="0"/>
-    <cs:fillRef idx="0"/>
-    <cs:effectRef idx="0"/>
-    <cs:fontRef idx="minor">
-      <a:schemeClr val="tx1">
-        <a:lumMod val="65000"/>
-        <a:lumOff val="35000"/>
-      </a:schemeClr>
-    </cs:fontRef>
-    <cs:defRPr sz="900" kern="1200"/>
-  </cs:legend>
-  <cs:plotArea mods="allowNoFillOverride allowNoLineOverride">
-    <cs:lnRef idx="0"/>
-    <cs:fillRef idx="0"/>
-    <cs:effectRef idx="0"/>
-    <cs:fontRef idx="minor">
-      <a:schemeClr val="tx1"/>
-    </cs:fontRef>
-  </cs:plotArea>
-  <cs:plotArea3D mods="allowNoFillOverride allowNoLineOverride">
-    <cs:lnRef idx="0"/>
-    <cs:fillRef idx="0"/>
-    <cs:effectRef idx="0"/>
-    <cs:fontRef idx="minor">
-      <a:schemeClr val="tx1"/>
-    </cs:fontRef>
-  </cs:plotArea3D>
-  <cs:seriesAxis>
-    <cs:lnRef idx="0"/>
-    <cs:fillRef idx="0"/>
-    <cs:effectRef idx="0"/>
-    <cs:fontRef idx="minor">
-      <a:schemeClr val="tx1">
-        <a:lumMod val="65000"/>
-        <a:lumOff val="35000"/>
-      </a:schemeClr>
-    </cs:fontRef>
-    <cs:defRPr sz="900" kern="1200"/>
-  </cs:seriesAxis>
-  <cs:seriesLine>
-    <cs:lnRef idx="0"/>
-    <cs:fillRef idx="0"/>
-    <cs:effectRef idx="0"/>
-    <cs:fontRef idx="minor">
-      <a:schemeClr val="tx1"/>
-    </cs:fontRef>
-    <cs:spPr>
-      <a:ln w="9525" cap="flat" cmpd="sng" algn="ctr">
-        <a:solidFill>
-          <a:schemeClr val="tx1">
-            <a:lumMod val="35000"/>
-            <a:lumOff val="65000"/>
-          </a:schemeClr>
-        </a:solidFill>
-        <a:round/>
-      </a:ln>
-    </cs:spPr>
-  </cs:seriesLine>
-  <cs:title>
-    <cs:lnRef idx="0"/>
-    <cs:fillRef idx="0"/>
-    <cs:effectRef idx="0"/>
-    <cs:fontRef idx="minor">
-      <a:schemeClr val="tx1">
-        <a:lumMod val="65000"/>
-        <a:lumOff val="35000"/>
-      </a:schemeClr>
-    </cs:fontRef>
-    <cs:defRPr sz="1400" b="0" kern="1200" spc="0" baseline="0"/>
-  </cs:title>
-  <cs:trendline>
-    <cs:lnRef idx="0">
-      <cs:styleClr val="auto"/>
-    </cs:lnRef>
-    <cs:fillRef idx="0"/>
-    <cs:effectRef idx="0"/>
-    <cs:fontRef idx="minor">
-      <a:schemeClr val="tx1"/>
-    </cs:fontRef>
-    <cs:spPr>
-      <a:ln w="19050" cap="rnd">
-        <a:solidFill>
-          <a:schemeClr val="phClr"/>
-        </a:solidFill>
-        <a:prstDash val="sysDot"/>
-      </a:ln>
-    </cs:spPr>
-  </cs:trendline>
-  <cs:trendlineLabel>
-    <cs:lnRef idx="0"/>
-    <cs:fillRef idx="0"/>
-    <cs:effectRef idx="0"/>
-    <cs:fontRef idx="minor">
-      <a:schemeClr val="tx1">
-        <a:lumMod val="65000"/>
-        <a:lumOff val="35000"/>
-      </a:schemeClr>
-    </cs:fontRef>
-    <cs:defRPr sz="900" kern="1200"/>
-  </cs:trendlineLabel>
-  <cs:upBar>
-    <cs:lnRef idx="0"/>
-    <cs:fillRef idx="0"/>
-    <cs:effectRef idx="0"/>
-    <cs:fontRef idx="minor">
-      <a:schemeClr val="dk1"/>
-    </cs:fontRef>
-    <cs:spPr>
-      <a:solidFill>
-        <a:schemeClr val="lt1"/>
-      </a:solidFill>
-      <a:ln w="9525">
-        <a:solidFill>
-          <a:schemeClr val="tx1">
-            <a:lumMod val="15000"/>
-            <a:lumOff val="85000"/>
-          </a:schemeClr>
-        </a:solidFill>
-      </a:ln>
-    </cs:spPr>
-  </cs:upBar>
-  <cs:valueAxis>
-    <cs:lnRef idx="0"/>
-    <cs:fillRef idx="0"/>
-    <cs:effectRef idx="0"/>
-    <cs:fontRef idx="minor">
-      <a:schemeClr val="tx1">
-        <a:lumMod val="65000"/>
-        <a:lumOff val="35000"/>
-      </a:schemeClr>
-    </cs:fontRef>
-    <cs:defRPr sz="900" kern="1200"/>
-  </cs:valueAxis>
-  <cs:wall>
-    <cs:lnRef idx="0"/>
-    <cs:fillRef idx="0"/>
-    <cs:effectRef idx="0"/>
-    <cs:fontRef idx="minor">
-      <a:schemeClr val="tx1"/>
-    </cs:fontRef>
-    <cs:spPr>
-      <a:noFill/>
-      <a:ln>
-        <a:noFill/>
-      </a:ln>
-    </cs:spPr>
-  </cs:wall>
-</cs:chartStyle>
 </file>
 
 <file path=ppt/notesMasters/notesMaster1.xml><?xml version="1.0" encoding="utf-8"?>
@@ -4657,13 +991,25 @@
           <a:p>
             <a:r>
               <a:rPr lang="en-US" dirty="0"/>
-              <a:t>First 6 indicators are time-based</a:t>
+              <a:t>First 6 are time-based</a:t>
             </a:r>
           </a:p>
           <a:p>
             <a:r>
               <a:rPr lang="en-US" dirty="0"/>
-              <a:t>Last 2 indicators are percentage values</a:t>
+              <a:t>Last 2 are percentage values</a:t>
+            </a:r>
+          </a:p>
+          <a:p>
+            <a:r>
+              <a:rPr lang="en-US" dirty="0"/>
+              <a:t>First 4 relate to three-way handshake</a:t>
+            </a:r>
+          </a:p>
+          <a:p>
+            <a:r>
+              <a:rPr lang="en-US" dirty="0"/>
+              <a:t>Last 5 relate to TCP transmission</a:t>
             </a:r>
           </a:p>
         </p:txBody>
@@ -4730,6 +1076,9 @@
           <a:bodyPr/>
           <a:lstStyle/>
           <a:p>
+            <a:pPr marL="158750" indent="0">
+              <a:buNone/>
+            </a:pPr>
             <a:endParaRPr lang="en-US" dirty="0"/>
           </a:p>
         </p:txBody>
@@ -4803,6 +1152,72 @@
     </p:spTree>
     <p:extLst>
       <p:ext uri="{BB962C8B-B14F-4D97-AF65-F5344CB8AC3E}">
+        <p14:creationId xmlns:p14="http://schemas.microsoft.com/office/powerpoint/2010/main" val="2176774055"/>
+      </p:ext>
+    </p:extLst>
+  </p:cSld>
+  <p:clrMapOvr>
+    <a:masterClrMapping/>
+  </p:clrMapOvr>
+</p:notes>
+</file>
+
+<file path=ppt/notesSlides/notesSlide6.xml><?xml version="1.0" encoding="utf-8"?>
+<p:notes xmlns:a="http://schemas.openxmlformats.org/drawingml/2006/main" xmlns:r="http://schemas.openxmlformats.org/officeDocument/2006/relationships" xmlns:p="http://schemas.openxmlformats.org/presentationml/2006/main">
+  <p:cSld>
+    <p:spTree>
+      <p:nvGrpSpPr>
+        <p:cNvPr id="1" name=""/>
+        <p:cNvGrpSpPr/>
+        <p:nvPr/>
+      </p:nvGrpSpPr>
+      <p:grpSpPr>
+        <a:xfrm>
+          <a:off x="0" y="0"/>
+          <a:ext cx="0" cy="0"/>
+          <a:chOff x="0" y="0"/>
+          <a:chExt cx="0" cy="0"/>
+        </a:xfrm>
+      </p:grpSpPr>
+      <p:sp>
+        <p:nvSpPr>
+          <p:cNvPr id="2" name="Slide Image Placeholder 1"/>
+          <p:cNvSpPr>
+            <a:spLocks noGrp="1" noRot="1" noChangeAspect="1"/>
+          </p:cNvSpPr>
+          <p:nvPr>
+            <p:ph type="sldImg"/>
+          </p:nvPr>
+        </p:nvSpPr>
+        <p:spPr>
+          <a:xfrm>
+            <a:off x="381000" y="685800"/>
+            <a:ext cx="6096000" cy="3429000"/>
+          </a:xfrm>
+        </p:spPr>
+      </p:sp>
+      <p:sp>
+        <p:nvSpPr>
+          <p:cNvPr id="3" name="Notes Placeholder 2"/>
+          <p:cNvSpPr>
+            <a:spLocks noGrp="1"/>
+          </p:cNvSpPr>
+          <p:nvPr>
+            <p:ph type="body" idx="1"/>
+          </p:nvPr>
+        </p:nvSpPr>
+        <p:spPr/>
+        <p:txBody>
+          <a:bodyPr/>
+          <a:lstStyle/>
+          <a:p>
+            <a:endParaRPr lang="en-US" dirty="0"/>
+          </a:p>
+        </p:txBody>
+      </p:sp>
+    </p:spTree>
+    <p:extLst>
+      <p:ext uri="{BB962C8B-B14F-4D97-AF65-F5344CB8AC3E}">
         <p14:creationId xmlns:p14="http://schemas.microsoft.com/office/powerpoint/2010/main" val="3522852146"/>
       </p:ext>
     </p:extLst>
@@ -4813,7 +1228,7 @@
 </p:notes>
 </file>
 
-<file path=ppt/notesSlides/notesSlide6.xml><?xml version="1.0" encoding="utf-8"?>
+<file path=ppt/notesSlides/notesSlide7.xml><?xml version="1.0" encoding="utf-8"?>
 <p:notes xmlns:a="http://schemas.openxmlformats.org/drawingml/2006/main" xmlns:r="http://schemas.openxmlformats.org/officeDocument/2006/relationships" xmlns:p="http://schemas.openxmlformats.org/presentationml/2006/main" showMasterSp="0" showMasterPhAnim="0">
   <p:cSld>
     <p:spTree>
@@ -16483,6 +12898,117 @@
           <p:cNvPr id="2" name="Text Placeholder 1">
             <a:extLst>
               <a:ext uri="{FF2B5EF4-FFF2-40B4-BE49-F238E27FC236}">
+                <a16:creationId xmlns:a16="http://schemas.microsoft.com/office/drawing/2014/main" id="{DC0ADE70-172E-8DC8-6C71-B53414DE3F01}"/>
+              </a:ext>
+            </a:extLst>
+          </p:cNvPr>
+          <p:cNvSpPr>
+            <a:spLocks noGrp="1"/>
+          </p:cNvSpPr>
+          <p:nvPr>
+            <p:ph type="body" idx="1"/>
+          </p:nvPr>
+        </p:nvSpPr>
+        <p:spPr>
+          <a:xfrm>
+            <a:off x="494430" y="989475"/>
+            <a:ext cx="8030745" cy="2869461"/>
+          </a:xfrm>
+        </p:spPr>
+        <p:txBody>
+          <a:bodyPr/>
+          <a:lstStyle/>
+          <a:p>
+            <a:r>
+              <a:rPr lang="en-US" sz="2800" dirty="0"/>
+              <a:t>Experiments Show Two Promising Model Architectures:</a:t>
+            </a:r>
+          </a:p>
+          <a:p>
+            <a:pPr marL="1123950" lvl="1" indent="-514350">
+              <a:buFont typeface="+mj-lt"/>
+              <a:buAutoNum type="romanUcPeriod"/>
+            </a:pPr>
+            <a:r>
+              <a:rPr lang="en-US" sz="2000" dirty="0"/>
+              <a:t>Data Preprocessing Pipeline + Long Short Term Memory Recurrent Neural Network (LSTM RNN)</a:t>
+            </a:r>
+          </a:p>
+          <a:p>
+            <a:pPr marL="1123950" lvl="1" indent="-514350">
+              <a:buFont typeface="+mj-lt"/>
+              <a:buAutoNum type="romanUcPeriod"/>
+            </a:pPr>
+            <a:r>
+              <a:rPr lang="en-US" sz="2000" dirty="0"/>
+              <a:t>No Preprocessing + TSFresh Library + PCA + XGBoost</a:t>
+            </a:r>
+          </a:p>
+        </p:txBody>
+      </p:sp>
+      <p:sp>
+        <p:nvSpPr>
+          <p:cNvPr id="3" name="Title 2">
+            <a:extLst>
+              <a:ext uri="{FF2B5EF4-FFF2-40B4-BE49-F238E27FC236}">
+                <a16:creationId xmlns:a16="http://schemas.microsoft.com/office/drawing/2014/main" id="{FE2D2DAF-FE0D-5C4D-7892-CDBBEB264425}"/>
+              </a:ext>
+            </a:extLst>
+          </p:cNvPr>
+          <p:cNvSpPr>
+            <a:spLocks noGrp="1"/>
+          </p:cNvSpPr>
+          <p:nvPr>
+            <p:ph type="ctrTitle"/>
+          </p:nvPr>
+        </p:nvSpPr>
+        <p:spPr/>
+        <p:txBody>
+          <a:bodyPr/>
+          <a:lstStyle/>
+          <a:p>
+            <a:r>
+              <a:rPr lang="en-US" dirty="0"/>
+              <a:t>SOLUTION: Overview</a:t>
+            </a:r>
+          </a:p>
+        </p:txBody>
+      </p:sp>
+    </p:spTree>
+    <p:extLst>
+      <p:ext uri="{BB962C8B-B14F-4D97-AF65-F5344CB8AC3E}">
+        <p14:creationId xmlns:p14="http://schemas.microsoft.com/office/powerpoint/2010/main" val="2469120938"/>
+      </p:ext>
+    </p:extLst>
+  </p:cSld>
+  <p:clrMapOvr>
+    <a:masterClrMapping/>
+  </p:clrMapOvr>
+</p:sld>
+</file>
+
+<file path=ppt/slides/slide11.xml><?xml version="1.0" encoding="utf-8"?>
+<p:sld xmlns:a="http://schemas.openxmlformats.org/drawingml/2006/main" xmlns:r="http://schemas.openxmlformats.org/officeDocument/2006/relationships" xmlns:p="http://schemas.openxmlformats.org/presentationml/2006/main">
+  <p:cSld>
+    <p:spTree>
+      <p:nvGrpSpPr>
+        <p:cNvPr id="1" name=""/>
+        <p:cNvGrpSpPr/>
+        <p:nvPr/>
+      </p:nvGrpSpPr>
+      <p:grpSpPr>
+        <a:xfrm>
+          <a:off x="0" y="0"/>
+          <a:ext cx="0" cy="0"/>
+          <a:chOff x="0" y="0"/>
+          <a:chExt cx="0" cy="0"/>
+        </a:xfrm>
+      </p:grpSpPr>
+      <p:sp>
+        <p:nvSpPr>
+          <p:cNvPr id="2" name="Text Placeholder 1">
+            <a:extLst>
+              <a:ext uri="{FF2B5EF4-FFF2-40B4-BE49-F238E27FC236}">
                 <a16:creationId xmlns:a16="http://schemas.microsoft.com/office/drawing/2014/main" id="{D044ABDE-A4F3-14AF-0599-FC26FFDD8009}"/>
               </a:ext>
             </a:extLst>
@@ -16532,8 +13058,8 @@
         </p:nvSpPr>
         <p:spPr>
           <a:xfrm>
-            <a:off x="618825" y="204940"/>
-            <a:ext cx="4727700" cy="577800"/>
+            <a:off x="618824" y="204940"/>
+            <a:ext cx="5142789" cy="577800"/>
           </a:xfrm>
         </p:spPr>
         <p:txBody>
@@ -16542,7 +13068,7 @@
           <a:p>
             <a:r>
               <a:rPr lang="en-US" dirty="0"/>
-              <a:t>SOLUTION: Data Preprocessing</a:t>
+              <a:t>SOLUTION 1: Data Preprocessing</a:t>
             </a:r>
           </a:p>
         </p:txBody>
@@ -17129,77 +13655,6 @@
       </p:sp>
       <p:pic>
         <p:nvPicPr>
-          <p:cNvPr id="6" name="Picture 5">
-            <a:extLst>
-              <a:ext uri="{FF2B5EF4-FFF2-40B4-BE49-F238E27FC236}">
-                <a16:creationId xmlns:a16="http://schemas.microsoft.com/office/drawing/2014/main" id="{397EF65B-B394-37B2-6CB2-580574B7AC9D}"/>
-              </a:ext>
-            </a:extLst>
-          </p:cNvPr>
-          <p:cNvPicPr>
-            <a:picLocks noChangeAspect="1"/>
-          </p:cNvPicPr>
-          <p:nvPr/>
-        </p:nvPicPr>
-        <p:blipFill>
-          <a:blip r:embed="rId2" cstate="print">
-            <a:extLst>
-              <a:ext uri="{28A0092B-C50C-407E-A947-70E740481C1C}">
-                <a14:useLocalDpi xmlns:a14="http://schemas.microsoft.com/office/drawing/2010/main" val="0"/>
-              </a:ext>
-            </a:extLst>
-          </a:blip>
-          <a:srcRect/>
-          <a:stretch>
-            <a:fillRect/>
-          </a:stretch>
-        </p:blipFill>
-        <p:spPr bwMode="auto">
-          <a:xfrm>
-            <a:off x="159543" y="1627687"/>
-            <a:ext cx="3370293" cy="1150079"/>
-          </a:xfrm>
-          <a:prstGeom prst="rect">
-            <a:avLst/>
-          </a:prstGeom>
-          <a:noFill/>
-          <a:ln>
-            <a:noFill/>
-          </a:ln>
-        </p:spPr>
-      </p:pic>
-      <p:pic>
-        <p:nvPicPr>
-          <p:cNvPr id="8" name="Picture 7">
-            <a:extLst>
-              <a:ext uri="{FF2B5EF4-FFF2-40B4-BE49-F238E27FC236}">
-                <a16:creationId xmlns:a16="http://schemas.microsoft.com/office/drawing/2014/main" id="{1B8502C9-1CAD-FC6C-53D8-98D2E8DA15E7}"/>
-              </a:ext>
-            </a:extLst>
-          </p:cNvPr>
-          <p:cNvPicPr>
-            <a:picLocks noChangeAspect="1"/>
-          </p:cNvPicPr>
-          <p:nvPr/>
-        </p:nvPicPr>
-        <p:blipFill>
-          <a:blip r:embed="rId3"/>
-          <a:stretch>
-            <a:fillRect/>
-          </a:stretch>
-        </p:blipFill>
-        <p:spPr>
-          <a:xfrm>
-            <a:off x="3609349" y="1316268"/>
-            <a:ext cx="2577333" cy="1933000"/>
-          </a:xfrm>
-          <a:prstGeom prst="rect">
-            <a:avLst/>
-          </a:prstGeom>
-        </p:spPr>
-      </p:pic>
-      <p:pic>
-        <p:nvPicPr>
           <p:cNvPr id="10" name="Picture 9">
             <a:extLst>
               <a:ext uri="{FF2B5EF4-FFF2-40B4-BE49-F238E27FC236}">
@@ -17213,7 +13668,7 @@
           <p:nvPr/>
         </p:nvPicPr>
         <p:blipFill>
-          <a:blip r:embed="rId4">
+          <a:blip r:embed="rId3">
             <a:extLst>
               <a:ext uri="{28A0092B-C50C-407E-A947-70E740481C1C}">
                 <a14:useLocalDpi xmlns:a14="http://schemas.microsoft.com/office/drawing/2010/main" val="0"/>
@@ -17885,8 +14340,8 @@
         </p:nvSpPr>
         <p:spPr>
           <a:xfrm>
-            <a:off x="5644962" y="138925"/>
-            <a:ext cx="3923330" cy="307777"/>
+            <a:off x="5176007" y="62453"/>
+            <a:ext cx="4107059" cy="307777"/>
           </a:xfrm>
           <a:prstGeom prst="rect">
             <a:avLst/>
@@ -17907,11 +14362,84 @@
           <a:p>
             <a:r>
               <a:rPr lang="en-US" sz="700" dirty="0"/>
-              <a:t>Source (image 2): https://commons.wikimedia.org/w/index.php?curid=2799839</a:t>
+              <a:t>Source (image 2): https://study.com/cimages/multimages/16/normal005825455157190833177.jpg</a:t>
             </a:r>
           </a:p>
         </p:txBody>
       </p:sp>
+      <p:pic>
+        <p:nvPicPr>
+          <p:cNvPr id="9" name="Picture 8">
+            <a:extLst>
+              <a:ext uri="{FF2B5EF4-FFF2-40B4-BE49-F238E27FC236}">
+                <a16:creationId xmlns:a16="http://schemas.microsoft.com/office/drawing/2014/main" id="{149080F2-44BB-9350-59EA-A58B854EDDFF}"/>
+              </a:ext>
+            </a:extLst>
+          </p:cNvPr>
+          <p:cNvPicPr>
+            <a:picLocks noChangeAspect="1"/>
+          </p:cNvPicPr>
+          <p:nvPr/>
+        </p:nvPicPr>
+        <p:blipFill>
+          <a:blip r:embed="rId6"/>
+          <a:stretch>
+            <a:fillRect/>
+          </a:stretch>
+        </p:blipFill>
+        <p:spPr>
+          <a:xfrm>
+            <a:off x="3661800" y="1361789"/>
+            <a:ext cx="2572721" cy="1502355"/>
+          </a:xfrm>
+          <a:prstGeom prst="rect">
+            <a:avLst/>
+          </a:prstGeom>
+        </p:spPr>
+      </p:pic>
+      <p:pic>
+        <p:nvPicPr>
+          <p:cNvPr id="6" name="Picture 5">
+            <a:extLst>
+              <a:ext uri="{FF2B5EF4-FFF2-40B4-BE49-F238E27FC236}">
+                <a16:creationId xmlns:a16="http://schemas.microsoft.com/office/drawing/2014/main" id="{397EF65B-B394-37B2-6CB2-580574B7AC9D}"/>
+              </a:ext>
+            </a:extLst>
+          </p:cNvPr>
+          <p:cNvPicPr>
+            <a:picLocks noChangeAspect="1"/>
+          </p:cNvPicPr>
+          <p:nvPr/>
+        </p:nvPicPr>
+        <p:blipFill>
+          <a:blip r:embed="rId7" cstate="print">
+            <a:extLst>
+              <a:ext uri="{28A0092B-C50C-407E-A947-70E740481C1C}">
+                <a14:useLocalDpi xmlns:a14="http://schemas.microsoft.com/office/drawing/2010/main" val="0"/>
+              </a:ext>
+            </a:extLst>
+          </a:blip>
+          <a:srcRect/>
+          <a:stretch>
+            <a:fillRect/>
+          </a:stretch>
+        </p:blipFill>
+        <p:spPr bwMode="auto">
+          <a:xfrm>
+            <a:off x="114436" y="1559275"/>
+            <a:ext cx="3370293" cy="1150079"/>
+          </a:xfrm>
+          <a:prstGeom prst="rect">
+            <a:avLst/>
+          </a:prstGeom>
+          <a:solidFill>
+            <a:schemeClr val="bg1"/>
+          </a:solidFill>
+          <a:ln>
+            <a:noFill/>
+          </a:ln>
+        </p:spPr>
+      </p:pic>
     </p:spTree>
     <p:extLst>
       <p:ext uri="{BB962C8B-B14F-4D97-AF65-F5344CB8AC3E}">
@@ -17925,7 +14453,7 @@
 </p:sld>
 </file>
 
-<file path=ppt/slides/slide11.xml><?xml version="1.0" encoding="utf-8"?>
+<file path=ppt/slides/slide12.xml><?xml version="1.0" encoding="utf-8"?>
 <p:sld xmlns:a="http://schemas.openxmlformats.org/drawingml/2006/main" xmlns:r="http://schemas.openxmlformats.org/officeDocument/2006/relationships" xmlns:p="http://schemas.openxmlformats.org/presentationml/2006/main">
   <p:cSld>
     <p:spTree>
@@ -17976,12 +14504,6 @@
           <a:p>
             <a:r>
               <a:rPr lang="en-US" sz="1800" dirty="0"/>
-              <a:t>Can model deeper relationships than traditional methods</a:t>
-            </a:r>
-          </a:p>
-          <a:p>
-            <a:r>
-              <a:rPr lang="en-US" sz="1800" dirty="0"/>
               <a:t>1.3 million parameter final model</a:t>
             </a:r>
           </a:p>
@@ -17989,6 +14511,18 @@
             <a:r>
               <a:rPr lang="en-US" sz="1800" dirty="0"/>
               <a:t>~1 hour training time on single P5000</a:t>
+            </a:r>
+          </a:p>
+          <a:p>
+            <a:r>
+              <a:rPr lang="en-US" sz="1800" dirty="0"/>
+              <a:t>80% Training Set (400 Users)</a:t>
+            </a:r>
+          </a:p>
+          <a:p>
+            <a:r>
+              <a:rPr lang="en-US" sz="1800" dirty="0"/>
+              <a:t>20% Testing Set (100 Users)</a:t>
             </a:r>
           </a:p>
         </p:txBody>
@@ -18016,7 +14550,7 @@
           <a:p>
             <a:r>
               <a:rPr lang="en-US" dirty="0"/>
-              <a:t>SOLUTION: LSTM RNN Model</a:t>
+              <a:t>SOLUTION 1: LSTM RNN Model</a:t>
             </a:r>
           </a:p>
         </p:txBody>
@@ -18129,7 +14663,7 @@
 </p:sld>
 </file>
 
-<file path=ppt/slides/slide12.xml><?xml version="1.0" encoding="utf-8"?>
+<file path=ppt/slides/slide13.xml><?xml version="1.0" encoding="utf-8"?>
 <p:sld xmlns:a="http://schemas.openxmlformats.org/drawingml/2006/main" xmlns:r="http://schemas.openxmlformats.org/officeDocument/2006/relationships" xmlns:p="http://schemas.openxmlformats.org/presentationml/2006/main">
   <p:cSld>
     <p:spTree>
@@ -18180,7 +14714,7 @@
           <a:p>
             <a:r>
               <a:rPr lang="en-US" dirty="0"/>
-              <a:t>Validation accuracy: 58%</a:t>
+              <a:t>Test set accuracy: 58%</a:t>
             </a:r>
           </a:p>
           <a:p>
@@ -18235,7 +14769,7 @@
           <a:p>
             <a:r>
               <a:rPr lang="en-US" dirty="0"/>
-              <a:t>SOLUTION: LSTM RNN Results</a:t>
+              <a:t>SOLUTION 1: LSTM RNN Results</a:t>
             </a:r>
           </a:p>
         </p:txBody>
@@ -18325,7 +14859,7 @@
 </p:sld>
 </file>
 
-<file path=ppt/slides/slide13.xml><?xml version="1.0" encoding="utf-8"?>
+<file path=ppt/slides/slide14.xml><?xml version="1.0" encoding="utf-8"?>
 <p:sld xmlns:a="http://schemas.openxmlformats.org/drawingml/2006/main" xmlns:r="http://schemas.openxmlformats.org/officeDocument/2006/relationships" xmlns:p="http://schemas.openxmlformats.org/presentationml/2006/main">
   <p:cSld>
     <p:spTree>
@@ -18360,7 +14894,7 @@
         </p:nvSpPr>
         <p:spPr>
           <a:xfrm>
-            <a:off x="91058" y="636607"/>
+            <a:off x="61832" y="636607"/>
             <a:ext cx="3374651" cy="437323"/>
           </a:xfrm>
         </p:spPr>
@@ -18406,7 +14940,7 @@
           <a:p>
             <a:r>
               <a:rPr lang="en-US" dirty="0"/>
-              <a:t>SOLUTION: TSFresh Model</a:t>
+              <a:t>SOLUTION 2: TSFresh Model</a:t>
             </a:r>
           </a:p>
         </p:txBody>
@@ -18433,7 +14967,7 @@
         </p:blipFill>
         <p:spPr>
           <a:xfrm>
-            <a:off x="191978" y="1082441"/>
+            <a:off x="202846" y="1102448"/>
             <a:ext cx="3374651" cy="2022029"/>
           </a:xfrm>
           <a:prstGeom prst="rect">
@@ -19507,13 +16041,13 @@
           <a:p>
             <a:r>
               <a:rPr lang="en-US" sz="1400" dirty="0"/>
-              <a:t>6242 extracted features</a:t>
+              <a:t>No preprocessing required</a:t>
             </a:r>
           </a:p>
           <a:p>
             <a:r>
               <a:rPr lang="en-US" sz="1400" dirty="0"/>
-              <a:t>No preprocessing required</a:t>
+              <a:t>6242 extracted features</a:t>
             </a:r>
           </a:p>
         </p:txBody>
@@ -20133,7 +16667,7 @@
 </p:sld>
 </file>
 
-<file path=ppt/slides/slide14.xml><?xml version="1.0" encoding="utf-8"?>
+<file path=ppt/slides/slide15.xml><?xml version="1.0" encoding="utf-8"?>
 <p:sld xmlns:a="http://schemas.openxmlformats.org/drawingml/2006/main" xmlns:r="http://schemas.openxmlformats.org/officeDocument/2006/relationships" xmlns:p="http://schemas.openxmlformats.org/presentationml/2006/main">
   <p:cSld>
     <p:spTree>
@@ -20184,19 +16718,13 @@
           <a:p>
             <a:r>
               <a:rPr lang="en-US" dirty="0"/>
-              <a:t>Validation accuracy: 65%</a:t>
+              <a:t>Test set accuracy (best): 67%</a:t>
             </a:r>
           </a:p>
           <a:p>
             <a:r>
               <a:rPr lang="en-US" dirty="0"/>
-              <a:t>~10% improvement over manually extracted features (e.g. % outliers using Local Outlier Factor, descriptive stats)</a:t>
-            </a:r>
-          </a:p>
-          <a:p>
-            <a:r>
-              <a:rPr lang="en-US" dirty="0"/>
-              <a:t>Only needs 300 users’ data to reach this accuracy</a:t>
+              <a:t>~12% improvement over manually extracted features (e.g. % outliers using Local Outlier Factor &amp; MAD, descriptive stats)</a:t>
             </a:r>
           </a:p>
           <a:p>
@@ -20204,6 +16732,23 @@
               <a:rPr lang="en-US" dirty="0"/>
               <a:t>Total runtime of ~2 hours on 8 core CPU machine</a:t>
             </a:r>
+          </a:p>
+          <a:p>
+            <a:r>
+              <a:rPr lang="en-US" dirty="0"/>
+              <a:t>6</a:t>
+            </a:r>
+            <a:r>
+              <a:rPr lang="en-US" sz="1600" dirty="0"/>
+              <a:t>0% Training Set (300 Users)</a:t>
+            </a:r>
+          </a:p>
+          <a:p>
+            <a:r>
+              <a:rPr lang="en-US" sz="1600" dirty="0"/>
+              <a:t>20% Testing Set (100 Users)</a:t>
+            </a:r>
+            <a:endParaRPr lang="en-US" dirty="0"/>
           </a:p>
           <a:p>
             <a:endParaRPr lang="en-US" dirty="0"/>
@@ -20233,7 +16778,7 @@
           <a:p>
             <a:r>
               <a:rPr lang="en-US" dirty="0"/>
-              <a:t>SOLUTION: TSFresh Results</a:t>
+              <a:t>SOLUTION 2: TSFresh Results</a:t>
             </a:r>
           </a:p>
         </p:txBody>
@@ -20253,7 +16798,7 @@
           <p:nvPr>
             <p:extLst>
               <p:ext uri="{D42A27DB-BD31-4B8C-83A1-F6EECF244321}">
-                <p14:modId xmlns:p14="http://schemas.microsoft.com/office/powerpoint/2010/main" val="4112055514"/>
+                <p14:modId xmlns:p14="http://schemas.microsoft.com/office/powerpoint/2010/main" val="2950534941"/>
               </p:ext>
             </p:extLst>
           </p:nvPr>
@@ -20585,7 +17130,7 @@
                           <a:effectLst/>
                           <a:latin typeface="Maven Pro" panose="020B0604020202020204" charset="0"/>
                         </a:rPr>
-                        <a:t>0.66</a:t>
+                        <a:t>0.67</a:t>
                       </a:r>
                       <a:endParaRPr lang="en-US" sz="1100" spc="-5" dirty="0">
                         <a:solidFill>
@@ -20626,7 +17171,7 @@
                           <a:effectLst/>
                           <a:latin typeface="Maven Pro" panose="020B0604020202020204" charset="0"/>
                         </a:rPr>
-                        <a:t>0.62</a:t>
+                        <a:t>0.68</a:t>
                       </a:r>
                       <a:endParaRPr lang="en-US" sz="1100" spc="-5" dirty="0">
                         <a:solidFill>
@@ -20667,7 +17212,7 @@
                           <a:effectLst/>
                           <a:latin typeface="Maven Pro" panose="020B0604020202020204" charset="0"/>
                         </a:rPr>
-                        <a:t>0.64</a:t>
+                        <a:t>0.67</a:t>
                       </a:r>
                       <a:endParaRPr lang="en-US" sz="1100" spc="-5" dirty="0">
                         <a:solidFill>
@@ -20797,48 +17342,7 @@
                           <a:effectLst/>
                           <a:latin typeface="Maven Pro" panose="020B0604020202020204" charset="0"/>
                         </a:rPr>
-                        <a:t>0.64</a:t>
-                      </a:r>
-                      <a:endParaRPr lang="en-US" sz="1100" spc="-5" dirty="0">
-                        <a:solidFill>
-                          <a:schemeClr val="bg1"/>
-                        </a:solidFill>
-                        <a:effectLst/>
-                        <a:latin typeface="Maven Pro" panose="020B0604020202020204" charset="0"/>
-                        <a:ea typeface="SimSun" panose="02010600030101010101" pitchFamily="2" charset="-122"/>
-                      </a:endParaRPr>
-                    </a:p>
-                  </a:txBody>
-                  <a:tcPr marL="68580" marR="68580" marT="0" marB="0"/>
-                </a:tc>
-                <a:tc>
-                  <a:txBody>
-                    <a:bodyPr/>
-                    <a:lstStyle/>
-                    <a:p>
-                      <a:pPr marL="0" marR="0" indent="0" algn="just">
-                        <a:lnSpc>
-                          <a:spcPct val="95000"/>
-                        </a:lnSpc>
-                        <a:spcBef>
-                          <a:spcPts val="0"/>
-                        </a:spcBef>
-                        <a:spcAft>
-                          <a:spcPts val="600"/>
-                        </a:spcAft>
-                        <a:tabLst>
-                          <a:tab pos="182880" algn="l"/>
-                        </a:tabLst>
-                      </a:pPr>
-                      <a:r>
-                        <a:rPr lang="en-US" sz="1100" spc="-5" dirty="0">
-                          <a:solidFill>
-                            <a:schemeClr val="bg1"/>
-                          </a:solidFill>
-                          <a:effectLst/>
-                          <a:latin typeface="Maven Pro" panose="020B0604020202020204" charset="0"/>
-                        </a:rPr>
-                        <a:t>0.68</a:t>
+                        <a:t>0.67</a:t>
                       </a:r>
                       <a:endParaRPr lang="en-US" sz="1100" spc="-5" dirty="0">
                         <a:solidFill>
@@ -20920,6 +17424,47 @@
                           <a:effectLst/>
                           <a:latin typeface="Maven Pro" panose="020B0604020202020204" charset="0"/>
                         </a:rPr>
+                        <a:t>0.67</a:t>
+                      </a:r>
+                      <a:endParaRPr lang="en-US" sz="1100" spc="-5" dirty="0">
+                        <a:solidFill>
+                          <a:schemeClr val="bg1"/>
+                        </a:solidFill>
+                        <a:effectLst/>
+                        <a:latin typeface="Maven Pro" panose="020B0604020202020204" charset="0"/>
+                        <a:ea typeface="SimSun" panose="02010600030101010101" pitchFamily="2" charset="-122"/>
+                      </a:endParaRPr>
+                    </a:p>
+                  </a:txBody>
+                  <a:tcPr marL="68580" marR="68580" marT="0" marB="0"/>
+                </a:tc>
+                <a:tc>
+                  <a:txBody>
+                    <a:bodyPr/>
+                    <a:lstStyle/>
+                    <a:p>
+                      <a:pPr marL="0" marR="0" indent="0" algn="just">
+                        <a:lnSpc>
+                          <a:spcPct val="95000"/>
+                        </a:lnSpc>
+                        <a:spcBef>
+                          <a:spcPts val="0"/>
+                        </a:spcBef>
+                        <a:spcAft>
+                          <a:spcPts val="600"/>
+                        </a:spcAft>
+                        <a:tabLst>
+                          <a:tab pos="182880" algn="l"/>
+                        </a:tabLst>
+                      </a:pPr>
+                      <a:r>
+                        <a:rPr lang="en-US" sz="1100" spc="-5" dirty="0">
+                          <a:solidFill>
+                            <a:schemeClr val="bg1"/>
+                          </a:solidFill>
+                          <a:effectLst/>
+                          <a:latin typeface="Maven Pro" panose="020B0604020202020204" charset="0"/>
+                        </a:rPr>
                         <a:t>50</a:t>
                       </a:r>
                       <a:endParaRPr lang="en-US" sz="1100" spc="-5" dirty="0">
@@ -20944,6 +17489,36 @@
           </a:graphicData>
         </a:graphic>
       </p:graphicFrame>
+      <p:pic>
+        <p:nvPicPr>
+          <p:cNvPr id="6" name="Picture 5">
+            <a:extLst>
+              <a:ext uri="{FF2B5EF4-FFF2-40B4-BE49-F238E27FC236}">
+                <a16:creationId xmlns:a16="http://schemas.microsoft.com/office/drawing/2014/main" id="{B74641B5-E6D3-D4F1-6B2F-E1F0E88FF604}"/>
+              </a:ext>
+            </a:extLst>
+          </p:cNvPr>
+          <p:cNvPicPr>
+            <a:picLocks noChangeAspect="1"/>
+          </p:cNvPicPr>
+          <p:nvPr/>
+        </p:nvPicPr>
+        <p:blipFill>
+          <a:blip r:embed="rId2"/>
+          <a:stretch>
+            <a:fillRect/>
+          </a:stretch>
+        </p:blipFill>
+        <p:spPr>
+          <a:xfrm>
+            <a:off x="5455286" y="2240175"/>
+            <a:ext cx="3147333" cy="2507197"/>
+          </a:xfrm>
+          <a:prstGeom prst="rect">
+            <a:avLst/>
+          </a:prstGeom>
+        </p:spPr>
+      </p:pic>
     </p:spTree>
     <p:extLst>
       <p:ext uri="{BB962C8B-B14F-4D97-AF65-F5344CB8AC3E}">
@@ -20957,7 +17532,7 @@
 </p:sld>
 </file>
 
-<file path=ppt/slides/slide15.xml><?xml version="1.0" encoding="utf-8"?>
+<file path=ppt/slides/slide16.xml><?xml version="1.0" encoding="utf-8"?>
 <p:sld xmlns:a="http://schemas.openxmlformats.org/drawingml/2006/main" xmlns:r="http://schemas.openxmlformats.org/officeDocument/2006/relationships" xmlns:p="http://schemas.openxmlformats.org/presentationml/2006/main">
   <p:cSld>
     <p:spTree>
@@ -20986,8 +17561,8 @@
         </p:nvSpPr>
         <p:spPr>
           <a:xfrm>
-            <a:off x="2471150" y="1449296"/>
-            <a:ext cx="3823200" cy="1121400"/>
+            <a:off x="2471150" y="1308809"/>
+            <a:ext cx="3823200" cy="2151246"/>
           </a:xfrm>
           <a:prstGeom prst="rect">
             <a:avLst/>
@@ -21010,7 +17585,14 @@
             </a:pPr>
             <a:r>
               <a:rPr lang="en" dirty="0"/>
-              <a:t>THANKS</a:t>
+              <a:t>THANK</a:t>
+            </a:r>
+            <a:br>
+              <a:rPr lang="en" dirty="0"/>
+            </a:br>
+            <a:r>
+              <a:rPr lang="en" dirty="0"/>
+              <a:t>YOU</a:t>
             </a:r>
             <a:endParaRPr dirty="0"/>
           </a:p>
@@ -21056,7 +17638,7 @@
                   <a:schemeClr val="accent2"/>
                 </a:solidFill>
               </a:rPr>
-              <a:t>Do you have any questions?</a:t>
+              <a:t>Questions?</a:t>
             </a:r>
             <a:endParaRPr dirty="0">
               <a:solidFill>
@@ -21570,7 +18152,7 @@
             </a:pPr>
             <a:r>
               <a:rPr lang="en" dirty="0"/>
-              <a:t>SOLUTION</a:t>
+              <a:t>SOLUTIONS</a:t>
             </a:r>
             <a:endParaRPr dirty="0"/>
           </a:p>
@@ -21612,7 +18194,7 @@
             </a:pPr>
             <a:r>
               <a:rPr lang="en-US" dirty="0"/>
-              <a:t>Models, Results, Improvements.</a:t>
+              <a:t>Models, Results, Improvements. (Slides 10 to 15)</a:t>
             </a:r>
             <a:endParaRPr dirty="0"/>
           </a:p>
@@ -21714,8 +18296,8 @@
         </p:nvSpPr>
         <p:spPr>
           <a:xfrm>
-            <a:off x="1223300" y="3829680"/>
-            <a:ext cx="1755600" cy="761532"/>
+            <a:off x="1223300" y="3829679"/>
+            <a:ext cx="1755600" cy="1050419"/>
           </a:xfrm>
           <a:prstGeom prst="rect">
             <a:avLst/>
@@ -21738,7 +18320,7 @@
             </a:pPr>
             <a:r>
               <a:rPr lang="en-US" dirty="0"/>
-              <a:t>What is the problem statement about?</a:t>
+              <a:t>What is the problem statement about? (Slides 3 to 5)</a:t>
             </a:r>
             <a:endParaRPr dirty="0"/>
           </a:p>
@@ -21822,7 +18404,7 @@
             </a:pPr>
             <a:r>
               <a:rPr lang="en-US" dirty="0"/>
-              <a:t>Analysis of the data given for the problem statement.</a:t>
+              <a:t>Analysis of the data given for the problem statement. (Slides 6 to 9)</a:t>
             </a:r>
             <a:endParaRPr dirty="0"/>
           </a:p>
@@ -25418,7 +22000,12 @@
             <p:ph type="ctrTitle" idx="7"/>
           </p:nvPr>
         </p:nvSpPr>
-        <p:spPr/>
+        <p:spPr>
+          <a:xfrm>
+            <a:off x="643992" y="277689"/>
+            <a:ext cx="4576200" cy="577800"/>
+          </a:xfrm>
+        </p:spPr>
         <p:txBody>
           <a:bodyPr/>
           <a:lstStyle/>
@@ -25452,7 +22039,7 @@
         </p:blipFill>
         <p:spPr>
           <a:xfrm>
-            <a:off x="1221635" y="2199095"/>
+            <a:off x="991752" y="3082735"/>
             <a:ext cx="5728266" cy="1783076"/>
           </a:xfrm>
           <a:prstGeom prst="rect">
@@ -25474,7 +22061,7 @@
         </p:nvSpPr>
         <p:spPr>
           <a:xfrm>
-            <a:off x="1144789" y="3992412"/>
+            <a:off x="3990108" y="103898"/>
             <a:ext cx="5162896" cy="307777"/>
           </a:xfrm>
           <a:prstGeom prst="rect">
@@ -25511,8 +22098,8 @@
         </p:nvSpPr>
         <p:spPr>
           <a:xfrm>
-            <a:off x="444098" y="997199"/>
-            <a:ext cx="7092020" cy="1201896"/>
+            <a:off x="444098" y="852923"/>
+            <a:ext cx="7092020" cy="2165451"/>
           </a:xfrm>
           <a:prstGeom prst="rect">
             <a:avLst/>
@@ -25779,12 +22366,12 @@
               <a:buChar char="•"/>
             </a:pPr>
             <a:r>
-              <a:rPr lang="en-US" dirty="0">
+              <a:rPr lang="en-US" sz="1800" dirty="0">
                 <a:solidFill>
                   <a:schemeClr val="bg1"/>
                 </a:solidFill>
               </a:rPr>
-              <a:t>User experience while using the internet is becoming a top priority for network operators worldwide</a:t>
+              <a:t>User experience while using broadband internet is quickly becoming a top priority for network operators worldwide</a:t>
             </a:r>
           </a:p>
           <a:p>
@@ -25793,12 +22380,26 @@
               <a:buChar char="•"/>
             </a:pPr>
             <a:r>
-              <a:rPr lang="en-US" dirty="0">
+              <a:rPr lang="en-US" sz="1800" dirty="0">
                 <a:solidFill>
                   <a:schemeClr val="bg1"/>
                 </a:solidFill>
               </a:rPr>
-              <a:t>Eight key indicators from DPI probe readings on the downlink network side reflect the kind of experience the user is having. </a:t>
+              <a:t>Predictive models can help operators discover potential complaining users in advance.</a:t>
+            </a:r>
+          </a:p>
+          <a:p>
+            <a:pPr marL="438150" indent="-285750">
+              <a:buFont typeface="Arial" panose="020B0604020202020204" pitchFamily="34" charset="0"/>
+              <a:buChar char="•"/>
+            </a:pPr>
+            <a:r>
+              <a:rPr lang="en-US" sz="1800" dirty="0">
+                <a:solidFill>
+                  <a:schemeClr val="bg1"/>
+                </a:solidFill>
+              </a:rPr>
+              <a:t>The kind of experience the user is having is dependent on eight key indicators from DPI probe readings (downlink network side problems). </a:t>
             </a:r>
           </a:p>
         </p:txBody>
@@ -25851,7 +22452,7 @@
         </p:nvSpPr>
         <p:spPr>
           <a:xfrm>
-            <a:off x="162050" y="852954"/>
+            <a:off x="259762" y="852954"/>
             <a:ext cx="8819899" cy="3785429"/>
           </a:xfrm>
         </p:spPr>
@@ -26083,8 +22684,8 @@
         </p:nvSpPr>
         <p:spPr>
           <a:xfrm>
-            <a:off x="603711" y="313434"/>
-            <a:ext cx="4727700" cy="577800"/>
+            <a:off x="259762" y="275154"/>
+            <a:ext cx="6224928" cy="577800"/>
           </a:xfrm>
         </p:spPr>
         <p:txBody>
@@ -26093,7 +22694,7 @@
           <a:p>
             <a:r>
               <a:rPr lang="en-US" dirty="0"/>
-              <a:t>PROBLEM: Eight Indicators</a:t>
+              <a:t>PROBLEM: Eight Indicators (Predictors)</a:t>
             </a:r>
           </a:p>
         </p:txBody>
@@ -26147,7 +22748,7 @@
         <p:spPr>
           <a:xfrm>
             <a:off x="520584" y="200079"/>
-            <a:ext cx="4576200" cy="577800"/>
+            <a:ext cx="4990984" cy="577800"/>
           </a:xfrm>
         </p:spPr>
         <p:txBody>
@@ -26156,7 +22757,7 @@
           <a:p>
             <a:r>
               <a:rPr lang="en-US" dirty="0"/>
-              <a:t>PROBLEM: UBE vs UGE</a:t>
+              <a:t>PROBLEM: UBE vs UGE (Labels)</a:t>
             </a:r>
           </a:p>
         </p:txBody>
@@ -26882,8 +23483,8 @@
         </p:nvSpPr>
         <p:spPr>
           <a:xfrm>
-            <a:off x="618825" y="1061987"/>
-            <a:ext cx="7197307" cy="3017032"/>
+            <a:off x="618825" y="622089"/>
+            <a:ext cx="7778555" cy="1404249"/>
           </a:xfrm>
         </p:spPr>
         <p:txBody>
@@ -26891,32 +23492,26 @@
           <a:lstStyle/>
           <a:p>
             <a:r>
-              <a:rPr lang="en-US" sz="2400" dirty="0"/>
-              <a:t>Records for 500 Users</a:t>
+              <a:rPr lang="en-US" sz="1800" dirty="0"/>
+              <a:t>Contains Records of 500 Users</a:t>
             </a:r>
           </a:p>
           <a:p>
             <a:r>
-              <a:rPr lang="en-US" sz="2400" dirty="0"/>
+              <a:rPr lang="en-US" sz="1800" dirty="0"/>
               <a:t>Eight Time Series of Indicator Readings per User</a:t>
             </a:r>
           </a:p>
           <a:p>
             <a:r>
-              <a:rPr lang="en-US" sz="2400" dirty="0"/>
-              <a:t>Class Distribution 50/50 Between UBE-UGE</a:t>
+              <a:rPr lang="en-US" sz="1800" dirty="0"/>
+              <a:t>Time Span Generally 1 Week</a:t>
             </a:r>
           </a:p>
           <a:p>
             <a:r>
-              <a:rPr lang="en-US" sz="2400" dirty="0"/>
-              <a:t>80% Training Set (400 Users)</a:t>
-            </a:r>
-          </a:p>
-          <a:p>
-            <a:r>
-              <a:rPr lang="en-US" sz="2400" dirty="0"/>
-              <a:t>20% Validation Set (100 Users)</a:t>
+              <a:rPr lang="en-US" sz="1800" dirty="0"/>
+              <a:t>Class Distribution 50/50 Between UBE-UGE (250 each)</a:t>
             </a:r>
           </a:p>
         </p:txBody>
@@ -26937,18 +23532,53 @@
             <p:ph type="ctrTitle"/>
           </p:nvPr>
         </p:nvSpPr>
-        <p:spPr/>
+        <p:spPr>
+          <a:xfrm>
+            <a:off x="618825" y="160005"/>
+            <a:ext cx="4727700" cy="577800"/>
+          </a:xfrm>
+        </p:spPr>
         <p:txBody>
           <a:bodyPr/>
           <a:lstStyle/>
           <a:p>
             <a:r>
               <a:rPr lang="en-US" dirty="0"/>
-              <a:t>DATA: Dataset</a:t>
+              <a:t>DATA: Dataset Overview</a:t>
             </a:r>
           </a:p>
         </p:txBody>
       </p:sp>
+      <p:pic>
+        <p:nvPicPr>
+          <p:cNvPr id="11" name="Picture 10">
+            <a:extLst>
+              <a:ext uri="{FF2B5EF4-FFF2-40B4-BE49-F238E27FC236}">
+                <a16:creationId xmlns:a16="http://schemas.microsoft.com/office/drawing/2014/main" id="{0EE08B25-1D4A-4B1A-1F27-EBA5798C9E2E}"/>
+              </a:ext>
+            </a:extLst>
+          </p:cNvPr>
+          <p:cNvPicPr>
+            <a:picLocks noChangeAspect="1"/>
+          </p:cNvPicPr>
+          <p:nvPr/>
+        </p:nvPicPr>
+        <p:blipFill>
+          <a:blip r:embed="rId2"/>
+          <a:stretch>
+            <a:fillRect/>
+          </a:stretch>
+        </p:blipFill>
+        <p:spPr>
+          <a:xfrm>
+            <a:off x="746620" y="2026338"/>
+            <a:ext cx="7982967" cy="2957157"/>
+          </a:xfrm>
+          <a:prstGeom prst="rect">
+            <a:avLst/>
+          </a:prstGeom>
+        </p:spPr>
+      </p:pic>
     </p:spTree>
     <p:extLst>
       <p:ext uri="{BB962C8B-B14F-4D97-AF65-F5344CB8AC3E}">
@@ -26963,6 +23593,915 @@
 </file>
 
 <file path=ppt/slides/slide7.xml><?xml version="1.0" encoding="utf-8"?>
+<p:sld xmlns:a="http://schemas.openxmlformats.org/drawingml/2006/main" xmlns:r="http://schemas.openxmlformats.org/officeDocument/2006/relationships" xmlns:p="http://schemas.openxmlformats.org/presentationml/2006/main">
+  <p:cSld>
+    <p:spTree>
+      <p:nvGrpSpPr>
+        <p:cNvPr id="1" name=""/>
+        <p:cNvGrpSpPr/>
+        <p:nvPr/>
+      </p:nvGrpSpPr>
+      <p:grpSpPr>
+        <a:xfrm>
+          <a:off x="0" y="0"/>
+          <a:ext cx="0" cy="0"/>
+          <a:chOff x="0" y="0"/>
+          <a:chExt cx="0" cy="0"/>
+        </a:xfrm>
+      </p:grpSpPr>
+      <p:pic>
+        <p:nvPicPr>
+          <p:cNvPr id="13" name="Picture 12">
+            <a:extLst>
+              <a:ext uri="{FF2B5EF4-FFF2-40B4-BE49-F238E27FC236}">
+                <a16:creationId xmlns:a16="http://schemas.microsoft.com/office/drawing/2014/main" id="{8B66493A-C61E-E839-B430-BDD9DAA6A878}"/>
+              </a:ext>
+            </a:extLst>
+          </p:cNvPr>
+          <p:cNvPicPr>
+            <a:picLocks noChangeAspect="1"/>
+          </p:cNvPicPr>
+          <p:nvPr/>
+        </p:nvPicPr>
+        <p:blipFill>
+          <a:blip r:embed="rId2"/>
+          <a:stretch>
+            <a:fillRect/>
+          </a:stretch>
+        </p:blipFill>
+        <p:spPr>
+          <a:xfrm>
+            <a:off x="4682336" y="2032208"/>
+            <a:ext cx="4308228" cy="2363617"/>
+          </a:xfrm>
+          <a:prstGeom prst="rect">
+            <a:avLst/>
+          </a:prstGeom>
+        </p:spPr>
+      </p:pic>
+      <p:sp>
+        <p:nvSpPr>
+          <p:cNvPr id="2" name="Text Placeholder 1">
+            <a:extLst>
+              <a:ext uri="{FF2B5EF4-FFF2-40B4-BE49-F238E27FC236}">
+                <a16:creationId xmlns:a16="http://schemas.microsoft.com/office/drawing/2014/main" id="{545C939F-CCD2-3078-D64D-F8E01FF0FEB6}"/>
+              </a:ext>
+            </a:extLst>
+          </p:cNvPr>
+          <p:cNvSpPr>
+            <a:spLocks noGrp="1"/>
+          </p:cNvSpPr>
+          <p:nvPr>
+            <p:ph type="body" idx="1"/>
+          </p:nvPr>
+        </p:nvSpPr>
+        <p:spPr>
+          <a:xfrm>
+            <a:off x="249710" y="564053"/>
+            <a:ext cx="6654949" cy="1349518"/>
+          </a:xfrm>
+        </p:spPr>
+        <p:txBody>
+          <a:bodyPr/>
+          <a:lstStyle/>
+          <a:p>
+            <a:r>
+              <a:rPr lang="en-US" sz="1600" dirty="0"/>
+              <a:t>Small Sample Size of 500 Users</a:t>
+            </a:r>
+          </a:p>
+          <a:p>
+            <a:r>
+              <a:rPr lang="en-US" sz="1600" dirty="0"/>
+              <a:t>Very Dense (up to 43828 observations) and Very Sparse Records (down to 566 observations)</a:t>
+            </a:r>
+          </a:p>
+          <a:p>
+            <a:r>
+              <a:rPr lang="en-US" sz="1600" dirty="0"/>
+              <a:t>Sampling Rate and Time Range of Records are Not Standard</a:t>
+            </a:r>
+          </a:p>
+          <a:p>
+            <a:endParaRPr lang="en-US" dirty="0"/>
+          </a:p>
+        </p:txBody>
+      </p:sp>
+      <p:sp>
+        <p:nvSpPr>
+          <p:cNvPr id="3" name="Title 2">
+            <a:extLst>
+              <a:ext uri="{FF2B5EF4-FFF2-40B4-BE49-F238E27FC236}">
+                <a16:creationId xmlns:a16="http://schemas.microsoft.com/office/drawing/2014/main" id="{B7BE3D9E-A21A-7FF6-9637-7F2DED368D58}"/>
+              </a:ext>
+            </a:extLst>
+          </p:cNvPr>
+          <p:cNvSpPr>
+            <a:spLocks noGrp="1"/>
+          </p:cNvSpPr>
+          <p:nvPr>
+            <p:ph type="ctrTitle"/>
+          </p:nvPr>
+        </p:nvSpPr>
+        <p:spPr>
+          <a:xfrm>
+            <a:off x="375544" y="158751"/>
+            <a:ext cx="4727700" cy="577800"/>
+          </a:xfrm>
+        </p:spPr>
+        <p:txBody>
+          <a:bodyPr/>
+          <a:lstStyle/>
+          <a:p>
+            <a:r>
+              <a:rPr lang="en-US" dirty="0"/>
+              <a:t>DATA: Challenges</a:t>
+            </a:r>
+          </a:p>
+        </p:txBody>
+      </p:sp>
+      <p:pic>
+        <p:nvPicPr>
+          <p:cNvPr id="5" name="Picture 4">
+            <a:extLst>
+              <a:ext uri="{FF2B5EF4-FFF2-40B4-BE49-F238E27FC236}">
+                <a16:creationId xmlns:a16="http://schemas.microsoft.com/office/drawing/2014/main" id="{4CF43EAC-E797-E543-4AB4-2DA56A524C7B}"/>
+              </a:ext>
+            </a:extLst>
+          </p:cNvPr>
+          <p:cNvPicPr>
+            <a:picLocks noChangeAspect="1"/>
+          </p:cNvPicPr>
+          <p:nvPr/>
+        </p:nvPicPr>
+        <p:blipFill>
+          <a:blip r:embed="rId3"/>
+          <a:stretch>
+            <a:fillRect/>
+          </a:stretch>
+        </p:blipFill>
+        <p:spPr>
+          <a:xfrm>
+            <a:off x="143768" y="2040165"/>
+            <a:ext cx="4428231" cy="2347704"/>
+          </a:xfrm>
+          <a:prstGeom prst="rect">
+            <a:avLst/>
+          </a:prstGeom>
+        </p:spPr>
+      </p:pic>
+      <p:sp>
+        <p:nvSpPr>
+          <p:cNvPr id="8" name="Rectangle 7">
+            <a:extLst>
+              <a:ext uri="{FF2B5EF4-FFF2-40B4-BE49-F238E27FC236}">
+                <a16:creationId xmlns:a16="http://schemas.microsoft.com/office/drawing/2014/main" id="{8BF2349C-ACC1-2A9C-7E77-D0215DF8593E}"/>
+              </a:ext>
+            </a:extLst>
+          </p:cNvPr>
+          <p:cNvSpPr/>
+          <p:nvPr/>
+        </p:nvSpPr>
+        <p:spPr>
+          <a:xfrm>
+            <a:off x="143768" y="2206305"/>
+            <a:ext cx="804188" cy="2181564"/>
+          </a:xfrm>
+          <a:prstGeom prst="rect">
+            <a:avLst/>
+          </a:prstGeom>
+          <a:noFill/>
+          <a:ln>
+            <a:solidFill>
+              <a:schemeClr val="tx2">
+                <a:lumMod val="50000"/>
+              </a:schemeClr>
+            </a:solidFill>
+          </a:ln>
+        </p:spPr>
+        <p:style>
+          <a:lnRef idx="2">
+            <a:schemeClr val="accent1">
+              <a:shade val="50000"/>
+            </a:schemeClr>
+          </a:lnRef>
+          <a:fillRef idx="1">
+            <a:schemeClr val="accent1"/>
+          </a:fillRef>
+          <a:effectRef idx="0">
+            <a:schemeClr val="accent1"/>
+          </a:effectRef>
+          <a:fontRef idx="minor">
+            <a:schemeClr val="lt1"/>
+          </a:fontRef>
+        </p:style>
+        <p:txBody>
+          <a:bodyPr rtlCol="0" anchor="ctr"/>
+          <a:lstStyle/>
+          <a:p>
+            <a:pPr algn="ctr"/>
+            <a:endParaRPr lang="en-US"/>
+          </a:p>
+        </p:txBody>
+      </p:sp>
+      <p:sp>
+        <p:nvSpPr>
+          <p:cNvPr id="9" name="Rectangle 8">
+            <a:extLst>
+              <a:ext uri="{FF2B5EF4-FFF2-40B4-BE49-F238E27FC236}">
+                <a16:creationId xmlns:a16="http://schemas.microsoft.com/office/drawing/2014/main" id="{B7BD8DF9-7B7B-2CAB-5905-6471D1A75358}"/>
+              </a:ext>
+            </a:extLst>
+          </p:cNvPr>
+          <p:cNvSpPr/>
+          <p:nvPr/>
+        </p:nvSpPr>
+        <p:spPr>
+          <a:xfrm>
+            <a:off x="4682336" y="2222218"/>
+            <a:ext cx="752451" cy="2181564"/>
+          </a:xfrm>
+          <a:prstGeom prst="rect">
+            <a:avLst/>
+          </a:prstGeom>
+          <a:noFill/>
+          <a:ln>
+            <a:solidFill>
+              <a:schemeClr val="tx2">
+                <a:lumMod val="50000"/>
+              </a:schemeClr>
+            </a:solidFill>
+          </a:ln>
+        </p:spPr>
+        <p:style>
+          <a:lnRef idx="2">
+            <a:schemeClr val="accent1">
+              <a:shade val="50000"/>
+            </a:schemeClr>
+          </a:lnRef>
+          <a:fillRef idx="1">
+            <a:schemeClr val="accent1"/>
+          </a:fillRef>
+          <a:effectRef idx="0">
+            <a:schemeClr val="accent1"/>
+          </a:effectRef>
+          <a:fontRef idx="minor">
+            <a:schemeClr val="lt1"/>
+          </a:fontRef>
+        </p:style>
+        <p:txBody>
+          <a:bodyPr rtlCol="0" anchor="ctr"/>
+          <a:lstStyle/>
+          <a:p>
+            <a:pPr algn="ctr"/>
+            <a:endParaRPr lang="en-US"/>
+          </a:p>
+        </p:txBody>
+      </p:sp>
+      <p:sp>
+        <p:nvSpPr>
+          <p:cNvPr id="10" name="Text Placeholder 1">
+            <a:extLst>
+              <a:ext uri="{FF2B5EF4-FFF2-40B4-BE49-F238E27FC236}">
+                <a16:creationId xmlns:a16="http://schemas.microsoft.com/office/drawing/2014/main" id="{84F9C012-0693-96A2-A8EC-E8DF61C25D09}"/>
+              </a:ext>
+            </a:extLst>
+          </p:cNvPr>
+          <p:cNvSpPr txBox="1">
+            <a:spLocks/>
+          </p:cNvSpPr>
+          <p:nvPr/>
+        </p:nvSpPr>
+        <p:spPr>
+          <a:xfrm>
+            <a:off x="1825471" y="4403782"/>
+            <a:ext cx="1064824" cy="432839"/>
+          </a:xfrm>
+          <a:prstGeom prst="rect">
+            <a:avLst/>
+          </a:prstGeom>
+          <a:noFill/>
+          <a:ln>
+            <a:noFill/>
+          </a:ln>
+        </p:spPr>
+        <p:txBody>
+          <a:bodyPr spcFirstLastPara="1" wrap="square" lIns="91425" tIns="91425" rIns="91425" bIns="91425" anchor="t" anchorCtr="0">
+            <a:noAutofit/>
+          </a:bodyPr>
+          <a:lstStyle>
+            <a:defPPr marR="0" lvl="0" algn="l" rtl="0">
+              <a:lnSpc>
+                <a:spcPct val="100000"/>
+              </a:lnSpc>
+              <a:spcBef>
+                <a:spcPts val="0"/>
+              </a:spcBef>
+              <a:spcAft>
+                <a:spcPts val="0"/>
+              </a:spcAft>
+            </a:defPPr>
+            <a:lvl1pPr marL="457200" marR="0" lvl="0" indent="-304800" algn="l" rtl="0">
+              <a:lnSpc>
+                <a:spcPct val="115000"/>
+              </a:lnSpc>
+              <a:spcBef>
+                <a:spcPts val="0"/>
+              </a:spcBef>
+              <a:spcAft>
+                <a:spcPts val="0"/>
+              </a:spcAft>
+              <a:buClr>
+                <a:schemeClr val="lt1"/>
+              </a:buClr>
+              <a:buSzPts val="1200"/>
+              <a:buFont typeface="Maven Pro"/>
+              <a:buChar char="●"/>
+              <a:defRPr sz="1600" b="0" i="0" u="none" strike="noStrike" cap="none">
+                <a:solidFill>
+                  <a:schemeClr val="lt1"/>
+                </a:solidFill>
+                <a:latin typeface="Maven Pro"/>
+                <a:ea typeface="Maven Pro"/>
+                <a:cs typeface="Maven Pro"/>
+                <a:sym typeface="Maven Pro"/>
+              </a:defRPr>
+            </a:lvl1pPr>
+            <a:lvl2pPr marL="914400" marR="0" lvl="1" indent="-304800" algn="l" rtl="0">
+              <a:lnSpc>
+                <a:spcPct val="115000"/>
+              </a:lnSpc>
+              <a:spcBef>
+                <a:spcPts val="1600"/>
+              </a:spcBef>
+              <a:spcAft>
+                <a:spcPts val="0"/>
+              </a:spcAft>
+              <a:buClr>
+                <a:schemeClr val="lt1"/>
+              </a:buClr>
+              <a:buSzPts val="1200"/>
+              <a:buFont typeface="Maven Pro"/>
+              <a:buChar char="○"/>
+              <a:defRPr sz="1200" b="0" i="0" u="none" strike="noStrike" cap="none">
+                <a:solidFill>
+                  <a:schemeClr val="lt1"/>
+                </a:solidFill>
+                <a:latin typeface="Maven Pro"/>
+                <a:ea typeface="Maven Pro"/>
+                <a:cs typeface="Maven Pro"/>
+                <a:sym typeface="Maven Pro"/>
+              </a:defRPr>
+            </a:lvl2pPr>
+            <a:lvl3pPr marL="1371600" marR="0" lvl="2" indent="-304800" algn="l" rtl="0">
+              <a:lnSpc>
+                <a:spcPct val="115000"/>
+              </a:lnSpc>
+              <a:spcBef>
+                <a:spcPts val="1600"/>
+              </a:spcBef>
+              <a:spcAft>
+                <a:spcPts val="0"/>
+              </a:spcAft>
+              <a:buClr>
+                <a:schemeClr val="lt1"/>
+              </a:buClr>
+              <a:buSzPts val="1200"/>
+              <a:buFont typeface="Maven Pro"/>
+              <a:buChar char="■"/>
+              <a:defRPr sz="1200" b="0" i="0" u="none" strike="noStrike" cap="none">
+                <a:solidFill>
+                  <a:schemeClr val="lt1"/>
+                </a:solidFill>
+                <a:latin typeface="Maven Pro"/>
+                <a:ea typeface="Maven Pro"/>
+                <a:cs typeface="Maven Pro"/>
+                <a:sym typeface="Maven Pro"/>
+              </a:defRPr>
+            </a:lvl3pPr>
+            <a:lvl4pPr marL="1828800" marR="0" lvl="3" indent="-304800" algn="l" rtl="0">
+              <a:lnSpc>
+                <a:spcPct val="115000"/>
+              </a:lnSpc>
+              <a:spcBef>
+                <a:spcPts val="1600"/>
+              </a:spcBef>
+              <a:spcAft>
+                <a:spcPts val="0"/>
+              </a:spcAft>
+              <a:buClr>
+                <a:schemeClr val="lt1"/>
+              </a:buClr>
+              <a:buSzPts val="1200"/>
+              <a:buFont typeface="Maven Pro"/>
+              <a:buChar char="●"/>
+              <a:defRPr sz="1200" b="0" i="0" u="none" strike="noStrike" cap="none">
+                <a:solidFill>
+                  <a:schemeClr val="lt1"/>
+                </a:solidFill>
+                <a:latin typeface="Maven Pro"/>
+                <a:ea typeface="Maven Pro"/>
+                <a:cs typeface="Maven Pro"/>
+                <a:sym typeface="Maven Pro"/>
+              </a:defRPr>
+            </a:lvl4pPr>
+            <a:lvl5pPr marL="2286000" marR="0" lvl="4" indent="-304800" algn="l" rtl="0">
+              <a:lnSpc>
+                <a:spcPct val="115000"/>
+              </a:lnSpc>
+              <a:spcBef>
+                <a:spcPts val="1600"/>
+              </a:spcBef>
+              <a:spcAft>
+                <a:spcPts val="0"/>
+              </a:spcAft>
+              <a:buClr>
+                <a:schemeClr val="lt1"/>
+              </a:buClr>
+              <a:buSzPts val="1200"/>
+              <a:buFont typeface="Maven Pro"/>
+              <a:buChar char="○"/>
+              <a:defRPr sz="1200" b="0" i="0" u="none" strike="noStrike" cap="none">
+                <a:solidFill>
+                  <a:schemeClr val="lt1"/>
+                </a:solidFill>
+                <a:latin typeface="Maven Pro"/>
+                <a:ea typeface="Maven Pro"/>
+                <a:cs typeface="Maven Pro"/>
+                <a:sym typeface="Maven Pro"/>
+              </a:defRPr>
+            </a:lvl5pPr>
+            <a:lvl6pPr marL="2743200" marR="0" lvl="5" indent="-304800" algn="l" rtl="0">
+              <a:lnSpc>
+                <a:spcPct val="115000"/>
+              </a:lnSpc>
+              <a:spcBef>
+                <a:spcPts val="1600"/>
+              </a:spcBef>
+              <a:spcAft>
+                <a:spcPts val="0"/>
+              </a:spcAft>
+              <a:buClr>
+                <a:schemeClr val="lt1"/>
+              </a:buClr>
+              <a:buSzPts val="1200"/>
+              <a:buFont typeface="Maven Pro"/>
+              <a:buChar char="■"/>
+              <a:defRPr sz="1200" b="0" i="0" u="none" strike="noStrike" cap="none">
+                <a:solidFill>
+                  <a:schemeClr val="lt1"/>
+                </a:solidFill>
+                <a:latin typeface="Maven Pro"/>
+                <a:ea typeface="Maven Pro"/>
+                <a:cs typeface="Maven Pro"/>
+                <a:sym typeface="Maven Pro"/>
+              </a:defRPr>
+            </a:lvl6pPr>
+            <a:lvl7pPr marL="3200400" marR="0" lvl="6" indent="-304800" algn="l" rtl="0">
+              <a:lnSpc>
+                <a:spcPct val="115000"/>
+              </a:lnSpc>
+              <a:spcBef>
+                <a:spcPts val="1600"/>
+              </a:spcBef>
+              <a:spcAft>
+                <a:spcPts val="0"/>
+              </a:spcAft>
+              <a:buClr>
+                <a:schemeClr val="lt1"/>
+              </a:buClr>
+              <a:buSzPts val="1200"/>
+              <a:buFont typeface="Maven Pro"/>
+              <a:buChar char="●"/>
+              <a:defRPr sz="1200" b="0" i="0" u="none" strike="noStrike" cap="none">
+                <a:solidFill>
+                  <a:schemeClr val="lt1"/>
+                </a:solidFill>
+                <a:latin typeface="Maven Pro"/>
+                <a:ea typeface="Maven Pro"/>
+                <a:cs typeface="Maven Pro"/>
+                <a:sym typeface="Maven Pro"/>
+              </a:defRPr>
+            </a:lvl7pPr>
+            <a:lvl8pPr marL="3657600" marR="0" lvl="7" indent="-304800" algn="l" rtl="0">
+              <a:lnSpc>
+                <a:spcPct val="115000"/>
+              </a:lnSpc>
+              <a:spcBef>
+                <a:spcPts val="1600"/>
+              </a:spcBef>
+              <a:spcAft>
+                <a:spcPts val="0"/>
+              </a:spcAft>
+              <a:buClr>
+                <a:schemeClr val="lt1"/>
+              </a:buClr>
+              <a:buSzPts val="1200"/>
+              <a:buFont typeface="Maven Pro"/>
+              <a:buChar char="○"/>
+              <a:defRPr sz="1200" b="0" i="0" u="none" strike="noStrike" cap="none">
+                <a:solidFill>
+                  <a:schemeClr val="lt1"/>
+                </a:solidFill>
+                <a:latin typeface="Maven Pro"/>
+                <a:ea typeface="Maven Pro"/>
+                <a:cs typeface="Maven Pro"/>
+                <a:sym typeface="Maven Pro"/>
+              </a:defRPr>
+            </a:lvl8pPr>
+            <a:lvl9pPr marL="4114800" marR="0" lvl="8" indent="-304800" algn="l" rtl="0">
+              <a:lnSpc>
+                <a:spcPct val="115000"/>
+              </a:lnSpc>
+              <a:spcBef>
+                <a:spcPts val="1600"/>
+              </a:spcBef>
+              <a:spcAft>
+                <a:spcPts val="1600"/>
+              </a:spcAft>
+              <a:buClr>
+                <a:schemeClr val="lt1"/>
+              </a:buClr>
+              <a:buSzPts val="1200"/>
+              <a:buFont typeface="Maven Pro"/>
+              <a:buChar char="■"/>
+              <a:defRPr sz="1200" b="0" i="0" u="none" strike="noStrike" cap="none">
+                <a:solidFill>
+                  <a:schemeClr val="lt1"/>
+                </a:solidFill>
+                <a:latin typeface="Maven Pro"/>
+                <a:ea typeface="Maven Pro"/>
+                <a:cs typeface="Maven Pro"/>
+                <a:sym typeface="Maven Pro"/>
+              </a:defRPr>
+            </a:lvl9pPr>
+          </a:lstStyle>
+          <a:p>
+            <a:pPr marL="152400" indent="0">
+              <a:buNone/>
+            </a:pPr>
+            <a:r>
+              <a:rPr lang="en-US" dirty="0"/>
+              <a:t>User A</a:t>
+            </a:r>
+          </a:p>
+        </p:txBody>
+      </p:sp>
+      <p:sp>
+        <p:nvSpPr>
+          <p:cNvPr id="11" name="Text Placeholder 1">
+            <a:extLst>
+              <a:ext uri="{FF2B5EF4-FFF2-40B4-BE49-F238E27FC236}">
+                <a16:creationId xmlns:a16="http://schemas.microsoft.com/office/drawing/2014/main" id="{9765BCC1-D1D3-BF0C-C3E7-8CB0DBA28265}"/>
+              </a:ext>
+            </a:extLst>
+          </p:cNvPr>
+          <p:cNvSpPr txBox="1">
+            <a:spLocks/>
+          </p:cNvSpPr>
+          <p:nvPr/>
+        </p:nvSpPr>
+        <p:spPr>
+          <a:xfrm>
+            <a:off x="6304038" y="4403782"/>
+            <a:ext cx="1064824" cy="432839"/>
+          </a:xfrm>
+          <a:prstGeom prst="rect">
+            <a:avLst/>
+          </a:prstGeom>
+          <a:noFill/>
+          <a:ln>
+            <a:noFill/>
+          </a:ln>
+        </p:spPr>
+        <p:txBody>
+          <a:bodyPr spcFirstLastPara="1" wrap="square" lIns="91425" tIns="91425" rIns="91425" bIns="91425" anchor="t" anchorCtr="0">
+            <a:noAutofit/>
+          </a:bodyPr>
+          <a:lstStyle>
+            <a:defPPr marR="0" lvl="0" algn="l" rtl="0">
+              <a:lnSpc>
+                <a:spcPct val="100000"/>
+              </a:lnSpc>
+              <a:spcBef>
+                <a:spcPts val="0"/>
+              </a:spcBef>
+              <a:spcAft>
+                <a:spcPts val="0"/>
+              </a:spcAft>
+            </a:defPPr>
+            <a:lvl1pPr marL="457200" marR="0" lvl="0" indent="-304800" algn="l" rtl="0">
+              <a:lnSpc>
+                <a:spcPct val="115000"/>
+              </a:lnSpc>
+              <a:spcBef>
+                <a:spcPts val="0"/>
+              </a:spcBef>
+              <a:spcAft>
+                <a:spcPts val="0"/>
+              </a:spcAft>
+              <a:buClr>
+                <a:schemeClr val="lt1"/>
+              </a:buClr>
+              <a:buSzPts val="1200"/>
+              <a:buFont typeface="Maven Pro"/>
+              <a:buChar char="●"/>
+              <a:defRPr sz="1600" b="0" i="0" u="none" strike="noStrike" cap="none">
+                <a:solidFill>
+                  <a:schemeClr val="lt1"/>
+                </a:solidFill>
+                <a:latin typeface="Maven Pro"/>
+                <a:ea typeface="Maven Pro"/>
+                <a:cs typeface="Maven Pro"/>
+                <a:sym typeface="Maven Pro"/>
+              </a:defRPr>
+            </a:lvl1pPr>
+            <a:lvl2pPr marL="914400" marR="0" lvl="1" indent="-304800" algn="l" rtl="0">
+              <a:lnSpc>
+                <a:spcPct val="115000"/>
+              </a:lnSpc>
+              <a:spcBef>
+                <a:spcPts val="1600"/>
+              </a:spcBef>
+              <a:spcAft>
+                <a:spcPts val="0"/>
+              </a:spcAft>
+              <a:buClr>
+                <a:schemeClr val="lt1"/>
+              </a:buClr>
+              <a:buSzPts val="1200"/>
+              <a:buFont typeface="Maven Pro"/>
+              <a:buChar char="○"/>
+              <a:defRPr sz="1200" b="0" i="0" u="none" strike="noStrike" cap="none">
+                <a:solidFill>
+                  <a:schemeClr val="lt1"/>
+                </a:solidFill>
+                <a:latin typeface="Maven Pro"/>
+                <a:ea typeface="Maven Pro"/>
+                <a:cs typeface="Maven Pro"/>
+                <a:sym typeface="Maven Pro"/>
+              </a:defRPr>
+            </a:lvl2pPr>
+            <a:lvl3pPr marL="1371600" marR="0" lvl="2" indent="-304800" algn="l" rtl="0">
+              <a:lnSpc>
+                <a:spcPct val="115000"/>
+              </a:lnSpc>
+              <a:spcBef>
+                <a:spcPts val="1600"/>
+              </a:spcBef>
+              <a:spcAft>
+                <a:spcPts val="0"/>
+              </a:spcAft>
+              <a:buClr>
+                <a:schemeClr val="lt1"/>
+              </a:buClr>
+              <a:buSzPts val="1200"/>
+              <a:buFont typeface="Maven Pro"/>
+              <a:buChar char="■"/>
+              <a:defRPr sz="1200" b="0" i="0" u="none" strike="noStrike" cap="none">
+                <a:solidFill>
+                  <a:schemeClr val="lt1"/>
+                </a:solidFill>
+                <a:latin typeface="Maven Pro"/>
+                <a:ea typeface="Maven Pro"/>
+                <a:cs typeface="Maven Pro"/>
+                <a:sym typeface="Maven Pro"/>
+              </a:defRPr>
+            </a:lvl3pPr>
+            <a:lvl4pPr marL="1828800" marR="0" lvl="3" indent="-304800" algn="l" rtl="0">
+              <a:lnSpc>
+                <a:spcPct val="115000"/>
+              </a:lnSpc>
+              <a:spcBef>
+                <a:spcPts val="1600"/>
+              </a:spcBef>
+              <a:spcAft>
+                <a:spcPts val="0"/>
+              </a:spcAft>
+              <a:buClr>
+                <a:schemeClr val="lt1"/>
+              </a:buClr>
+              <a:buSzPts val="1200"/>
+              <a:buFont typeface="Maven Pro"/>
+              <a:buChar char="●"/>
+              <a:defRPr sz="1200" b="0" i="0" u="none" strike="noStrike" cap="none">
+                <a:solidFill>
+                  <a:schemeClr val="lt1"/>
+                </a:solidFill>
+                <a:latin typeface="Maven Pro"/>
+                <a:ea typeface="Maven Pro"/>
+                <a:cs typeface="Maven Pro"/>
+                <a:sym typeface="Maven Pro"/>
+              </a:defRPr>
+            </a:lvl4pPr>
+            <a:lvl5pPr marL="2286000" marR="0" lvl="4" indent="-304800" algn="l" rtl="0">
+              <a:lnSpc>
+                <a:spcPct val="115000"/>
+              </a:lnSpc>
+              <a:spcBef>
+                <a:spcPts val="1600"/>
+              </a:spcBef>
+              <a:spcAft>
+                <a:spcPts val="0"/>
+              </a:spcAft>
+              <a:buClr>
+                <a:schemeClr val="lt1"/>
+              </a:buClr>
+              <a:buSzPts val="1200"/>
+              <a:buFont typeface="Maven Pro"/>
+              <a:buChar char="○"/>
+              <a:defRPr sz="1200" b="0" i="0" u="none" strike="noStrike" cap="none">
+                <a:solidFill>
+                  <a:schemeClr val="lt1"/>
+                </a:solidFill>
+                <a:latin typeface="Maven Pro"/>
+                <a:ea typeface="Maven Pro"/>
+                <a:cs typeface="Maven Pro"/>
+                <a:sym typeface="Maven Pro"/>
+              </a:defRPr>
+            </a:lvl5pPr>
+            <a:lvl6pPr marL="2743200" marR="0" lvl="5" indent="-304800" algn="l" rtl="0">
+              <a:lnSpc>
+                <a:spcPct val="115000"/>
+              </a:lnSpc>
+              <a:spcBef>
+                <a:spcPts val="1600"/>
+              </a:spcBef>
+              <a:spcAft>
+                <a:spcPts val="0"/>
+              </a:spcAft>
+              <a:buClr>
+                <a:schemeClr val="lt1"/>
+              </a:buClr>
+              <a:buSzPts val="1200"/>
+              <a:buFont typeface="Maven Pro"/>
+              <a:buChar char="■"/>
+              <a:defRPr sz="1200" b="0" i="0" u="none" strike="noStrike" cap="none">
+                <a:solidFill>
+                  <a:schemeClr val="lt1"/>
+                </a:solidFill>
+                <a:latin typeface="Maven Pro"/>
+                <a:ea typeface="Maven Pro"/>
+                <a:cs typeface="Maven Pro"/>
+                <a:sym typeface="Maven Pro"/>
+              </a:defRPr>
+            </a:lvl6pPr>
+            <a:lvl7pPr marL="3200400" marR="0" lvl="6" indent="-304800" algn="l" rtl="0">
+              <a:lnSpc>
+                <a:spcPct val="115000"/>
+              </a:lnSpc>
+              <a:spcBef>
+                <a:spcPts val="1600"/>
+              </a:spcBef>
+              <a:spcAft>
+                <a:spcPts val="0"/>
+              </a:spcAft>
+              <a:buClr>
+                <a:schemeClr val="lt1"/>
+              </a:buClr>
+              <a:buSzPts val="1200"/>
+              <a:buFont typeface="Maven Pro"/>
+              <a:buChar char="●"/>
+              <a:defRPr sz="1200" b="0" i="0" u="none" strike="noStrike" cap="none">
+                <a:solidFill>
+                  <a:schemeClr val="lt1"/>
+                </a:solidFill>
+                <a:latin typeface="Maven Pro"/>
+                <a:ea typeface="Maven Pro"/>
+                <a:cs typeface="Maven Pro"/>
+                <a:sym typeface="Maven Pro"/>
+              </a:defRPr>
+            </a:lvl7pPr>
+            <a:lvl8pPr marL="3657600" marR="0" lvl="7" indent="-304800" algn="l" rtl="0">
+              <a:lnSpc>
+                <a:spcPct val="115000"/>
+              </a:lnSpc>
+              <a:spcBef>
+                <a:spcPts val="1600"/>
+              </a:spcBef>
+              <a:spcAft>
+                <a:spcPts val="0"/>
+              </a:spcAft>
+              <a:buClr>
+                <a:schemeClr val="lt1"/>
+              </a:buClr>
+              <a:buSzPts val="1200"/>
+              <a:buFont typeface="Maven Pro"/>
+              <a:buChar char="○"/>
+              <a:defRPr sz="1200" b="0" i="0" u="none" strike="noStrike" cap="none">
+                <a:solidFill>
+                  <a:schemeClr val="lt1"/>
+                </a:solidFill>
+                <a:latin typeface="Maven Pro"/>
+                <a:ea typeface="Maven Pro"/>
+                <a:cs typeface="Maven Pro"/>
+                <a:sym typeface="Maven Pro"/>
+              </a:defRPr>
+            </a:lvl8pPr>
+            <a:lvl9pPr marL="4114800" marR="0" lvl="8" indent="-304800" algn="l" rtl="0">
+              <a:lnSpc>
+                <a:spcPct val="115000"/>
+              </a:lnSpc>
+              <a:spcBef>
+                <a:spcPts val="1600"/>
+              </a:spcBef>
+              <a:spcAft>
+                <a:spcPts val="1600"/>
+              </a:spcAft>
+              <a:buClr>
+                <a:schemeClr val="lt1"/>
+              </a:buClr>
+              <a:buSzPts val="1200"/>
+              <a:buFont typeface="Maven Pro"/>
+              <a:buChar char="■"/>
+              <a:defRPr sz="1200" b="0" i="0" u="none" strike="noStrike" cap="none">
+                <a:solidFill>
+                  <a:schemeClr val="lt1"/>
+                </a:solidFill>
+                <a:latin typeface="Maven Pro"/>
+                <a:ea typeface="Maven Pro"/>
+                <a:cs typeface="Maven Pro"/>
+                <a:sym typeface="Maven Pro"/>
+              </a:defRPr>
+            </a:lvl9pPr>
+          </a:lstStyle>
+          <a:p>
+            <a:pPr marL="152400" indent="0">
+              <a:buNone/>
+            </a:pPr>
+            <a:r>
+              <a:rPr lang="en-US" dirty="0"/>
+              <a:t>User B</a:t>
+            </a:r>
+          </a:p>
+        </p:txBody>
+      </p:sp>
+      <p:sp>
+        <p:nvSpPr>
+          <p:cNvPr id="4" name="Oval 3">
+            <a:extLst>
+              <a:ext uri="{FF2B5EF4-FFF2-40B4-BE49-F238E27FC236}">
+                <a16:creationId xmlns:a16="http://schemas.microsoft.com/office/drawing/2014/main" id="{60680060-7C45-1615-BC15-A2259AF60BF0}"/>
+              </a:ext>
+            </a:extLst>
+          </p:cNvPr>
+          <p:cNvSpPr/>
+          <p:nvPr/>
+        </p:nvSpPr>
+        <p:spPr>
+          <a:xfrm>
+            <a:off x="4635555" y="3899258"/>
+            <a:ext cx="814083" cy="615204"/>
+          </a:xfrm>
+          <a:prstGeom prst="ellipse">
+            <a:avLst/>
+          </a:prstGeom>
+          <a:noFill/>
+          <a:ln>
+            <a:solidFill>
+              <a:srgbClr val="FF0000"/>
+            </a:solidFill>
+          </a:ln>
+        </p:spPr>
+        <p:style>
+          <a:lnRef idx="2">
+            <a:schemeClr val="accent1">
+              <a:shade val="50000"/>
+            </a:schemeClr>
+          </a:lnRef>
+          <a:fillRef idx="1">
+            <a:schemeClr val="accent1"/>
+          </a:fillRef>
+          <a:effectRef idx="0">
+            <a:schemeClr val="accent1"/>
+          </a:effectRef>
+          <a:fontRef idx="minor">
+            <a:schemeClr val="lt1"/>
+          </a:fontRef>
+        </p:style>
+        <p:txBody>
+          <a:bodyPr rtlCol="0" anchor="ctr"/>
+          <a:lstStyle/>
+          <a:p>
+            <a:pPr algn="ctr"/>
+            <a:endParaRPr lang="en-US" dirty="0"/>
+          </a:p>
+        </p:txBody>
+      </p:sp>
+    </p:spTree>
+    <p:extLst>
+      <p:ext uri="{BB962C8B-B14F-4D97-AF65-F5344CB8AC3E}">
+        <p14:creationId xmlns:p14="http://schemas.microsoft.com/office/powerpoint/2010/main" val="1490093325"/>
+      </p:ext>
+    </p:extLst>
+  </p:cSld>
+  <p:clrMapOvr>
+    <a:masterClrMapping/>
+  </p:clrMapOvr>
+</p:sld>
+</file>
+
+<file path=ppt/slides/slide8.xml><?xml version="1.0" encoding="utf-8"?>
 <p:sld xmlns:a="http://schemas.openxmlformats.org/drawingml/2006/main" xmlns:r="http://schemas.openxmlformats.org/officeDocument/2006/relationships" xmlns:p="http://schemas.openxmlformats.org/presentationml/2006/main">
   <p:cSld>
     <p:spTree>
@@ -26997,8 +24536,8 @@
         </p:nvSpPr>
         <p:spPr>
           <a:xfrm>
-            <a:off x="357120" y="1071185"/>
-            <a:ext cx="8429760" cy="3001129"/>
+            <a:off x="357120" y="584623"/>
+            <a:ext cx="8429760" cy="577801"/>
           </a:xfrm>
         </p:spPr>
         <p:txBody>
@@ -27007,35 +24546,8 @@
           <a:p>
             <a:r>
               <a:rPr lang="en-US" sz="2000" dirty="0"/>
-              <a:t>Sampling Rate and Time Range of Records are Not Standard</a:t>
-            </a:r>
-          </a:p>
-          <a:p>
-            <a:r>
-              <a:rPr lang="en-US" sz="2000" dirty="0"/>
-              <a:t>Dense (up to 43828 observations) and Sparse Records (566 observations)</a:t>
-            </a:r>
-          </a:p>
-          <a:p>
-            <a:r>
-              <a:rPr lang="en-US" sz="2000" dirty="0"/>
               <a:t>Multiple Observations for Single Time Stamp</a:t>
             </a:r>
-          </a:p>
-          <a:p>
-            <a:r>
-              <a:rPr lang="en-US" sz="2000" dirty="0"/>
-              <a:t>Small Sample Size of 500 Users</a:t>
-            </a:r>
-          </a:p>
-          <a:p>
-            <a:r>
-              <a:rPr lang="en-US" sz="2000" dirty="0"/>
-              <a:t>UGE Data Has Outliers         Similar Statistical Distribution with UBE</a:t>
-            </a:r>
-          </a:p>
-          <a:p>
-            <a:endParaRPr lang="en-US" sz="2000" dirty="0"/>
           </a:p>
         </p:txBody>
       </p:sp>
@@ -27055,107 +24567,10 @@
             <p:ph type="ctrTitle"/>
           </p:nvPr>
         </p:nvSpPr>
-        <p:spPr/>
-        <p:txBody>
-          <a:bodyPr/>
-          <a:lstStyle/>
-          <a:p>
-            <a:r>
-              <a:rPr lang="en-US" dirty="0"/>
-              <a:t>DATA: Challenge</a:t>
-            </a:r>
-          </a:p>
-        </p:txBody>
-      </p:sp>
-      <p:cxnSp>
-        <p:nvCxnSpPr>
-          <p:cNvPr id="5" name="Straight Arrow Connector 4">
-            <a:extLst>
-              <a:ext uri="{FF2B5EF4-FFF2-40B4-BE49-F238E27FC236}">
-                <a16:creationId xmlns:a16="http://schemas.microsoft.com/office/drawing/2014/main" id="{17709F73-DC54-82AB-8B92-3A9EE6719FED}"/>
-              </a:ext>
-            </a:extLst>
-          </p:cNvPr>
-          <p:cNvCxnSpPr/>
-          <p:nvPr/>
-        </p:nvCxnSpPr>
         <p:spPr>
           <a:xfrm>
-            <a:off x="3633746" y="3093057"/>
-            <a:ext cx="365760" cy="0"/>
-          </a:xfrm>
-          <a:prstGeom prst="straightConnector1">
-            <a:avLst/>
-          </a:prstGeom>
-          <a:ln>
-            <a:tailEnd type="triangle"/>
-          </a:ln>
-        </p:spPr>
-        <p:style>
-          <a:lnRef idx="1">
-            <a:schemeClr val="accent1"/>
-          </a:lnRef>
-          <a:fillRef idx="0">
-            <a:schemeClr val="accent1"/>
-          </a:fillRef>
-          <a:effectRef idx="0">
-            <a:schemeClr val="accent1"/>
-          </a:effectRef>
-          <a:fontRef idx="minor">
-            <a:schemeClr val="tx1"/>
-          </a:fontRef>
-        </p:style>
-      </p:cxnSp>
-    </p:spTree>
-    <p:extLst>
-      <p:ext uri="{BB962C8B-B14F-4D97-AF65-F5344CB8AC3E}">
-        <p14:creationId xmlns:p14="http://schemas.microsoft.com/office/powerpoint/2010/main" val="1277430065"/>
-      </p:ext>
-    </p:extLst>
-  </p:cSld>
-  <p:clrMapOvr>
-    <a:masterClrMapping/>
-  </p:clrMapOvr>
-</p:sld>
-</file>
-
-<file path=ppt/slides/slide8.xml><?xml version="1.0" encoding="utf-8"?>
-<p:sld xmlns:a="http://schemas.openxmlformats.org/drawingml/2006/main" xmlns:r="http://schemas.openxmlformats.org/officeDocument/2006/relationships" xmlns:p="http://schemas.openxmlformats.org/presentationml/2006/main">
-  <p:cSld>
-    <p:spTree>
-      <p:nvGrpSpPr>
-        <p:cNvPr id="1" name=""/>
-        <p:cNvGrpSpPr/>
-        <p:nvPr/>
-      </p:nvGrpSpPr>
-      <p:grpSpPr>
-        <a:xfrm>
-          <a:off x="0" y="0"/>
-          <a:ext cx="0" cy="0"/>
-          <a:chOff x="0" y="0"/>
-          <a:chExt cx="0" cy="0"/>
-        </a:xfrm>
-      </p:grpSpPr>
-      <p:sp>
-        <p:nvSpPr>
-          <p:cNvPr id="3" name="Title 2">
-            <a:extLst>
-              <a:ext uri="{FF2B5EF4-FFF2-40B4-BE49-F238E27FC236}">
-                <a16:creationId xmlns:a16="http://schemas.microsoft.com/office/drawing/2014/main" id="{00DC2E3D-315D-0C5D-8486-5F2E137B7C5A}"/>
-              </a:ext>
-            </a:extLst>
-          </p:cNvPr>
-          <p:cNvSpPr>
-            <a:spLocks noGrp="1"/>
-          </p:cNvSpPr>
-          <p:nvPr>
-            <p:ph type="ctrTitle"/>
-          </p:nvPr>
-        </p:nvSpPr>
-        <p:spPr>
-          <a:xfrm>
-            <a:off x="618824" y="411675"/>
-            <a:ext cx="6449885" cy="577800"/>
+            <a:off x="576880" y="76115"/>
+            <a:ext cx="4727700" cy="577800"/>
           </a:xfrm>
         </p:spPr>
         <p:txBody>
@@ -27164,75 +24579,153 @@
           <a:p>
             <a:r>
               <a:rPr lang="en-US" dirty="0"/>
-              <a:t>DATA: Statistical Distribution Similarity</a:t>
+              <a:t>DATA: Challenges</a:t>
             </a:r>
           </a:p>
         </p:txBody>
       </p:sp>
-      <p:graphicFrame>
-        <p:nvGraphicFramePr>
-          <p:cNvPr id="4" name="Chart 3">
+      <p:pic>
+        <p:nvPicPr>
+          <p:cNvPr id="6" name="Picture 5">
             <a:extLst>
               <a:ext uri="{FF2B5EF4-FFF2-40B4-BE49-F238E27FC236}">
-                <a16:creationId xmlns:a16="http://schemas.microsoft.com/office/drawing/2014/main" id="{FD8C1BE6-F173-C13A-C7E7-A2BBF9526196}"/>
+                <a16:creationId xmlns:a16="http://schemas.microsoft.com/office/drawing/2014/main" id="{7D709363-72B5-EE71-CC67-04DAC8AD49A9}"/>
               </a:ext>
             </a:extLst>
           </p:cNvPr>
-          <p:cNvGraphicFramePr>
-            <a:graphicFrameLocks/>
-          </p:cNvGraphicFramePr>
-          <p:nvPr>
-            <p:extLst>
-              <p:ext uri="{D42A27DB-BD31-4B8C-83A1-F6EECF244321}">
-                <p14:modId xmlns:p14="http://schemas.microsoft.com/office/powerpoint/2010/main" val="2705643062"/>
-              </p:ext>
-            </p:extLst>
-          </p:nvPr>
-        </p:nvGraphicFramePr>
-        <p:xfrm>
-          <a:off x="324626" y="1132101"/>
-          <a:ext cx="4247374" cy="2990615"/>
-        </p:xfrm>
-        <a:graphic>
-          <a:graphicData uri="http://schemas.openxmlformats.org/drawingml/2006/chart">
-            <c:chart xmlns:c="http://schemas.openxmlformats.org/drawingml/2006/chart" xmlns:r="http://schemas.openxmlformats.org/officeDocument/2006/relationships" r:id="rId2"/>
-          </a:graphicData>
-        </a:graphic>
-      </p:graphicFrame>
-      <p:graphicFrame>
-        <p:nvGraphicFramePr>
-          <p:cNvPr id="5" name="Chart 4">
+          <p:cNvPicPr>
+            <a:picLocks noChangeAspect="1"/>
+          </p:cNvPicPr>
+          <p:nvPr/>
+        </p:nvPicPr>
+        <p:blipFill>
+          <a:blip r:embed="rId2"/>
+          <a:stretch>
+            <a:fillRect/>
+          </a:stretch>
+        </p:blipFill>
+        <p:spPr>
+          <a:xfrm>
+            <a:off x="692874" y="1162423"/>
+            <a:ext cx="7758252" cy="3189107"/>
+          </a:xfrm>
+          <a:prstGeom prst="rect">
+            <a:avLst/>
+          </a:prstGeom>
+        </p:spPr>
+      </p:pic>
+      <p:sp>
+        <p:nvSpPr>
+          <p:cNvPr id="8" name="Rectangle 7">
             <a:extLst>
               <a:ext uri="{FF2B5EF4-FFF2-40B4-BE49-F238E27FC236}">
-                <a16:creationId xmlns:a16="http://schemas.microsoft.com/office/drawing/2014/main" id="{1CC18ABA-C8BB-3F8B-91BA-E1EF77C43EEF}"/>
+                <a16:creationId xmlns:a16="http://schemas.microsoft.com/office/drawing/2014/main" id="{42839A2F-AB31-BA97-6A88-0119912D26ED}"/>
               </a:ext>
             </a:extLst>
           </p:cNvPr>
-          <p:cNvGraphicFramePr>
-            <a:graphicFrameLocks/>
-          </p:cNvGraphicFramePr>
-          <p:nvPr>
-            <p:extLst>
-              <p:ext uri="{D42A27DB-BD31-4B8C-83A1-F6EECF244321}">
-                <p14:modId xmlns:p14="http://schemas.microsoft.com/office/powerpoint/2010/main" val="2693413906"/>
-              </p:ext>
-            </p:extLst>
-          </p:nvPr>
-        </p:nvGraphicFramePr>
-        <p:xfrm>
-          <a:off x="4721697" y="1132102"/>
-          <a:ext cx="4318936" cy="2990615"/>
-        </p:xfrm>
-        <a:graphic>
-          <a:graphicData uri="http://schemas.openxmlformats.org/drawingml/2006/chart">
-            <c:chart xmlns:c="http://schemas.openxmlformats.org/drawingml/2006/chart" xmlns:r="http://schemas.openxmlformats.org/officeDocument/2006/relationships" r:id="rId3"/>
-          </a:graphicData>
-        </a:graphic>
-      </p:graphicFrame>
+          <p:cNvSpPr/>
+          <p:nvPr/>
+        </p:nvSpPr>
+        <p:spPr>
+          <a:xfrm>
+            <a:off x="1254936" y="1688076"/>
+            <a:ext cx="1233182" cy="1081281"/>
+          </a:xfrm>
+          <a:prstGeom prst="rect">
+            <a:avLst/>
+          </a:prstGeom>
+          <a:noFill/>
+          <a:ln>
+            <a:solidFill>
+              <a:schemeClr val="tx2">
+                <a:lumMod val="50000"/>
+              </a:schemeClr>
+            </a:solidFill>
+          </a:ln>
+        </p:spPr>
+        <p:style>
+          <a:lnRef idx="2">
+            <a:schemeClr val="accent1">
+              <a:shade val="50000"/>
+            </a:schemeClr>
+          </a:lnRef>
+          <a:fillRef idx="1">
+            <a:schemeClr val="accent1"/>
+          </a:fillRef>
+          <a:effectRef idx="0">
+            <a:schemeClr val="accent1"/>
+          </a:effectRef>
+          <a:fontRef idx="minor">
+            <a:schemeClr val="lt1"/>
+          </a:fontRef>
+        </p:style>
+        <p:txBody>
+          <a:bodyPr rtlCol="0" anchor="ctr"/>
+          <a:lstStyle/>
+          <a:p>
+            <a:pPr algn="ctr"/>
+            <a:endParaRPr lang="en-US"/>
+          </a:p>
+        </p:txBody>
+      </p:sp>
+      <p:sp>
+        <p:nvSpPr>
+          <p:cNvPr id="9" name="Rectangle 8">
+            <a:extLst>
+              <a:ext uri="{FF2B5EF4-FFF2-40B4-BE49-F238E27FC236}">
+                <a16:creationId xmlns:a16="http://schemas.microsoft.com/office/drawing/2014/main" id="{645914A2-3596-AE4E-892A-96DA33E30BA1}"/>
+              </a:ext>
+            </a:extLst>
+          </p:cNvPr>
+          <p:cNvSpPr/>
+          <p:nvPr/>
+        </p:nvSpPr>
+        <p:spPr>
+          <a:xfrm>
+            <a:off x="1246547" y="3544493"/>
+            <a:ext cx="1233182" cy="461394"/>
+          </a:xfrm>
+          <a:prstGeom prst="rect">
+            <a:avLst/>
+          </a:prstGeom>
+          <a:noFill/>
+          <a:ln>
+            <a:solidFill>
+              <a:schemeClr val="tx2">
+                <a:lumMod val="50000"/>
+              </a:schemeClr>
+            </a:solidFill>
+          </a:ln>
+        </p:spPr>
+        <p:style>
+          <a:lnRef idx="2">
+            <a:schemeClr val="accent1">
+              <a:shade val="50000"/>
+            </a:schemeClr>
+          </a:lnRef>
+          <a:fillRef idx="1">
+            <a:schemeClr val="accent1"/>
+          </a:fillRef>
+          <a:effectRef idx="0">
+            <a:schemeClr val="accent1"/>
+          </a:effectRef>
+          <a:fontRef idx="minor">
+            <a:schemeClr val="lt1"/>
+          </a:fontRef>
+        </p:style>
+        <p:txBody>
+          <a:bodyPr rtlCol="0" anchor="ctr"/>
+          <a:lstStyle/>
+          <a:p>
+            <a:pPr algn="ctr"/>
+            <a:endParaRPr lang="en-US"/>
+          </a:p>
+        </p:txBody>
+      </p:sp>
     </p:spTree>
     <p:extLst>
       <p:ext uri="{BB962C8B-B14F-4D97-AF65-F5344CB8AC3E}">
-        <p14:creationId xmlns:p14="http://schemas.microsoft.com/office/powerpoint/2010/main" val="1055639649"/>
+        <p14:creationId xmlns:p14="http://schemas.microsoft.com/office/powerpoint/2010/main" val="1277430065"/>
       </p:ext>
     </p:extLst>
   </p:cSld>
@@ -27261,10 +24754,49 @@
       </p:grpSpPr>
       <p:sp>
         <p:nvSpPr>
+          <p:cNvPr id="2" name="Text Placeholder 1">
+            <a:extLst>
+              <a:ext uri="{FF2B5EF4-FFF2-40B4-BE49-F238E27FC236}">
+                <a16:creationId xmlns:a16="http://schemas.microsoft.com/office/drawing/2014/main" id="{49C99126-E1B0-4AEB-0D75-656F1369D7F6}"/>
+              </a:ext>
+            </a:extLst>
+          </p:cNvPr>
+          <p:cNvSpPr>
+            <a:spLocks noGrp="1"/>
+          </p:cNvSpPr>
+          <p:nvPr>
+            <p:ph type="body" idx="1"/>
+          </p:nvPr>
+        </p:nvSpPr>
+        <p:spPr>
+          <a:xfrm>
+            <a:off x="618825" y="544329"/>
+            <a:ext cx="4727700" cy="905911"/>
+          </a:xfrm>
+        </p:spPr>
+        <p:txBody>
+          <a:bodyPr/>
+          <a:lstStyle/>
+          <a:p>
+            <a:r>
+              <a:rPr lang="en-US" sz="1600" dirty="0"/>
+              <a:t>UGE Data Has Outliers </a:t>
+            </a:r>
+          </a:p>
+          <a:p>
+            <a:r>
+              <a:rPr lang="en-US" sz="1600" dirty="0"/>
+              <a:t>UGE/UBE Might Be User-Reported (Different Standards)</a:t>
+            </a:r>
+          </a:p>
+        </p:txBody>
+      </p:sp>
+      <p:sp>
+        <p:nvSpPr>
           <p:cNvPr id="3" name="Title 2">
             <a:extLst>
               <a:ext uri="{FF2B5EF4-FFF2-40B4-BE49-F238E27FC236}">
-                <a16:creationId xmlns:a16="http://schemas.microsoft.com/office/drawing/2014/main" id="{00DC2E3D-315D-0C5D-8486-5F2E137B7C5A}"/>
+                <a16:creationId xmlns:a16="http://schemas.microsoft.com/office/drawing/2014/main" id="{4818CCF5-FCD5-93D4-3549-278543E83960}"/>
               </a:ext>
             </a:extLst>
           </p:cNvPr>
@@ -27277,8 +24809,8 @@
         </p:nvSpPr>
         <p:spPr>
           <a:xfrm>
-            <a:off x="618824" y="411675"/>
-            <a:ext cx="6449885" cy="577800"/>
+            <a:off x="618825" y="138773"/>
+            <a:ext cx="4727700" cy="577800"/>
           </a:xfrm>
         </p:spPr>
         <p:txBody>
@@ -27287,75 +24819,411 @@
           <a:p>
             <a:r>
               <a:rPr lang="en-US" dirty="0"/>
-              <a:t>DATA: Statistical Distribution Similarity</a:t>
+              <a:t>Data: Challenges</a:t>
             </a:r>
           </a:p>
         </p:txBody>
       </p:sp>
-      <p:graphicFrame>
-        <p:nvGraphicFramePr>
-          <p:cNvPr id="2" name="Chart 1">
+      <p:sp>
+        <p:nvSpPr>
+          <p:cNvPr id="11" name="Text Placeholder 1">
             <a:extLst>
               <a:ext uri="{FF2B5EF4-FFF2-40B4-BE49-F238E27FC236}">
-                <a16:creationId xmlns:a16="http://schemas.microsoft.com/office/drawing/2014/main" id="{3A2C2A1A-B56B-6728-F87E-6B5EA316F500}"/>
+                <a16:creationId xmlns:a16="http://schemas.microsoft.com/office/drawing/2014/main" id="{E11808ED-C1C7-57D8-D02E-DC3D684E51AC}"/>
               </a:ext>
             </a:extLst>
           </p:cNvPr>
-          <p:cNvGraphicFramePr>
-            <a:graphicFrameLocks/>
-          </p:cNvGraphicFramePr>
-          <p:nvPr>
-            <p:extLst>
-              <p:ext uri="{D42A27DB-BD31-4B8C-83A1-F6EECF244321}">
-                <p14:modId xmlns:p14="http://schemas.microsoft.com/office/powerpoint/2010/main" val="1602790098"/>
-              </p:ext>
-            </p:extLst>
-          </p:nvPr>
-        </p:nvGraphicFramePr>
-        <p:xfrm>
-          <a:off x="109940" y="1268198"/>
-          <a:ext cx="4572000" cy="2743200"/>
-        </p:xfrm>
-        <a:graphic>
-          <a:graphicData uri="http://schemas.openxmlformats.org/drawingml/2006/chart">
-            <c:chart xmlns:c="http://schemas.openxmlformats.org/drawingml/2006/chart" xmlns:r="http://schemas.openxmlformats.org/officeDocument/2006/relationships" r:id="rId2"/>
-          </a:graphicData>
-        </a:graphic>
-      </p:graphicFrame>
-      <p:graphicFrame>
-        <p:nvGraphicFramePr>
-          <p:cNvPr id="7" name="Chart 6">
+          <p:cNvSpPr txBox="1">
+            <a:spLocks/>
+          </p:cNvSpPr>
+          <p:nvPr/>
+        </p:nvSpPr>
+        <p:spPr>
+          <a:xfrm>
+            <a:off x="5084745" y="744913"/>
+            <a:ext cx="3583677" cy="517608"/>
+          </a:xfrm>
+          <a:prstGeom prst="rect">
+            <a:avLst/>
+          </a:prstGeom>
+          <a:noFill/>
+          <a:ln>
+            <a:noFill/>
+          </a:ln>
+        </p:spPr>
+        <p:txBody>
+          <a:bodyPr spcFirstLastPara="1" wrap="square" lIns="91425" tIns="91425" rIns="91425" bIns="91425" anchor="t" anchorCtr="0">
+            <a:noAutofit/>
+          </a:bodyPr>
+          <a:lstStyle>
+            <a:defPPr marR="0" lvl="0" algn="l" rtl="0">
+              <a:lnSpc>
+                <a:spcPct val="100000"/>
+              </a:lnSpc>
+              <a:spcBef>
+                <a:spcPts val="0"/>
+              </a:spcBef>
+              <a:spcAft>
+                <a:spcPts val="0"/>
+              </a:spcAft>
+            </a:defPPr>
+            <a:lvl1pPr marL="457200" marR="0" lvl="0" indent="-304800" algn="l" rtl="0">
+              <a:lnSpc>
+                <a:spcPct val="115000"/>
+              </a:lnSpc>
+              <a:spcBef>
+                <a:spcPts val="0"/>
+              </a:spcBef>
+              <a:spcAft>
+                <a:spcPts val="0"/>
+              </a:spcAft>
+              <a:buClr>
+                <a:schemeClr val="lt1"/>
+              </a:buClr>
+              <a:buSzPts val="1200"/>
+              <a:buFont typeface="Maven Pro"/>
+              <a:buChar char="●"/>
+              <a:defRPr sz="1600" b="0" i="0" u="none" strike="noStrike" cap="none">
+                <a:solidFill>
+                  <a:schemeClr val="lt1"/>
+                </a:solidFill>
+                <a:latin typeface="Maven Pro"/>
+                <a:ea typeface="Maven Pro"/>
+                <a:cs typeface="Maven Pro"/>
+                <a:sym typeface="Maven Pro"/>
+              </a:defRPr>
+            </a:lvl1pPr>
+            <a:lvl2pPr marL="914400" marR="0" lvl="1" indent="-304800" algn="l" rtl="0">
+              <a:lnSpc>
+                <a:spcPct val="115000"/>
+              </a:lnSpc>
+              <a:spcBef>
+                <a:spcPts val="1600"/>
+              </a:spcBef>
+              <a:spcAft>
+                <a:spcPts val="0"/>
+              </a:spcAft>
+              <a:buClr>
+                <a:schemeClr val="lt1"/>
+              </a:buClr>
+              <a:buSzPts val="1200"/>
+              <a:buFont typeface="Maven Pro"/>
+              <a:buChar char="○"/>
+              <a:defRPr sz="1200" b="0" i="0" u="none" strike="noStrike" cap="none">
+                <a:solidFill>
+                  <a:schemeClr val="lt1"/>
+                </a:solidFill>
+                <a:latin typeface="Maven Pro"/>
+                <a:ea typeface="Maven Pro"/>
+                <a:cs typeface="Maven Pro"/>
+                <a:sym typeface="Maven Pro"/>
+              </a:defRPr>
+            </a:lvl2pPr>
+            <a:lvl3pPr marL="1371600" marR="0" lvl="2" indent="-304800" algn="l" rtl="0">
+              <a:lnSpc>
+                <a:spcPct val="115000"/>
+              </a:lnSpc>
+              <a:spcBef>
+                <a:spcPts val="1600"/>
+              </a:spcBef>
+              <a:spcAft>
+                <a:spcPts val="0"/>
+              </a:spcAft>
+              <a:buClr>
+                <a:schemeClr val="lt1"/>
+              </a:buClr>
+              <a:buSzPts val="1200"/>
+              <a:buFont typeface="Maven Pro"/>
+              <a:buChar char="■"/>
+              <a:defRPr sz="1200" b="0" i="0" u="none" strike="noStrike" cap="none">
+                <a:solidFill>
+                  <a:schemeClr val="lt1"/>
+                </a:solidFill>
+                <a:latin typeface="Maven Pro"/>
+                <a:ea typeface="Maven Pro"/>
+                <a:cs typeface="Maven Pro"/>
+                <a:sym typeface="Maven Pro"/>
+              </a:defRPr>
+            </a:lvl3pPr>
+            <a:lvl4pPr marL="1828800" marR="0" lvl="3" indent="-304800" algn="l" rtl="0">
+              <a:lnSpc>
+                <a:spcPct val="115000"/>
+              </a:lnSpc>
+              <a:spcBef>
+                <a:spcPts val="1600"/>
+              </a:spcBef>
+              <a:spcAft>
+                <a:spcPts val="0"/>
+              </a:spcAft>
+              <a:buClr>
+                <a:schemeClr val="lt1"/>
+              </a:buClr>
+              <a:buSzPts val="1200"/>
+              <a:buFont typeface="Maven Pro"/>
+              <a:buChar char="●"/>
+              <a:defRPr sz="1200" b="0" i="0" u="none" strike="noStrike" cap="none">
+                <a:solidFill>
+                  <a:schemeClr val="lt1"/>
+                </a:solidFill>
+                <a:latin typeface="Maven Pro"/>
+                <a:ea typeface="Maven Pro"/>
+                <a:cs typeface="Maven Pro"/>
+                <a:sym typeface="Maven Pro"/>
+              </a:defRPr>
+            </a:lvl4pPr>
+            <a:lvl5pPr marL="2286000" marR="0" lvl="4" indent="-304800" algn="l" rtl="0">
+              <a:lnSpc>
+                <a:spcPct val="115000"/>
+              </a:lnSpc>
+              <a:spcBef>
+                <a:spcPts val="1600"/>
+              </a:spcBef>
+              <a:spcAft>
+                <a:spcPts val="0"/>
+              </a:spcAft>
+              <a:buClr>
+                <a:schemeClr val="lt1"/>
+              </a:buClr>
+              <a:buSzPts val="1200"/>
+              <a:buFont typeface="Maven Pro"/>
+              <a:buChar char="○"/>
+              <a:defRPr sz="1200" b="0" i="0" u="none" strike="noStrike" cap="none">
+                <a:solidFill>
+                  <a:schemeClr val="lt1"/>
+                </a:solidFill>
+                <a:latin typeface="Maven Pro"/>
+                <a:ea typeface="Maven Pro"/>
+                <a:cs typeface="Maven Pro"/>
+                <a:sym typeface="Maven Pro"/>
+              </a:defRPr>
+            </a:lvl5pPr>
+            <a:lvl6pPr marL="2743200" marR="0" lvl="5" indent="-304800" algn="l" rtl="0">
+              <a:lnSpc>
+                <a:spcPct val="115000"/>
+              </a:lnSpc>
+              <a:spcBef>
+                <a:spcPts val="1600"/>
+              </a:spcBef>
+              <a:spcAft>
+                <a:spcPts val="0"/>
+              </a:spcAft>
+              <a:buClr>
+                <a:schemeClr val="lt1"/>
+              </a:buClr>
+              <a:buSzPts val="1200"/>
+              <a:buFont typeface="Maven Pro"/>
+              <a:buChar char="■"/>
+              <a:defRPr sz="1200" b="0" i="0" u="none" strike="noStrike" cap="none">
+                <a:solidFill>
+                  <a:schemeClr val="lt1"/>
+                </a:solidFill>
+                <a:latin typeface="Maven Pro"/>
+                <a:ea typeface="Maven Pro"/>
+                <a:cs typeface="Maven Pro"/>
+                <a:sym typeface="Maven Pro"/>
+              </a:defRPr>
+            </a:lvl6pPr>
+            <a:lvl7pPr marL="3200400" marR="0" lvl="6" indent="-304800" algn="l" rtl="0">
+              <a:lnSpc>
+                <a:spcPct val="115000"/>
+              </a:lnSpc>
+              <a:spcBef>
+                <a:spcPts val="1600"/>
+              </a:spcBef>
+              <a:spcAft>
+                <a:spcPts val="0"/>
+              </a:spcAft>
+              <a:buClr>
+                <a:schemeClr val="lt1"/>
+              </a:buClr>
+              <a:buSzPts val="1200"/>
+              <a:buFont typeface="Maven Pro"/>
+              <a:buChar char="●"/>
+              <a:defRPr sz="1200" b="0" i="0" u="none" strike="noStrike" cap="none">
+                <a:solidFill>
+                  <a:schemeClr val="lt1"/>
+                </a:solidFill>
+                <a:latin typeface="Maven Pro"/>
+                <a:ea typeface="Maven Pro"/>
+                <a:cs typeface="Maven Pro"/>
+                <a:sym typeface="Maven Pro"/>
+              </a:defRPr>
+            </a:lvl7pPr>
+            <a:lvl8pPr marL="3657600" marR="0" lvl="7" indent="-304800" algn="l" rtl="0">
+              <a:lnSpc>
+                <a:spcPct val="115000"/>
+              </a:lnSpc>
+              <a:spcBef>
+                <a:spcPts val="1600"/>
+              </a:spcBef>
+              <a:spcAft>
+                <a:spcPts val="0"/>
+              </a:spcAft>
+              <a:buClr>
+                <a:schemeClr val="lt1"/>
+              </a:buClr>
+              <a:buSzPts val="1200"/>
+              <a:buFont typeface="Maven Pro"/>
+              <a:buChar char="○"/>
+              <a:defRPr sz="1200" b="0" i="0" u="none" strike="noStrike" cap="none">
+                <a:solidFill>
+                  <a:schemeClr val="lt1"/>
+                </a:solidFill>
+                <a:latin typeface="Maven Pro"/>
+                <a:ea typeface="Maven Pro"/>
+                <a:cs typeface="Maven Pro"/>
+                <a:sym typeface="Maven Pro"/>
+              </a:defRPr>
+            </a:lvl8pPr>
+            <a:lvl9pPr marL="4114800" marR="0" lvl="8" indent="-304800" algn="l" rtl="0">
+              <a:lnSpc>
+                <a:spcPct val="115000"/>
+              </a:lnSpc>
+              <a:spcBef>
+                <a:spcPts val="1600"/>
+              </a:spcBef>
+              <a:spcAft>
+                <a:spcPts val="1600"/>
+              </a:spcAft>
+              <a:buClr>
+                <a:schemeClr val="lt1"/>
+              </a:buClr>
+              <a:buSzPts val="1200"/>
+              <a:buFont typeface="Maven Pro"/>
+              <a:buChar char="■"/>
+              <a:defRPr sz="1200" b="0" i="0" u="none" strike="noStrike" cap="none">
+                <a:solidFill>
+                  <a:schemeClr val="lt1"/>
+                </a:solidFill>
+                <a:latin typeface="Maven Pro"/>
+                <a:ea typeface="Maven Pro"/>
+                <a:cs typeface="Maven Pro"/>
+                <a:sym typeface="Maven Pro"/>
+              </a:defRPr>
+            </a:lvl9pPr>
+          </a:lstStyle>
+          <a:p>
+            <a:pPr marL="152400" indent="0">
+              <a:buNone/>
+            </a:pPr>
+            <a:r>
+              <a:rPr lang="en-US" sz="1600" dirty="0"/>
+              <a:t>Similar Statistical Distributions</a:t>
+            </a:r>
+            <a:endParaRPr lang="en-US" dirty="0"/>
+          </a:p>
+        </p:txBody>
+      </p:sp>
+      <p:sp>
+        <p:nvSpPr>
+          <p:cNvPr id="13" name="Arrow: Right 12">
             <a:extLst>
               <a:ext uri="{FF2B5EF4-FFF2-40B4-BE49-F238E27FC236}">
-                <a16:creationId xmlns:a16="http://schemas.microsoft.com/office/drawing/2014/main" id="{A3FECF3B-A0DC-0803-A65E-CC9B49F112D9}"/>
+                <a16:creationId xmlns:a16="http://schemas.microsoft.com/office/drawing/2014/main" id="{EA1A76EF-C1BD-08E0-80AF-730C769F0089}"/>
               </a:ext>
             </a:extLst>
           </p:cNvPr>
-          <p:cNvGraphicFramePr>
-            <a:graphicFrameLocks/>
-          </p:cNvGraphicFramePr>
-          <p:nvPr>
-            <p:extLst>
-              <p:ext uri="{D42A27DB-BD31-4B8C-83A1-F6EECF244321}">
-                <p14:modId xmlns:p14="http://schemas.microsoft.com/office/powerpoint/2010/main" val="1431037742"/>
-              </p:ext>
-            </p:extLst>
-          </p:nvPr>
-        </p:nvGraphicFramePr>
-        <p:xfrm>
-          <a:off x="4572000" y="1268198"/>
-          <a:ext cx="4572000" cy="2743200"/>
-        </p:xfrm>
-        <a:graphic>
-          <a:graphicData uri="http://schemas.openxmlformats.org/drawingml/2006/chart">
-            <c:chart xmlns:c="http://schemas.openxmlformats.org/drawingml/2006/chart" xmlns:r="http://schemas.openxmlformats.org/officeDocument/2006/relationships" r:id="rId3"/>
-          </a:graphicData>
-        </a:graphic>
-      </p:graphicFrame>
+          <p:cNvSpPr/>
+          <p:nvPr/>
+        </p:nvSpPr>
+        <p:spPr>
+          <a:xfrm>
+            <a:off x="4619156" y="769230"/>
+            <a:ext cx="494950" cy="402153"/>
+          </a:xfrm>
+          <a:prstGeom prst="rightArrow">
+            <a:avLst/>
+          </a:prstGeom>
+        </p:spPr>
+        <p:style>
+          <a:lnRef idx="2">
+            <a:schemeClr val="accent1">
+              <a:shade val="50000"/>
+            </a:schemeClr>
+          </a:lnRef>
+          <a:fillRef idx="1">
+            <a:schemeClr val="accent1"/>
+          </a:fillRef>
+          <a:effectRef idx="0">
+            <a:schemeClr val="accent1"/>
+          </a:effectRef>
+          <a:fontRef idx="minor">
+            <a:schemeClr val="lt1"/>
+          </a:fontRef>
+        </p:style>
+        <p:txBody>
+          <a:bodyPr rtlCol="0" anchor="ctr"/>
+          <a:lstStyle/>
+          <a:p>
+            <a:pPr algn="ctr"/>
+            <a:endParaRPr lang="en-US"/>
+          </a:p>
+        </p:txBody>
+      </p:sp>
+      <p:pic>
+        <p:nvPicPr>
+          <p:cNvPr id="15" name="Picture 14">
+            <a:extLst>
+              <a:ext uri="{FF2B5EF4-FFF2-40B4-BE49-F238E27FC236}">
+                <a16:creationId xmlns:a16="http://schemas.microsoft.com/office/drawing/2014/main" id="{5384B588-32B1-47EB-84DC-716F76CD9DD2}"/>
+              </a:ext>
+            </a:extLst>
+          </p:cNvPr>
+          <p:cNvPicPr>
+            <a:picLocks noChangeAspect="1"/>
+          </p:cNvPicPr>
+          <p:nvPr/>
+        </p:nvPicPr>
+        <p:blipFill>
+          <a:blip r:embed="rId2"/>
+          <a:stretch>
+            <a:fillRect/>
+          </a:stretch>
+        </p:blipFill>
+        <p:spPr>
+          <a:xfrm>
+            <a:off x="377390" y="1515506"/>
+            <a:ext cx="4085553" cy="3287473"/>
+          </a:xfrm>
+          <a:prstGeom prst="rect">
+            <a:avLst/>
+          </a:prstGeom>
+        </p:spPr>
+      </p:pic>
+      <p:pic>
+        <p:nvPicPr>
+          <p:cNvPr id="17" name="Picture 16">
+            <a:extLst>
+              <a:ext uri="{FF2B5EF4-FFF2-40B4-BE49-F238E27FC236}">
+                <a16:creationId xmlns:a16="http://schemas.microsoft.com/office/drawing/2014/main" id="{7AB99CA0-B5E1-F088-25E9-3BAA5BA7BED8}"/>
+              </a:ext>
+            </a:extLst>
+          </p:cNvPr>
+          <p:cNvPicPr>
+            <a:picLocks noChangeAspect="1"/>
+          </p:cNvPicPr>
+          <p:nvPr/>
+        </p:nvPicPr>
+        <p:blipFill>
+          <a:blip r:embed="rId3"/>
+          <a:stretch>
+            <a:fillRect/>
+          </a:stretch>
+        </p:blipFill>
+        <p:spPr>
+          <a:xfrm>
+            <a:off x="4773338" y="1515506"/>
+            <a:ext cx="3894175" cy="3287473"/>
+          </a:xfrm>
+          <a:prstGeom prst="rect">
+            <a:avLst/>
+          </a:prstGeom>
+        </p:spPr>
+      </p:pic>
     </p:spTree>
     <p:extLst>
       <p:ext uri="{BB962C8B-B14F-4D97-AF65-F5344CB8AC3E}">
-        <p14:creationId xmlns:p14="http://schemas.microsoft.com/office/powerpoint/2010/main" val="2402133244"/>
+        <p14:creationId xmlns:p14="http://schemas.microsoft.com/office/powerpoint/2010/main" val="1398150632"/>
       </p:ext>
     </p:extLst>
   </p:cSld>
@@ -27641,7 +25509,31 @@
       </a:bgFillStyleLst>
     </a:fmtScheme>
   </a:themeElements>
-  <a:objectDefaults/>
+  <a:objectDefaults>
+    <a:lnDef>
+      <a:spPr>
+        <a:ln>
+          <a:tailEnd type="triangle"/>
+        </a:ln>
+      </a:spPr>
+      <a:bodyPr/>
+      <a:lstStyle/>
+      <a:style>
+        <a:lnRef idx="1">
+          <a:schemeClr val="accent1"/>
+        </a:lnRef>
+        <a:fillRef idx="0">
+          <a:schemeClr val="accent1"/>
+        </a:fillRef>
+        <a:effectRef idx="0">
+          <a:schemeClr val="accent1"/>
+        </a:effectRef>
+        <a:fontRef idx="minor">
+          <a:schemeClr val="tx1"/>
+        </a:fontRef>
+      </a:style>
+    </a:lnDef>
+  </a:objectDefaults>
   <a:extraClrSchemeLst/>
 </a:theme>
 </file>

--- a/ML5G-PS-012-Xdding-Presentation.pptx
+++ b/ML5G-PS-012-Xdding-Presentation.pptx
@@ -12912,7 +12912,7 @@
         <p:spPr>
           <a:xfrm>
             <a:off x="494430" y="989475"/>
-            <a:ext cx="8030745" cy="2869461"/>
+            <a:ext cx="8030745" cy="3507024"/>
           </a:xfrm>
         </p:spPr>
         <p:txBody>
@@ -12920,7 +12920,13 @@
           <a:lstStyle/>
           <a:p>
             <a:r>
-              <a:rPr lang="en-US" sz="2800" dirty="0"/>
+              <a:rPr lang="en-US" sz="2400" dirty="0"/>
+              <a:t>Multivariate Time Series Classification (MTSC) Problem</a:t>
+            </a:r>
+          </a:p>
+          <a:p>
+            <a:r>
+              <a:rPr lang="en-US" sz="2400" dirty="0"/>
               <a:t>Experiments Show Two Promising Model Architectures:</a:t>
             </a:r>
           </a:p>
@@ -12930,7 +12936,7 @@
               <a:buAutoNum type="romanUcPeriod"/>
             </a:pPr>
             <a:r>
-              <a:rPr lang="en-US" sz="2000" dirty="0"/>
+              <a:rPr lang="en-US" sz="1800" dirty="0"/>
               <a:t>Data Preprocessing Pipeline + Long Short Term Memory Recurrent Neural Network (LSTM RNN)</a:t>
             </a:r>
           </a:p>
@@ -12940,7 +12946,7 @@
               <a:buAutoNum type="romanUcPeriod"/>
             </a:pPr>
             <a:r>
-              <a:rPr lang="en-US" sz="2000" dirty="0"/>
+              <a:rPr lang="en-US" sz="1800" dirty="0"/>
               <a:t>No Preprocessing + TSFresh Library + PCA + XGBoost</a:t>
             </a:r>
           </a:p>
